--- a/3/Ambient.pptx
+++ b/3/Ambient.pptx
@@ -9,8 +9,8 @@
   </p:notesMasterIdLst>
   <p:sldIdLst>
     <p:sldId id="256" r:id="rId2"/>
-    <p:sldId id="259" r:id="rId3"/>
-    <p:sldId id="260" r:id="rId4"/>
+    <p:sldId id="260" r:id="rId3"/>
+    <p:sldId id="259" r:id="rId4"/>
   </p:sldIdLst>
   <p:sldSz cx="12192000" cy="6858000"/>
   <p:notesSz cx="6858000" cy="9144000"/>
@@ -118,6 +118,753 @@
 </file>
 
 <file path=ppt/diagrams/colors1.xml><?xml version="1.0" encoding="utf-8"?>
+<dgm:colorsDef xmlns:dgm="http://schemas.openxmlformats.org/drawingml/2006/diagram" xmlns:a="http://schemas.openxmlformats.org/drawingml/2006/main" uniqueId="urn:microsoft.com/office/officeart/2005/8/colors/accent2_2">
+  <dgm:title val=""/>
+  <dgm:desc val=""/>
+  <dgm:catLst>
+    <dgm:cat type="accent2" pri="11200"/>
+  </dgm:catLst>
+  <dgm:styleLbl name="node0">
+    <dgm:fillClrLst meth="repeat">
+      <a:schemeClr val="accent2"/>
+    </dgm:fillClrLst>
+    <dgm:linClrLst meth="repeat">
+      <a:schemeClr val="lt1"/>
+    </dgm:linClrLst>
+    <dgm:effectClrLst/>
+    <dgm:txLinClrLst/>
+    <dgm:txFillClrLst/>
+    <dgm:txEffectClrLst/>
+  </dgm:styleLbl>
+  <dgm:styleLbl name="node1">
+    <dgm:fillClrLst meth="repeat">
+      <a:schemeClr val="accent2"/>
+    </dgm:fillClrLst>
+    <dgm:linClrLst meth="repeat">
+      <a:schemeClr val="lt1"/>
+    </dgm:linClrLst>
+    <dgm:effectClrLst/>
+    <dgm:txLinClrLst/>
+    <dgm:txFillClrLst/>
+    <dgm:txEffectClrLst/>
+  </dgm:styleLbl>
+  <dgm:styleLbl name="alignNode1">
+    <dgm:fillClrLst meth="repeat">
+      <a:schemeClr val="accent2"/>
+    </dgm:fillClrLst>
+    <dgm:linClrLst meth="repeat">
+      <a:schemeClr val="accent2"/>
+    </dgm:linClrLst>
+    <dgm:effectClrLst/>
+    <dgm:txLinClrLst/>
+    <dgm:txFillClrLst/>
+    <dgm:txEffectClrLst/>
+  </dgm:styleLbl>
+  <dgm:styleLbl name="lnNode1">
+    <dgm:fillClrLst meth="repeat">
+      <a:schemeClr val="accent2"/>
+    </dgm:fillClrLst>
+    <dgm:linClrLst meth="repeat">
+      <a:schemeClr val="lt1"/>
+    </dgm:linClrLst>
+    <dgm:effectClrLst/>
+    <dgm:txLinClrLst/>
+    <dgm:txFillClrLst/>
+    <dgm:txEffectClrLst/>
+  </dgm:styleLbl>
+  <dgm:styleLbl name="vennNode1">
+    <dgm:fillClrLst meth="repeat">
+      <a:schemeClr val="accent2">
+        <a:alpha val="50000"/>
+      </a:schemeClr>
+    </dgm:fillClrLst>
+    <dgm:linClrLst meth="repeat">
+      <a:schemeClr val="lt1"/>
+    </dgm:linClrLst>
+    <dgm:effectClrLst/>
+    <dgm:txLinClrLst/>
+    <dgm:txFillClrLst/>
+    <dgm:txEffectClrLst/>
+  </dgm:styleLbl>
+  <dgm:styleLbl name="node2">
+    <dgm:fillClrLst meth="repeat">
+      <a:schemeClr val="accent2"/>
+    </dgm:fillClrLst>
+    <dgm:linClrLst meth="repeat">
+      <a:schemeClr val="lt1"/>
+    </dgm:linClrLst>
+    <dgm:effectClrLst/>
+    <dgm:txLinClrLst/>
+    <dgm:txFillClrLst/>
+    <dgm:txEffectClrLst/>
+  </dgm:styleLbl>
+  <dgm:styleLbl name="node3">
+    <dgm:fillClrLst meth="repeat">
+      <a:schemeClr val="accent2"/>
+    </dgm:fillClrLst>
+    <dgm:linClrLst meth="repeat">
+      <a:schemeClr val="lt1"/>
+    </dgm:linClrLst>
+    <dgm:effectClrLst/>
+    <dgm:txLinClrLst/>
+    <dgm:txFillClrLst/>
+    <dgm:txEffectClrLst/>
+  </dgm:styleLbl>
+  <dgm:styleLbl name="node4">
+    <dgm:fillClrLst meth="repeat">
+      <a:schemeClr val="accent2"/>
+    </dgm:fillClrLst>
+    <dgm:linClrLst meth="repeat">
+      <a:schemeClr val="lt1"/>
+    </dgm:linClrLst>
+    <dgm:effectClrLst/>
+    <dgm:txLinClrLst/>
+    <dgm:txFillClrLst/>
+    <dgm:txEffectClrLst/>
+  </dgm:styleLbl>
+  <dgm:styleLbl name="fgImgPlace1">
+    <dgm:fillClrLst meth="repeat">
+      <a:schemeClr val="accent2">
+        <a:tint val="50000"/>
+      </a:schemeClr>
+    </dgm:fillClrLst>
+    <dgm:linClrLst meth="repeat">
+      <a:schemeClr val="lt1"/>
+    </dgm:linClrLst>
+    <dgm:effectClrLst/>
+    <dgm:txLinClrLst/>
+    <dgm:txFillClrLst meth="repeat">
+      <a:schemeClr val="lt1"/>
+    </dgm:txFillClrLst>
+    <dgm:txEffectClrLst/>
+  </dgm:styleLbl>
+  <dgm:styleLbl name="alignImgPlace1">
+    <dgm:fillClrLst meth="repeat">
+      <a:schemeClr val="accent2">
+        <a:tint val="50000"/>
+      </a:schemeClr>
+    </dgm:fillClrLst>
+    <dgm:linClrLst meth="repeat">
+      <a:schemeClr val="lt1"/>
+    </dgm:linClrLst>
+    <dgm:effectClrLst/>
+    <dgm:txLinClrLst/>
+    <dgm:txFillClrLst meth="repeat">
+      <a:schemeClr val="lt1"/>
+    </dgm:txFillClrLst>
+    <dgm:txEffectClrLst/>
+  </dgm:styleLbl>
+  <dgm:styleLbl name="bgImgPlace1">
+    <dgm:fillClrLst meth="repeat">
+      <a:schemeClr val="accent2">
+        <a:tint val="50000"/>
+      </a:schemeClr>
+    </dgm:fillClrLst>
+    <dgm:linClrLst meth="repeat">
+      <a:schemeClr val="lt1"/>
+    </dgm:linClrLst>
+    <dgm:effectClrLst/>
+    <dgm:txLinClrLst/>
+    <dgm:txFillClrLst meth="repeat">
+      <a:schemeClr val="lt1"/>
+    </dgm:txFillClrLst>
+    <dgm:txEffectClrLst/>
+  </dgm:styleLbl>
+  <dgm:styleLbl name="sibTrans2D1">
+    <dgm:fillClrLst meth="repeat">
+      <a:schemeClr val="accent2">
+        <a:tint val="60000"/>
+      </a:schemeClr>
+    </dgm:fillClrLst>
+    <dgm:linClrLst meth="repeat">
+      <a:schemeClr val="accent2">
+        <a:tint val="60000"/>
+      </a:schemeClr>
+    </dgm:linClrLst>
+    <dgm:effectClrLst/>
+    <dgm:txLinClrLst/>
+    <dgm:txFillClrLst/>
+    <dgm:txEffectClrLst/>
+  </dgm:styleLbl>
+  <dgm:styleLbl name="fgSibTrans2D1">
+    <dgm:fillClrLst meth="repeat">
+      <a:schemeClr val="accent2">
+        <a:tint val="60000"/>
+      </a:schemeClr>
+    </dgm:fillClrLst>
+    <dgm:linClrLst meth="repeat">
+      <a:schemeClr val="accent2">
+        <a:tint val="60000"/>
+      </a:schemeClr>
+    </dgm:linClrLst>
+    <dgm:effectClrLst/>
+    <dgm:txLinClrLst/>
+    <dgm:txFillClrLst/>
+    <dgm:txEffectClrLst/>
+  </dgm:styleLbl>
+  <dgm:styleLbl name="bgSibTrans2D1">
+    <dgm:fillClrLst meth="repeat">
+      <a:schemeClr val="accent2">
+        <a:tint val="60000"/>
+      </a:schemeClr>
+    </dgm:fillClrLst>
+    <dgm:linClrLst meth="repeat">
+      <a:schemeClr val="accent2">
+        <a:tint val="60000"/>
+      </a:schemeClr>
+    </dgm:linClrLst>
+    <dgm:effectClrLst/>
+    <dgm:txLinClrLst/>
+    <dgm:txFillClrLst/>
+    <dgm:txEffectClrLst/>
+  </dgm:styleLbl>
+  <dgm:styleLbl name="sibTrans1D1">
+    <dgm:fillClrLst meth="repeat">
+      <a:schemeClr val="accent2"/>
+    </dgm:fillClrLst>
+    <dgm:linClrLst meth="repeat">
+      <a:schemeClr val="accent2"/>
+    </dgm:linClrLst>
+    <dgm:effectClrLst/>
+    <dgm:txLinClrLst/>
+    <dgm:txFillClrLst meth="repeat">
+      <a:schemeClr val="tx1"/>
+    </dgm:txFillClrLst>
+    <dgm:txEffectClrLst/>
+  </dgm:styleLbl>
+  <dgm:styleLbl name="callout">
+    <dgm:fillClrLst meth="repeat">
+      <a:schemeClr val="accent2"/>
+    </dgm:fillClrLst>
+    <dgm:linClrLst meth="repeat">
+      <a:schemeClr val="accent2">
+        <a:tint val="50000"/>
+      </a:schemeClr>
+    </dgm:linClrLst>
+    <dgm:effectClrLst/>
+    <dgm:txLinClrLst/>
+    <dgm:txFillClrLst meth="repeat">
+      <a:schemeClr val="tx1"/>
+    </dgm:txFillClrLst>
+    <dgm:txEffectClrLst/>
+  </dgm:styleLbl>
+  <dgm:styleLbl name="asst0">
+    <dgm:fillClrLst meth="repeat">
+      <a:schemeClr val="accent2"/>
+    </dgm:fillClrLst>
+    <dgm:linClrLst meth="repeat">
+      <a:schemeClr val="lt1"/>
+    </dgm:linClrLst>
+    <dgm:effectClrLst/>
+    <dgm:txLinClrLst/>
+    <dgm:txFillClrLst/>
+    <dgm:txEffectClrLst/>
+  </dgm:styleLbl>
+  <dgm:styleLbl name="asst1">
+    <dgm:fillClrLst meth="repeat">
+      <a:schemeClr val="accent2"/>
+    </dgm:fillClrLst>
+    <dgm:linClrLst meth="repeat">
+      <a:schemeClr val="lt1"/>
+    </dgm:linClrLst>
+    <dgm:effectClrLst/>
+    <dgm:txLinClrLst/>
+    <dgm:txFillClrLst/>
+    <dgm:txEffectClrLst/>
+  </dgm:styleLbl>
+  <dgm:styleLbl name="asst2">
+    <dgm:fillClrLst meth="repeat">
+      <a:schemeClr val="accent2"/>
+    </dgm:fillClrLst>
+    <dgm:linClrLst meth="repeat">
+      <a:schemeClr val="lt1"/>
+    </dgm:linClrLst>
+    <dgm:effectClrLst/>
+    <dgm:txLinClrLst/>
+    <dgm:txFillClrLst/>
+    <dgm:txEffectClrLst/>
+  </dgm:styleLbl>
+  <dgm:styleLbl name="asst3">
+    <dgm:fillClrLst meth="repeat">
+      <a:schemeClr val="accent2"/>
+    </dgm:fillClrLst>
+    <dgm:linClrLst meth="repeat">
+      <a:schemeClr val="lt1"/>
+    </dgm:linClrLst>
+    <dgm:effectClrLst/>
+    <dgm:txLinClrLst/>
+    <dgm:txFillClrLst/>
+    <dgm:txEffectClrLst/>
+  </dgm:styleLbl>
+  <dgm:styleLbl name="asst4">
+    <dgm:fillClrLst meth="repeat">
+      <a:schemeClr val="accent2"/>
+    </dgm:fillClrLst>
+    <dgm:linClrLst meth="repeat">
+      <a:schemeClr val="lt1"/>
+    </dgm:linClrLst>
+    <dgm:effectClrLst/>
+    <dgm:txLinClrLst/>
+    <dgm:txFillClrLst/>
+    <dgm:txEffectClrLst/>
+  </dgm:styleLbl>
+  <dgm:styleLbl name="parChTrans2D1">
+    <dgm:fillClrLst meth="repeat">
+      <a:schemeClr val="accent2">
+        <a:tint val="60000"/>
+      </a:schemeClr>
+    </dgm:fillClrLst>
+    <dgm:linClrLst meth="repeat">
+      <a:schemeClr val="accent2">
+        <a:tint val="60000"/>
+      </a:schemeClr>
+    </dgm:linClrLst>
+    <dgm:effectClrLst/>
+    <dgm:txLinClrLst/>
+    <dgm:txFillClrLst meth="repeat">
+      <a:schemeClr val="lt1"/>
+    </dgm:txFillClrLst>
+    <dgm:txEffectClrLst/>
+  </dgm:styleLbl>
+  <dgm:styleLbl name="parChTrans2D2">
+    <dgm:fillClrLst meth="repeat">
+      <a:schemeClr val="accent2"/>
+    </dgm:fillClrLst>
+    <dgm:linClrLst meth="repeat">
+      <a:schemeClr val="accent2"/>
+    </dgm:linClrLst>
+    <dgm:effectClrLst/>
+    <dgm:txLinClrLst/>
+    <dgm:txFillClrLst meth="repeat">
+      <a:schemeClr val="lt1"/>
+    </dgm:txFillClrLst>
+    <dgm:txEffectClrLst/>
+  </dgm:styleLbl>
+  <dgm:styleLbl name="parChTrans2D3">
+    <dgm:fillClrLst meth="repeat">
+      <a:schemeClr val="accent2"/>
+    </dgm:fillClrLst>
+    <dgm:linClrLst meth="repeat">
+      <a:schemeClr val="accent2"/>
+    </dgm:linClrLst>
+    <dgm:effectClrLst/>
+    <dgm:txLinClrLst/>
+    <dgm:txFillClrLst meth="repeat">
+      <a:schemeClr val="lt1"/>
+    </dgm:txFillClrLst>
+    <dgm:txEffectClrLst/>
+  </dgm:styleLbl>
+  <dgm:styleLbl name="parChTrans2D4">
+    <dgm:fillClrLst meth="repeat">
+      <a:schemeClr val="accent2"/>
+    </dgm:fillClrLst>
+    <dgm:linClrLst meth="repeat">
+      <a:schemeClr val="accent2"/>
+    </dgm:linClrLst>
+    <dgm:effectClrLst/>
+    <dgm:txLinClrLst/>
+    <dgm:txFillClrLst meth="repeat">
+      <a:schemeClr val="lt1"/>
+    </dgm:txFillClrLst>
+    <dgm:txEffectClrLst/>
+  </dgm:styleLbl>
+  <dgm:styleLbl name="parChTrans1D1">
+    <dgm:fillClrLst meth="repeat">
+      <a:schemeClr val="accent2"/>
+    </dgm:fillClrLst>
+    <dgm:linClrLst meth="repeat">
+      <a:schemeClr val="accent2">
+        <a:shade val="60000"/>
+      </a:schemeClr>
+    </dgm:linClrLst>
+    <dgm:effectClrLst/>
+    <dgm:txLinClrLst/>
+    <dgm:txFillClrLst meth="repeat">
+      <a:schemeClr val="tx1"/>
+    </dgm:txFillClrLst>
+    <dgm:txEffectClrLst/>
+  </dgm:styleLbl>
+  <dgm:styleLbl name="parChTrans1D2">
+    <dgm:fillClrLst meth="repeat">
+      <a:schemeClr val="accent2"/>
+    </dgm:fillClrLst>
+    <dgm:linClrLst meth="repeat">
+      <a:schemeClr val="accent2">
+        <a:shade val="60000"/>
+      </a:schemeClr>
+    </dgm:linClrLst>
+    <dgm:effectClrLst/>
+    <dgm:txLinClrLst/>
+    <dgm:txFillClrLst meth="repeat">
+      <a:schemeClr val="tx1"/>
+    </dgm:txFillClrLst>
+    <dgm:txEffectClrLst/>
+  </dgm:styleLbl>
+  <dgm:styleLbl name="parChTrans1D3">
+    <dgm:fillClrLst meth="repeat">
+      <a:schemeClr val="accent2"/>
+    </dgm:fillClrLst>
+    <dgm:linClrLst meth="repeat">
+      <a:schemeClr val="accent2">
+        <a:shade val="80000"/>
+      </a:schemeClr>
+    </dgm:linClrLst>
+    <dgm:effectClrLst/>
+    <dgm:txLinClrLst/>
+    <dgm:txFillClrLst meth="repeat">
+      <a:schemeClr val="tx1"/>
+    </dgm:txFillClrLst>
+    <dgm:txEffectClrLst/>
+  </dgm:styleLbl>
+  <dgm:styleLbl name="parChTrans1D4">
+    <dgm:fillClrLst meth="repeat">
+      <a:schemeClr val="accent2"/>
+    </dgm:fillClrLst>
+    <dgm:linClrLst meth="repeat">
+      <a:schemeClr val="accent2">
+        <a:shade val="80000"/>
+      </a:schemeClr>
+    </dgm:linClrLst>
+    <dgm:effectClrLst/>
+    <dgm:txLinClrLst/>
+    <dgm:txFillClrLst meth="repeat">
+      <a:schemeClr val="tx1"/>
+    </dgm:txFillClrLst>
+    <dgm:txEffectClrLst/>
+  </dgm:styleLbl>
+  <dgm:styleLbl name="fgAcc1">
+    <dgm:fillClrLst meth="repeat">
+      <a:schemeClr val="lt1">
+        <a:alpha val="90000"/>
+      </a:schemeClr>
+    </dgm:fillClrLst>
+    <dgm:linClrLst meth="repeat">
+      <a:schemeClr val="accent2"/>
+    </dgm:linClrLst>
+    <dgm:effectClrLst/>
+    <dgm:txLinClrLst/>
+    <dgm:txFillClrLst meth="repeat">
+      <a:schemeClr val="dk1"/>
+    </dgm:txFillClrLst>
+    <dgm:txEffectClrLst/>
+  </dgm:styleLbl>
+  <dgm:styleLbl name="conFgAcc1">
+    <dgm:fillClrLst meth="repeat">
+      <a:schemeClr val="lt1">
+        <a:alpha val="90000"/>
+      </a:schemeClr>
+    </dgm:fillClrLst>
+    <dgm:linClrLst meth="repeat">
+      <a:schemeClr val="accent2"/>
+    </dgm:linClrLst>
+    <dgm:effectClrLst/>
+    <dgm:txLinClrLst/>
+    <dgm:txFillClrLst meth="repeat">
+      <a:schemeClr val="dk1"/>
+    </dgm:txFillClrLst>
+    <dgm:txEffectClrLst/>
+  </dgm:styleLbl>
+  <dgm:styleLbl name="alignAcc1">
+    <dgm:fillClrLst meth="repeat">
+      <a:schemeClr val="lt1">
+        <a:alpha val="90000"/>
+      </a:schemeClr>
+    </dgm:fillClrLst>
+    <dgm:linClrLst meth="repeat">
+      <a:schemeClr val="accent2"/>
+    </dgm:linClrLst>
+    <dgm:effectClrLst/>
+    <dgm:txLinClrLst/>
+    <dgm:txFillClrLst meth="repeat">
+      <a:schemeClr val="dk1"/>
+    </dgm:txFillClrLst>
+    <dgm:txEffectClrLst/>
+  </dgm:styleLbl>
+  <dgm:styleLbl name="trAlignAcc1">
+    <dgm:fillClrLst meth="repeat">
+      <a:schemeClr val="lt1">
+        <a:alpha val="40000"/>
+      </a:schemeClr>
+    </dgm:fillClrLst>
+    <dgm:linClrLst meth="repeat">
+      <a:schemeClr val="accent2"/>
+    </dgm:linClrLst>
+    <dgm:effectClrLst/>
+    <dgm:txLinClrLst/>
+    <dgm:txFillClrLst meth="repeat">
+      <a:schemeClr val="dk1"/>
+    </dgm:txFillClrLst>
+    <dgm:txEffectClrLst/>
+  </dgm:styleLbl>
+  <dgm:styleLbl name="bgAcc1">
+    <dgm:fillClrLst meth="repeat">
+      <a:schemeClr val="lt1">
+        <a:alpha val="90000"/>
+      </a:schemeClr>
+    </dgm:fillClrLst>
+    <dgm:linClrLst meth="repeat">
+      <a:schemeClr val="accent2"/>
+    </dgm:linClrLst>
+    <dgm:effectClrLst/>
+    <dgm:txLinClrLst/>
+    <dgm:txFillClrLst meth="repeat">
+      <a:schemeClr val="dk1"/>
+    </dgm:txFillClrLst>
+    <dgm:txEffectClrLst/>
+  </dgm:styleLbl>
+  <dgm:styleLbl name="solidFgAcc1">
+    <dgm:fillClrLst meth="repeat">
+      <a:schemeClr val="lt1"/>
+    </dgm:fillClrLst>
+    <dgm:linClrLst meth="repeat">
+      <a:schemeClr val="accent2"/>
+    </dgm:linClrLst>
+    <dgm:effectClrLst/>
+    <dgm:txLinClrLst/>
+    <dgm:txFillClrLst meth="repeat">
+      <a:schemeClr val="dk1"/>
+    </dgm:txFillClrLst>
+    <dgm:txEffectClrLst/>
+  </dgm:styleLbl>
+  <dgm:styleLbl name="solidAlignAcc1">
+    <dgm:fillClrLst meth="repeat">
+      <a:schemeClr val="lt1"/>
+    </dgm:fillClrLst>
+    <dgm:linClrLst meth="repeat">
+      <a:schemeClr val="accent2"/>
+    </dgm:linClrLst>
+    <dgm:effectClrLst/>
+    <dgm:txLinClrLst/>
+    <dgm:txFillClrLst meth="repeat">
+      <a:schemeClr val="dk1"/>
+    </dgm:txFillClrLst>
+    <dgm:txEffectClrLst/>
+  </dgm:styleLbl>
+  <dgm:styleLbl name="solidBgAcc1">
+    <dgm:fillClrLst meth="repeat">
+      <a:schemeClr val="lt1"/>
+    </dgm:fillClrLst>
+    <dgm:linClrLst meth="repeat">
+      <a:schemeClr val="accent2"/>
+    </dgm:linClrLst>
+    <dgm:effectClrLst/>
+    <dgm:txLinClrLst/>
+    <dgm:txFillClrLst meth="repeat">
+      <a:schemeClr val="dk1"/>
+    </dgm:txFillClrLst>
+    <dgm:txEffectClrLst/>
+  </dgm:styleLbl>
+  <dgm:styleLbl name="fgAccFollowNode1">
+    <dgm:fillClrLst meth="repeat">
+      <a:schemeClr val="accent2">
+        <a:alpha val="90000"/>
+        <a:tint val="40000"/>
+      </a:schemeClr>
+    </dgm:fillClrLst>
+    <dgm:linClrLst meth="repeat">
+      <a:schemeClr val="accent2">
+        <a:alpha val="90000"/>
+        <a:tint val="40000"/>
+      </a:schemeClr>
+    </dgm:linClrLst>
+    <dgm:effectClrLst/>
+    <dgm:txLinClrLst/>
+    <dgm:txFillClrLst meth="repeat">
+      <a:schemeClr val="dk1"/>
+    </dgm:txFillClrLst>
+    <dgm:txEffectClrLst/>
+  </dgm:styleLbl>
+  <dgm:styleLbl name="alignAccFollowNode1">
+    <dgm:fillClrLst meth="repeat">
+      <a:schemeClr val="accent2">
+        <a:alpha val="90000"/>
+        <a:tint val="40000"/>
+      </a:schemeClr>
+    </dgm:fillClrLst>
+    <dgm:linClrLst meth="repeat">
+      <a:schemeClr val="accent2">
+        <a:alpha val="90000"/>
+        <a:tint val="40000"/>
+      </a:schemeClr>
+    </dgm:linClrLst>
+    <dgm:effectClrLst/>
+    <dgm:txLinClrLst/>
+    <dgm:txFillClrLst meth="repeat">
+      <a:schemeClr val="dk1"/>
+    </dgm:txFillClrLst>
+    <dgm:txEffectClrLst/>
+  </dgm:styleLbl>
+  <dgm:styleLbl name="bgAccFollowNode1">
+    <dgm:fillClrLst meth="repeat">
+      <a:schemeClr val="accent2">
+        <a:alpha val="90000"/>
+        <a:tint val="40000"/>
+      </a:schemeClr>
+    </dgm:fillClrLst>
+    <dgm:linClrLst meth="repeat">
+      <a:schemeClr val="accent2">
+        <a:alpha val="90000"/>
+        <a:tint val="40000"/>
+      </a:schemeClr>
+    </dgm:linClrLst>
+    <dgm:effectClrLst/>
+    <dgm:txLinClrLst/>
+    <dgm:txFillClrLst meth="repeat">
+      <a:schemeClr val="dk1"/>
+    </dgm:txFillClrLst>
+    <dgm:txEffectClrLst/>
+  </dgm:styleLbl>
+  <dgm:styleLbl name="fgAcc0">
+    <dgm:fillClrLst meth="repeat">
+      <a:schemeClr val="lt1">
+        <a:alpha val="90000"/>
+      </a:schemeClr>
+    </dgm:fillClrLst>
+    <dgm:linClrLst meth="repeat">
+      <a:schemeClr val="accent2"/>
+    </dgm:linClrLst>
+    <dgm:effectClrLst/>
+    <dgm:txLinClrLst/>
+    <dgm:txFillClrLst meth="repeat">
+      <a:schemeClr val="dk1"/>
+    </dgm:txFillClrLst>
+    <dgm:txEffectClrLst/>
+  </dgm:styleLbl>
+  <dgm:styleLbl name="fgAcc2">
+    <dgm:fillClrLst meth="repeat">
+      <a:schemeClr val="lt1">
+        <a:alpha val="90000"/>
+      </a:schemeClr>
+    </dgm:fillClrLst>
+    <dgm:linClrLst meth="repeat">
+      <a:schemeClr val="accent2"/>
+    </dgm:linClrLst>
+    <dgm:effectClrLst/>
+    <dgm:txLinClrLst/>
+    <dgm:txFillClrLst meth="repeat">
+      <a:schemeClr val="dk1"/>
+    </dgm:txFillClrLst>
+    <dgm:txEffectClrLst/>
+  </dgm:styleLbl>
+  <dgm:styleLbl name="fgAcc3">
+    <dgm:fillClrLst meth="repeat">
+      <a:schemeClr val="lt1">
+        <a:alpha val="90000"/>
+      </a:schemeClr>
+    </dgm:fillClrLst>
+    <dgm:linClrLst meth="repeat">
+      <a:schemeClr val="accent2"/>
+    </dgm:linClrLst>
+    <dgm:effectClrLst/>
+    <dgm:txLinClrLst/>
+    <dgm:txFillClrLst meth="repeat">
+      <a:schemeClr val="dk1"/>
+    </dgm:txFillClrLst>
+    <dgm:txEffectClrLst/>
+  </dgm:styleLbl>
+  <dgm:styleLbl name="fgAcc4">
+    <dgm:fillClrLst meth="repeat">
+      <a:schemeClr val="lt1">
+        <a:alpha val="90000"/>
+      </a:schemeClr>
+    </dgm:fillClrLst>
+    <dgm:linClrLst meth="repeat">
+      <a:schemeClr val="accent2"/>
+    </dgm:linClrLst>
+    <dgm:effectClrLst/>
+    <dgm:txLinClrLst/>
+    <dgm:txFillClrLst meth="repeat">
+      <a:schemeClr val="dk1"/>
+    </dgm:txFillClrLst>
+    <dgm:txEffectClrLst/>
+  </dgm:styleLbl>
+  <dgm:styleLbl name="bgShp">
+    <dgm:fillClrLst meth="repeat">
+      <a:schemeClr val="accent2">
+        <a:tint val="40000"/>
+      </a:schemeClr>
+    </dgm:fillClrLst>
+    <dgm:linClrLst meth="repeat">
+      <a:schemeClr val="accent2"/>
+    </dgm:linClrLst>
+    <dgm:effectClrLst/>
+    <dgm:txLinClrLst/>
+    <dgm:txFillClrLst meth="repeat">
+      <a:schemeClr val="dk1"/>
+    </dgm:txFillClrLst>
+    <dgm:txEffectClrLst/>
+  </dgm:styleLbl>
+  <dgm:styleLbl name="dkBgShp">
+    <dgm:fillClrLst meth="repeat">
+      <a:schemeClr val="accent2">
+        <a:shade val="80000"/>
+      </a:schemeClr>
+    </dgm:fillClrLst>
+    <dgm:linClrLst meth="repeat">
+      <a:schemeClr val="accent2"/>
+    </dgm:linClrLst>
+    <dgm:effectClrLst/>
+    <dgm:txLinClrLst/>
+    <dgm:txFillClrLst meth="repeat">
+      <a:schemeClr val="lt1"/>
+    </dgm:txFillClrLst>
+    <dgm:txEffectClrLst/>
+  </dgm:styleLbl>
+  <dgm:styleLbl name="trBgShp">
+    <dgm:fillClrLst meth="repeat">
+      <a:schemeClr val="accent2">
+        <a:tint val="50000"/>
+        <a:alpha val="40000"/>
+      </a:schemeClr>
+    </dgm:fillClrLst>
+    <dgm:linClrLst meth="repeat">
+      <a:schemeClr val="accent2"/>
+    </dgm:linClrLst>
+    <dgm:effectClrLst/>
+    <dgm:txLinClrLst/>
+    <dgm:txFillClrLst meth="repeat">
+      <a:schemeClr val="lt1"/>
+    </dgm:txFillClrLst>
+    <dgm:txEffectClrLst/>
+  </dgm:styleLbl>
+  <dgm:styleLbl name="fgShp">
+    <dgm:fillClrLst meth="repeat">
+      <a:schemeClr val="accent2">
+        <a:tint val="60000"/>
+      </a:schemeClr>
+    </dgm:fillClrLst>
+    <dgm:linClrLst meth="repeat">
+      <a:schemeClr val="lt1"/>
+    </dgm:linClrLst>
+    <dgm:effectClrLst/>
+    <dgm:txLinClrLst/>
+    <dgm:txFillClrLst meth="repeat">
+      <a:schemeClr val="dk1"/>
+    </dgm:txFillClrLst>
+    <dgm:txEffectClrLst/>
+  </dgm:styleLbl>
+  <dgm:styleLbl name="revTx">
+    <dgm:fillClrLst meth="repeat">
+      <a:schemeClr val="lt1">
+        <a:alpha val="0"/>
+      </a:schemeClr>
+    </dgm:fillClrLst>
+    <dgm:linClrLst meth="repeat">
+      <a:schemeClr val="dk1">
+        <a:alpha val="0"/>
+      </a:schemeClr>
+    </dgm:linClrLst>
+    <dgm:effectClrLst/>
+    <dgm:txLinClrLst/>
+    <dgm:txFillClrLst meth="repeat">
+      <a:schemeClr val="tx1"/>
+    </dgm:txFillClrLst>
+    <dgm:txEffectClrLst/>
+  </dgm:styleLbl>
+</dgm:colorsDef>
+</file>
+
+<file path=ppt/diagrams/colors2.xml><?xml version="1.0" encoding="utf-8"?>
 <dgm:colorsDef xmlns:dgm="http://schemas.openxmlformats.org/drawingml/2006/diagram" xmlns:a="http://schemas.openxmlformats.org/drawingml/2006/main" uniqueId="urn:microsoft.com/office/officeart/2005/8/colors/colorful2">
   <dgm:title val=""/>
   <dgm:desc val=""/>
@@ -899,754 +1646,660 @@
 </dgm:colorsDef>
 </file>
 
-<file path=ppt/diagrams/colors2.xml><?xml version="1.0" encoding="utf-8"?>
-<dgm:colorsDef xmlns:dgm="http://schemas.openxmlformats.org/drawingml/2006/diagram" xmlns:a="http://schemas.openxmlformats.org/drawingml/2006/main" uniqueId="urn:microsoft.com/office/officeart/2005/8/colors/accent2_2">
-  <dgm:title val=""/>
-  <dgm:desc val=""/>
-  <dgm:catLst>
-    <dgm:cat type="accent2" pri="11200"/>
-  </dgm:catLst>
-  <dgm:styleLbl name="node0">
-    <dgm:fillClrLst meth="repeat">
-      <a:schemeClr val="accent2"/>
-    </dgm:fillClrLst>
-    <dgm:linClrLst meth="repeat">
-      <a:schemeClr val="lt1"/>
-    </dgm:linClrLst>
-    <dgm:effectClrLst/>
-    <dgm:txLinClrLst/>
-    <dgm:txFillClrLst/>
-    <dgm:txEffectClrLst/>
-  </dgm:styleLbl>
-  <dgm:styleLbl name="node1">
-    <dgm:fillClrLst meth="repeat">
-      <a:schemeClr val="accent2"/>
-    </dgm:fillClrLst>
-    <dgm:linClrLst meth="repeat">
-      <a:schemeClr val="lt1"/>
-    </dgm:linClrLst>
-    <dgm:effectClrLst/>
-    <dgm:txLinClrLst/>
-    <dgm:txFillClrLst/>
-    <dgm:txEffectClrLst/>
-  </dgm:styleLbl>
-  <dgm:styleLbl name="alignNode1">
-    <dgm:fillClrLst meth="repeat">
-      <a:schemeClr val="accent2"/>
-    </dgm:fillClrLst>
-    <dgm:linClrLst meth="repeat">
-      <a:schemeClr val="accent2"/>
-    </dgm:linClrLst>
-    <dgm:effectClrLst/>
-    <dgm:txLinClrLst/>
-    <dgm:txFillClrLst/>
-    <dgm:txEffectClrLst/>
-  </dgm:styleLbl>
-  <dgm:styleLbl name="lnNode1">
-    <dgm:fillClrLst meth="repeat">
-      <a:schemeClr val="accent2"/>
-    </dgm:fillClrLst>
-    <dgm:linClrLst meth="repeat">
-      <a:schemeClr val="lt1"/>
-    </dgm:linClrLst>
-    <dgm:effectClrLst/>
-    <dgm:txLinClrLst/>
-    <dgm:txFillClrLst/>
-    <dgm:txEffectClrLst/>
-  </dgm:styleLbl>
-  <dgm:styleLbl name="vennNode1">
-    <dgm:fillClrLst meth="repeat">
-      <a:schemeClr val="accent2">
-        <a:alpha val="50000"/>
-      </a:schemeClr>
-    </dgm:fillClrLst>
-    <dgm:linClrLst meth="repeat">
-      <a:schemeClr val="lt1"/>
-    </dgm:linClrLst>
-    <dgm:effectClrLst/>
-    <dgm:txLinClrLst/>
-    <dgm:txFillClrLst/>
-    <dgm:txEffectClrLst/>
-  </dgm:styleLbl>
-  <dgm:styleLbl name="node2">
-    <dgm:fillClrLst meth="repeat">
-      <a:schemeClr val="accent2"/>
-    </dgm:fillClrLst>
-    <dgm:linClrLst meth="repeat">
-      <a:schemeClr val="lt1"/>
-    </dgm:linClrLst>
-    <dgm:effectClrLst/>
-    <dgm:txLinClrLst/>
-    <dgm:txFillClrLst/>
-    <dgm:txEffectClrLst/>
-  </dgm:styleLbl>
-  <dgm:styleLbl name="node3">
-    <dgm:fillClrLst meth="repeat">
-      <a:schemeClr val="accent2"/>
-    </dgm:fillClrLst>
-    <dgm:linClrLst meth="repeat">
-      <a:schemeClr val="lt1"/>
-    </dgm:linClrLst>
-    <dgm:effectClrLst/>
-    <dgm:txLinClrLst/>
-    <dgm:txFillClrLst/>
-    <dgm:txEffectClrLst/>
-  </dgm:styleLbl>
-  <dgm:styleLbl name="node4">
-    <dgm:fillClrLst meth="repeat">
-      <a:schemeClr val="accent2"/>
-    </dgm:fillClrLst>
-    <dgm:linClrLst meth="repeat">
-      <a:schemeClr val="lt1"/>
-    </dgm:linClrLst>
-    <dgm:effectClrLst/>
-    <dgm:txLinClrLst/>
-    <dgm:txFillClrLst/>
-    <dgm:txEffectClrLst/>
-  </dgm:styleLbl>
-  <dgm:styleLbl name="fgImgPlace1">
-    <dgm:fillClrLst meth="repeat">
-      <a:schemeClr val="accent2">
-        <a:tint val="50000"/>
-      </a:schemeClr>
-    </dgm:fillClrLst>
-    <dgm:linClrLst meth="repeat">
-      <a:schemeClr val="lt1"/>
-    </dgm:linClrLst>
-    <dgm:effectClrLst/>
-    <dgm:txLinClrLst/>
-    <dgm:txFillClrLst meth="repeat">
-      <a:schemeClr val="lt1"/>
-    </dgm:txFillClrLst>
-    <dgm:txEffectClrLst/>
-  </dgm:styleLbl>
-  <dgm:styleLbl name="alignImgPlace1">
-    <dgm:fillClrLst meth="repeat">
-      <a:schemeClr val="accent2">
-        <a:tint val="50000"/>
-      </a:schemeClr>
-    </dgm:fillClrLst>
-    <dgm:linClrLst meth="repeat">
-      <a:schemeClr val="lt1"/>
-    </dgm:linClrLst>
-    <dgm:effectClrLst/>
-    <dgm:txLinClrLst/>
-    <dgm:txFillClrLst meth="repeat">
-      <a:schemeClr val="lt1"/>
-    </dgm:txFillClrLst>
-    <dgm:txEffectClrLst/>
-  </dgm:styleLbl>
-  <dgm:styleLbl name="bgImgPlace1">
-    <dgm:fillClrLst meth="repeat">
-      <a:schemeClr val="accent2">
-        <a:tint val="50000"/>
-      </a:schemeClr>
-    </dgm:fillClrLst>
-    <dgm:linClrLst meth="repeat">
-      <a:schemeClr val="lt1"/>
-    </dgm:linClrLst>
-    <dgm:effectClrLst/>
-    <dgm:txLinClrLst/>
-    <dgm:txFillClrLst meth="repeat">
-      <a:schemeClr val="lt1"/>
-    </dgm:txFillClrLst>
-    <dgm:txEffectClrLst/>
-  </dgm:styleLbl>
-  <dgm:styleLbl name="sibTrans2D1">
-    <dgm:fillClrLst meth="repeat">
-      <a:schemeClr val="accent2">
-        <a:tint val="60000"/>
-      </a:schemeClr>
-    </dgm:fillClrLst>
-    <dgm:linClrLst meth="repeat">
-      <a:schemeClr val="accent2">
-        <a:tint val="60000"/>
-      </a:schemeClr>
-    </dgm:linClrLst>
-    <dgm:effectClrLst/>
-    <dgm:txLinClrLst/>
-    <dgm:txFillClrLst/>
-    <dgm:txEffectClrLst/>
-  </dgm:styleLbl>
-  <dgm:styleLbl name="fgSibTrans2D1">
-    <dgm:fillClrLst meth="repeat">
-      <a:schemeClr val="accent2">
-        <a:tint val="60000"/>
-      </a:schemeClr>
-    </dgm:fillClrLst>
-    <dgm:linClrLst meth="repeat">
-      <a:schemeClr val="accent2">
-        <a:tint val="60000"/>
-      </a:schemeClr>
-    </dgm:linClrLst>
-    <dgm:effectClrLst/>
-    <dgm:txLinClrLst/>
-    <dgm:txFillClrLst/>
-    <dgm:txEffectClrLst/>
-  </dgm:styleLbl>
-  <dgm:styleLbl name="bgSibTrans2D1">
-    <dgm:fillClrLst meth="repeat">
-      <a:schemeClr val="accent2">
-        <a:tint val="60000"/>
-      </a:schemeClr>
-    </dgm:fillClrLst>
-    <dgm:linClrLst meth="repeat">
-      <a:schemeClr val="accent2">
-        <a:tint val="60000"/>
-      </a:schemeClr>
-    </dgm:linClrLst>
-    <dgm:effectClrLst/>
-    <dgm:txLinClrLst/>
-    <dgm:txFillClrLst/>
-    <dgm:txEffectClrLst/>
-  </dgm:styleLbl>
-  <dgm:styleLbl name="sibTrans1D1">
-    <dgm:fillClrLst meth="repeat">
-      <a:schemeClr val="accent2"/>
-    </dgm:fillClrLst>
-    <dgm:linClrLst meth="repeat">
-      <a:schemeClr val="accent2"/>
-    </dgm:linClrLst>
-    <dgm:effectClrLst/>
-    <dgm:txLinClrLst/>
-    <dgm:txFillClrLst meth="repeat">
-      <a:schemeClr val="tx1"/>
-    </dgm:txFillClrLst>
-    <dgm:txEffectClrLst/>
-  </dgm:styleLbl>
-  <dgm:styleLbl name="callout">
-    <dgm:fillClrLst meth="repeat">
-      <a:schemeClr val="accent2"/>
-    </dgm:fillClrLst>
-    <dgm:linClrLst meth="repeat">
-      <a:schemeClr val="accent2">
-        <a:tint val="50000"/>
-      </a:schemeClr>
-    </dgm:linClrLst>
-    <dgm:effectClrLst/>
-    <dgm:txLinClrLst/>
-    <dgm:txFillClrLst meth="repeat">
-      <a:schemeClr val="tx1"/>
-    </dgm:txFillClrLst>
-    <dgm:txEffectClrLst/>
-  </dgm:styleLbl>
-  <dgm:styleLbl name="asst0">
-    <dgm:fillClrLst meth="repeat">
-      <a:schemeClr val="accent2"/>
-    </dgm:fillClrLst>
-    <dgm:linClrLst meth="repeat">
-      <a:schemeClr val="lt1"/>
-    </dgm:linClrLst>
-    <dgm:effectClrLst/>
-    <dgm:txLinClrLst/>
-    <dgm:txFillClrLst/>
-    <dgm:txEffectClrLst/>
-  </dgm:styleLbl>
-  <dgm:styleLbl name="asst1">
-    <dgm:fillClrLst meth="repeat">
-      <a:schemeClr val="accent2"/>
-    </dgm:fillClrLst>
-    <dgm:linClrLst meth="repeat">
-      <a:schemeClr val="lt1"/>
-    </dgm:linClrLst>
-    <dgm:effectClrLst/>
-    <dgm:txLinClrLst/>
-    <dgm:txFillClrLst/>
-    <dgm:txEffectClrLst/>
-  </dgm:styleLbl>
-  <dgm:styleLbl name="asst2">
-    <dgm:fillClrLst meth="repeat">
-      <a:schemeClr val="accent2"/>
-    </dgm:fillClrLst>
-    <dgm:linClrLst meth="repeat">
-      <a:schemeClr val="lt1"/>
-    </dgm:linClrLst>
-    <dgm:effectClrLst/>
-    <dgm:txLinClrLst/>
-    <dgm:txFillClrLst/>
-    <dgm:txEffectClrLst/>
-  </dgm:styleLbl>
-  <dgm:styleLbl name="asst3">
-    <dgm:fillClrLst meth="repeat">
-      <a:schemeClr val="accent2"/>
-    </dgm:fillClrLst>
-    <dgm:linClrLst meth="repeat">
-      <a:schemeClr val="lt1"/>
-    </dgm:linClrLst>
-    <dgm:effectClrLst/>
-    <dgm:txLinClrLst/>
-    <dgm:txFillClrLst/>
-    <dgm:txEffectClrLst/>
-  </dgm:styleLbl>
-  <dgm:styleLbl name="asst4">
-    <dgm:fillClrLst meth="repeat">
-      <a:schemeClr val="accent2"/>
-    </dgm:fillClrLst>
-    <dgm:linClrLst meth="repeat">
-      <a:schemeClr val="lt1"/>
-    </dgm:linClrLst>
-    <dgm:effectClrLst/>
-    <dgm:txLinClrLst/>
-    <dgm:txFillClrLst/>
-    <dgm:txEffectClrLst/>
-  </dgm:styleLbl>
-  <dgm:styleLbl name="parChTrans2D1">
-    <dgm:fillClrLst meth="repeat">
-      <a:schemeClr val="accent2">
-        <a:tint val="60000"/>
-      </a:schemeClr>
-    </dgm:fillClrLst>
-    <dgm:linClrLst meth="repeat">
-      <a:schemeClr val="accent2">
-        <a:tint val="60000"/>
-      </a:schemeClr>
-    </dgm:linClrLst>
-    <dgm:effectClrLst/>
-    <dgm:txLinClrLst/>
-    <dgm:txFillClrLst meth="repeat">
-      <a:schemeClr val="lt1"/>
-    </dgm:txFillClrLst>
-    <dgm:txEffectClrLst/>
-  </dgm:styleLbl>
-  <dgm:styleLbl name="parChTrans2D2">
-    <dgm:fillClrLst meth="repeat">
-      <a:schemeClr val="accent2"/>
-    </dgm:fillClrLst>
-    <dgm:linClrLst meth="repeat">
-      <a:schemeClr val="accent2"/>
-    </dgm:linClrLst>
-    <dgm:effectClrLst/>
-    <dgm:txLinClrLst/>
-    <dgm:txFillClrLst meth="repeat">
-      <a:schemeClr val="lt1"/>
-    </dgm:txFillClrLst>
-    <dgm:txEffectClrLst/>
-  </dgm:styleLbl>
-  <dgm:styleLbl name="parChTrans2D3">
-    <dgm:fillClrLst meth="repeat">
-      <a:schemeClr val="accent2"/>
-    </dgm:fillClrLst>
-    <dgm:linClrLst meth="repeat">
-      <a:schemeClr val="accent2"/>
-    </dgm:linClrLst>
-    <dgm:effectClrLst/>
-    <dgm:txLinClrLst/>
-    <dgm:txFillClrLst meth="repeat">
-      <a:schemeClr val="lt1"/>
-    </dgm:txFillClrLst>
-    <dgm:txEffectClrLst/>
-  </dgm:styleLbl>
-  <dgm:styleLbl name="parChTrans2D4">
-    <dgm:fillClrLst meth="repeat">
-      <a:schemeClr val="accent2"/>
-    </dgm:fillClrLst>
-    <dgm:linClrLst meth="repeat">
-      <a:schemeClr val="accent2"/>
-    </dgm:linClrLst>
-    <dgm:effectClrLst/>
-    <dgm:txLinClrLst/>
-    <dgm:txFillClrLst meth="repeat">
-      <a:schemeClr val="lt1"/>
-    </dgm:txFillClrLst>
-    <dgm:txEffectClrLst/>
-  </dgm:styleLbl>
-  <dgm:styleLbl name="parChTrans1D1">
-    <dgm:fillClrLst meth="repeat">
-      <a:schemeClr val="accent2"/>
-    </dgm:fillClrLst>
-    <dgm:linClrLst meth="repeat">
-      <a:schemeClr val="accent2">
-        <a:shade val="60000"/>
-      </a:schemeClr>
-    </dgm:linClrLst>
-    <dgm:effectClrLst/>
-    <dgm:txLinClrLst/>
-    <dgm:txFillClrLst meth="repeat">
-      <a:schemeClr val="tx1"/>
-    </dgm:txFillClrLst>
-    <dgm:txEffectClrLst/>
-  </dgm:styleLbl>
-  <dgm:styleLbl name="parChTrans1D2">
-    <dgm:fillClrLst meth="repeat">
-      <a:schemeClr val="accent2"/>
-    </dgm:fillClrLst>
-    <dgm:linClrLst meth="repeat">
-      <a:schemeClr val="accent2">
-        <a:shade val="60000"/>
-      </a:schemeClr>
-    </dgm:linClrLst>
-    <dgm:effectClrLst/>
-    <dgm:txLinClrLst/>
-    <dgm:txFillClrLst meth="repeat">
-      <a:schemeClr val="tx1"/>
-    </dgm:txFillClrLst>
-    <dgm:txEffectClrLst/>
-  </dgm:styleLbl>
-  <dgm:styleLbl name="parChTrans1D3">
-    <dgm:fillClrLst meth="repeat">
-      <a:schemeClr val="accent2"/>
-    </dgm:fillClrLst>
-    <dgm:linClrLst meth="repeat">
-      <a:schemeClr val="accent2">
-        <a:shade val="80000"/>
-      </a:schemeClr>
-    </dgm:linClrLst>
-    <dgm:effectClrLst/>
-    <dgm:txLinClrLst/>
-    <dgm:txFillClrLst meth="repeat">
-      <a:schemeClr val="tx1"/>
-    </dgm:txFillClrLst>
-    <dgm:txEffectClrLst/>
-  </dgm:styleLbl>
-  <dgm:styleLbl name="parChTrans1D4">
-    <dgm:fillClrLst meth="repeat">
-      <a:schemeClr val="accent2"/>
-    </dgm:fillClrLst>
-    <dgm:linClrLst meth="repeat">
-      <a:schemeClr val="accent2">
-        <a:shade val="80000"/>
-      </a:schemeClr>
-    </dgm:linClrLst>
-    <dgm:effectClrLst/>
-    <dgm:txLinClrLst/>
-    <dgm:txFillClrLst meth="repeat">
-      <a:schemeClr val="tx1"/>
-    </dgm:txFillClrLst>
-    <dgm:txEffectClrLst/>
-  </dgm:styleLbl>
-  <dgm:styleLbl name="fgAcc1">
-    <dgm:fillClrLst meth="repeat">
-      <a:schemeClr val="lt1">
-        <a:alpha val="90000"/>
-      </a:schemeClr>
-    </dgm:fillClrLst>
-    <dgm:linClrLst meth="repeat">
-      <a:schemeClr val="accent2"/>
-    </dgm:linClrLst>
-    <dgm:effectClrLst/>
-    <dgm:txLinClrLst/>
-    <dgm:txFillClrLst meth="repeat">
-      <a:schemeClr val="dk1"/>
-    </dgm:txFillClrLst>
-    <dgm:txEffectClrLst/>
-  </dgm:styleLbl>
-  <dgm:styleLbl name="conFgAcc1">
-    <dgm:fillClrLst meth="repeat">
-      <a:schemeClr val="lt1">
-        <a:alpha val="90000"/>
-      </a:schemeClr>
-    </dgm:fillClrLst>
-    <dgm:linClrLst meth="repeat">
-      <a:schemeClr val="accent2"/>
-    </dgm:linClrLst>
-    <dgm:effectClrLst/>
-    <dgm:txLinClrLst/>
-    <dgm:txFillClrLst meth="repeat">
-      <a:schemeClr val="dk1"/>
-    </dgm:txFillClrLst>
-    <dgm:txEffectClrLst/>
-  </dgm:styleLbl>
-  <dgm:styleLbl name="alignAcc1">
-    <dgm:fillClrLst meth="repeat">
-      <a:schemeClr val="lt1">
-        <a:alpha val="90000"/>
-      </a:schemeClr>
-    </dgm:fillClrLst>
-    <dgm:linClrLst meth="repeat">
-      <a:schemeClr val="accent2"/>
-    </dgm:linClrLst>
-    <dgm:effectClrLst/>
-    <dgm:txLinClrLst/>
-    <dgm:txFillClrLst meth="repeat">
-      <a:schemeClr val="dk1"/>
-    </dgm:txFillClrLst>
-    <dgm:txEffectClrLst/>
-  </dgm:styleLbl>
-  <dgm:styleLbl name="trAlignAcc1">
-    <dgm:fillClrLst meth="repeat">
-      <a:schemeClr val="lt1">
-        <a:alpha val="40000"/>
-      </a:schemeClr>
-    </dgm:fillClrLst>
-    <dgm:linClrLst meth="repeat">
-      <a:schemeClr val="accent2"/>
-    </dgm:linClrLst>
-    <dgm:effectClrLst/>
-    <dgm:txLinClrLst/>
-    <dgm:txFillClrLst meth="repeat">
-      <a:schemeClr val="dk1"/>
-    </dgm:txFillClrLst>
-    <dgm:txEffectClrLst/>
-  </dgm:styleLbl>
-  <dgm:styleLbl name="bgAcc1">
-    <dgm:fillClrLst meth="repeat">
-      <a:schemeClr val="lt1">
-        <a:alpha val="90000"/>
-      </a:schemeClr>
-    </dgm:fillClrLst>
-    <dgm:linClrLst meth="repeat">
-      <a:schemeClr val="accent2"/>
-    </dgm:linClrLst>
-    <dgm:effectClrLst/>
-    <dgm:txLinClrLst/>
-    <dgm:txFillClrLst meth="repeat">
-      <a:schemeClr val="dk1"/>
-    </dgm:txFillClrLst>
-    <dgm:txEffectClrLst/>
-  </dgm:styleLbl>
-  <dgm:styleLbl name="solidFgAcc1">
-    <dgm:fillClrLst meth="repeat">
-      <a:schemeClr val="lt1"/>
-    </dgm:fillClrLst>
-    <dgm:linClrLst meth="repeat">
-      <a:schemeClr val="accent2"/>
-    </dgm:linClrLst>
-    <dgm:effectClrLst/>
-    <dgm:txLinClrLst/>
-    <dgm:txFillClrLst meth="repeat">
-      <a:schemeClr val="dk1"/>
-    </dgm:txFillClrLst>
-    <dgm:txEffectClrLst/>
-  </dgm:styleLbl>
-  <dgm:styleLbl name="solidAlignAcc1">
-    <dgm:fillClrLst meth="repeat">
-      <a:schemeClr val="lt1"/>
-    </dgm:fillClrLst>
-    <dgm:linClrLst meth="repeat">
-      <a:schemeClr val="accent2"/>
-    </dgm:linClrLst>
-    <dgm:effectClrLst/>
-    <dgm:txLinClrLst/>
-    <dgm:txFillClrLst meth="repeat">
-      <a:schemeClr val="dk1"/>
-    </dgm:txFillClrLst>
-    <dgm:txEffectClrLst/>
-  </dgm:styleLbl>
-  <dgm:styleLbl name="solidBgAcc1">
-    <dgm:fillClrLst meth="repeat">
-      <a:schemeClr val="lt1"/>
-    </dgm:fillClrLst>
-    <dgm:linClrLst meth="repeat">
-      <a:schemeClr val="accent2"/>
-    </dgm:linClrLst>
-    <dgm:effectClrLst/>
-    <dgm:txLinClrLst/>
-    <dgm:txFillClrLst meth="repeat">
-      <a:schemeClr val="dk1"/>
-    </dgm:txFillClrLst>
-    <dgm:txEffectClrLst/>
-  </dgm:styleLbl>
-  <dgm:styleLbl name="fgAccFollowNode1">
-    <dgm:fillClrLst meth="repeat">
-      <a:schemeClr val="accent2">
-        <a:alpha val="90000"/>
-        <a:tint val="40000"/>
-      </a:schemeClr>
-    </dgm:fillClrLst>
-    <dgm:linClrLst meth="repeat">
-      <a:schemeClr val="accent2">
-        <a:alpha val="90000"/>
-        <a:tint val="40000"/>
-      </a:schemeClr>
-    </dgm:linClrLst>
-    <dgm:effectClrLst/>
-    <dgm:txLinClrLst/>
-    <dgm:txFillClrLst meth="repeat">
-      <a:schemeClr val="dk1"/>
-    </dgm:txFillClrLst>
-    <dgm:txEffectClrLst/>
-  </dgm:styleLbl>
-  <dgm:styleLbl name="alignAccFollowNode1">
-    <dgm:fillClrLst meth="repeat">
-      <a:schemeClr val="accent2">
-        <a:alpha val="90000"/>
-        <a:tint val="40000"/>
-      </a:schemeClr>
-    </dgm:fillClrLst>
-    <dgm:linClrLst meth="repeat">
-      <a:schemeClr val="accent2">
-        <a:alpha val="90000"/>
-        <a:tint val="40000"/>
-      </a:schemeClr>
-    </dgm:linClrLst>
-    <dgm:effectClrLst/>
-    <dgm:txLinClrLst/>
-    <dgm:txFillClrLst meth="repeat">
-      <a:schemeClr val="dk1"/>
-    </dgm:txFillClrLst>
-    <dgm:txEffectClrLst/>
-  </dgm:styleLbl>
-  <dgm:styleLbl name="bgAccFollowNode1">
-    <dgm:fillClrLst meth="repeat">
-      <a:schemeClr val="accent2">
-        <a:alpha val="90000"/>
-        <a:tint val="40000"/>
-      </a:schemeClr>
-    </dgm:fillClrLst>
-    <dgm:linClrLst meth="repeat">
-      <a:schemeClr val="accent2">
-        <a:alpha val="90000"/>
-        <a:tint val="40000"/>
-      </a:schemeClr>
-    </dgm:linClrLst>
-    <dgm:effectClrLst/>
-    <dgm:txLinClrLst/>
-    <dgm:txFillClrLst meth="repeat">
-      <a:schemeClr val="dk1"/>
-    </dgm:txFillClrLst>
-    <dgm:txEffectClrLst/>
-  </dgm:styleLbl>
-  <dgm:styleLbl name="fgAcc0">
-    <dgm:fillClrLst meth="repeat">
-      <a:schemeClr val="lt1">
-        <a:alpha val="90000"/>
-      </a:schemeClr>
-    </dgm:fillClrLst>
-    <dgm:linClrLst meth="repeat">
-      <a:schemeClr val="accent2"/>
-    </dgm:linClrLst>
-    <dgm:effectClrLst/>
-    <dgm:txLinClrLst/>
-    <dgm:txFillClrLst meth="repeat">
-      <a:schemeClr val="dk1"/>
-    </dgm:txFillClrLst>
-    <dgm:txEffectClrLst/>
-  </dgm:styleLbl>
-  <dgm:styleLbl name="fgAcc2">
-    <dgm:fillClrLst meth="repeat">
-      <a:schemeClr val="lt1">
-        <a:alpha val="90000"/>
-      </a:schemeClr>
-    </dgm:fillClrLst>
-    <dgm:linClrLst meth="repeat">
-      <a:schemeClr val="accent2"/>
-    </dgm:linClrLst>
-    <dgm:effectClrLst/>
-    <dgm:txLinClrLst/>
-    <dgm:txFillClrLst meth="repeat">
-      <a:schemeClr val="dk1"/>
-    </dgm:txFillClrLst>
-    <dgm:txEffectClrLst/>
-  </dgm:styleLbl>
-  <dgm:styleLbl name="fgAcc3">
-    <dgm:fillClrLst meth="repeat">
-      <a:schemeClr val="lt1">
-        <a:alpha val="90000"/>
-      </a:schemeClr>
-    </dgm:fillClrLst>
-    <dgm:linClrLst meth="repeat">
-      <a:schemeClr val="accent2"/>
-    </dgm:linClrLst>
-    <dgm:effectClrLst/>
-    <dgm:txLinClrLst/>
-    <dgm:txFillClrLst meth="repeat">
-      <a:schemeClr val="dk1"/>
-    </dgm:txFillClrLst>
-    <dgm:txEffectClrLst/>
-  </dgm:styleLbl>
-  <dgm:styleLbl name="fgAcc4">
-    <dgm:fillClrLst meth="repeat">
-      <a:schemeClr val="lt1">
-        <a:alpha val="90000"/>
-      </a:schemeClr>
-    </dgm:fillClrLst>
-    <dgm:linClrLst meth="repeat">
-      <a:schemeClr val="accent2"/>
-    </dgm:linClrLst>
-    <dgm:effectClrLst/>
-    <dgm:txLinClrLst/>
-    <dgm:txFillClrLst meth="repeat">
-      <a:schemeClr val="dk1"/>
-    </dgm:txFillClrLst>
-    <dgm:txEffectClrLst/>
-  </dgm:styleLbl>
-  <dgm:styleLbl name="bgShp">
-    <dgm:fillClrLst meth="repeat">
-      <a:schemeClr val="accent2">
-        <a:tint val="40000"/>
-      </a:schemeClr>
-    </dgm:fillClrLst>
-    <dgm:linClrLst meth="repeat">
-      <a:schemeClr val="accent2"/>
-    </dgm:linClrLst>
-    <dgm:effectClrLst/>
-    <dgm:txLinClrLst/>
-    <dgm:txFillClrLst meth="repeat">
-      <a:schemeClr val="dk1"/>
-    </dgm:txFillClrLst>
-    <dgm:txEffectClrLst/>
-  </dgm:styleLbl>
-  <dgm:styleLbl name="dkBgShp">
-    <dgm:fillClrLst meth="repeat">
-      <a:schemeClr val="accent2">
-        <a:shade val="80000"/>
-      </a:schemeClr>
-    </dgm:fillClrLst>
-    <dgm:linClrLst meth="repeat">
-      <a:schemeClr val="accent2"/>
-    </dgm:linClrLst>
-    <dgm:effectClrLst/>
-    <dgm:txLinClrLst/>
-    <dgm:txFillClrLst meth="repeat">
-      <a:schemeClr val="lt1"/>
-    </dgm:txFillClrLst>
-    <dgm:txEffectClrLst/>
-  </dgm:styleLbl>
-  <dgm:styleLbl name="trBgShp">
-    <dgm:fillClrLst meth="repeat">
-      <a:schemeClr val="accent2">
-        <a:tint val="50000"/>
-        <a:alpha val="40000"/>
-      </a:schemeClr>
-    </dgm:fillClrLst>
-    <dgm:linClrLst meth="repeat">
-      <a:schemeClr val="accent2"/>
-    </dgm:linClrLst>
-    <dgm:effectClrLst/>
-    <dgm:txLinClrLst/>
-    <dgm:txFillClrLst meth="repeat">
-      <a:schemeClr val="lt1"/>
-    </dgm:txFillClrLst>
-    <dgm:txEffectClrLst/>
-  </dgm:styleLbl>
-  <dgm:styleLbl name="fgShp">
-    <dgm:fillClrLst meth="repeat">
-      <a:schemeClr val="accent2">
-        <a:tint val="60000"/>
-      </a:schemeClr>
-    </dgm:fillClrLst>
-    <dgm:linClrLst meth="repeat">
-      <a:schemeClr val="lt1"/>
-    </dgm:linClrLst>
-    <dgm:effectClrLst/>
-    <dgm:txLinClrLst/>
-    <dgm:txFillClrLst meth="repeat">
-      <a:schemeClr val="dk1"/>
-    </dgm:txFillClrLst>
-    <dgm:txEffectClrLst/>
-  </dgm:styleLbl>
-  <dgm:styleLbl name="revTx">
-    <dgm:fillClrLst meth="repeat">
-      <a:schemeClr val="lt1">
-        <a:alpha val="0"/>
-      </a:schemeClr>
-    </dgm:fillClrLst>
-    <dgm:linClrLst meth="repeat">
-      <a:schemeClr val="dk1">
-        <a:alpha val="0"/>
-      </a:schemeClr>
-    </dgm:linClrLst>
-    <dgm:effectClrLst/>
-    <dgm:txLinClrLst/>
-    <dgm:txFillClrLst meth="repeat">
-      <a:schemeClr val="tx1"/>
-    </dgm:txFillClrLst>
-    <dgm:txEffectClrLst/>
-  </dgm:styleLbl>
-</dgm:colorsDef>
+<file path=ppt/diagrams/data1.xml><?xml version="1.0" encoding="utf-8"?>
+<dgm:dataModel xmlns:dgm="http://schemas.openxmlformats.org/drawingml/2006/diagram" xmlns:a="http://schemas.openxmlformats.org/drawingml/2006/main">
+  <dgm:ptLst>
+    <dgm:pt modelId="{C9587A37-2E54-4C45-97BB-BFE3EA83C73A}" type="doc">
+      <dgm:prSet loTypeId="urn:microsoft.com/office/officeart/2005/8/layout/hList1" loCatId="list" qsTypeId="urn:microsoft.com/office/officeart/2005/8/quickstyle/simple3" qsCatId="simple" csTypeId="urn:microsoft.com/office/officeart/2005/8/colors/accent2_2" csCatId="accent2" phldr="1"/>
+      <dgm:spPr/>
+      <dgm:t>
+        <a:bodyPr/>
+        <a:lstStyle/>
+        <a:p>
+          <a:endParaRPr lang="en-US"/>
+        </a:p>
+      </dgm:t>
+    </dgm:pt>
+    <dgm:pt modelId="{60ACB6FC-775A-43A4-B639-4B761FE604C3}">
+      <dgm:prSet phldrT="[Testo]" custT="1"/>
+      <dgm:spPr>
+        <a:solidFill>
+          <a:schemeClr val="bg1">
+            <a:alpha val="33000"/>
+          </a:schemeClr>
+        </a:solidFill>
+        <a:ln w="9525">
+          <a:solidFill>
+            <a:srgbClr val="990033"/>
+          </a:solidFill>
+        </a:ln>
+        <a:effectLst/>
+      </dgm:spPr>
+      <dgm:t>
+        <a:bodyPr/>
+        <a:lstStyle/>
+        <a:p>
+          <a:r>
+            <a:rPr lang="it-IT" sz="6000" dirty="0">
+              <a:solidFill>
+                <a:srgbClr val="990033"/>
+              </a:solidFill>
+              <a:effectLst>
+                <a:outerShdw blurRad="38100" dist="38100" dir="2700000" algn="tl">
+                  <a:srgbClr val="000000">
+                    <a:alpha val="43137"/>
+                  </a:srgbClr>
+                </a:outerShdw>
+              </a:effectLst>
+              <a:latin typeface="JasmineUPC" panose="02020603050405020304" pitchFamily="18" charset="-34"/>
+              <a:cs typeface="JasmineUPC" panose="02020603050405020304" pitchFamily="18" charset="-34"/>
+            </a:rPr>
+            <a:t>In </a:t>
+          </a:r>
+          <a:r>
+            <a:rPr lang="it-IT" sz="6000" dirty="0" err="1">
+              <a:solidFill>
+                <a:srgbClr val="990033"/>
+              </a:solidFill>
+              <a:effectLst>
+                <a:outerShdw blurRad="38100" dist="38100" dir="2700000" algn="tl">
+                  <a:srgbClr val="000000">
+                    <a:alpha val="43137"/>
+                  </a:srgbClr>
+                </a:outerShdw>
+              </a:effectLst>
+              <a:latin typeface="JasmineUPC" panose="02020603050405020304" pitchFamily="18" charset="-34"/>
+              <a:cs typeface="JasmineUPC" panose="02020603050405020304" pitchFamily="18" charset="-34"/>
+            </a:rPr>
+            <a:t>your</a:t>
+          </a:r>
+          <a:r>
+            <a:rPr lang="it-IT" sz="6000" dirty="0">
+              <a:solidFill>
+                <a:srgbClr val="990033"/>
+              </a:solidFill>
+              <a:effectLst>
+                <a:outerShdw blurRad="38100" dist="38100" dir="2700000" algn="tl">
+                  <a:srgbClr val="000000">
+                    <a:alpha val="43137"/>
+                  </a:srgbClr>
+                </a:outerShdw>
+              </a:effectLst>
+              <a:latin typeface="JasmineUPC" panose="02020603050405020304" pitchFamily="18" charset="-34"/>
+              <a:cs typeface="JasmineUPC" panose="02020603050405020304" pitchFamily="18" charset="-34"/>
+            </a:rPr>
+            <a:t> home</a:t>
+          </a:r>
+          <a:endParaRPr lang="en-US" sz="6000" dirty="0">
+            <a:solidFill>
+              <a:srgbClr val="990033"/>
+            </a:solidFill>
+            <a:effectLst>
+              <a:outerShdw blurRad="38100" dist="38100" dir="2700000" algn="tl">
+                <a:srgbClr val="000000">
+                  <a:alpha val="43137"/>
+                </a:srgbClr>
+              </a:outerShdw>
+            </a:effectLst>
+            <a:latin typeface="JasmineUPC" panose="02020603050405020304" pitchFamily="18" charset="-34"/>
+            <a:cs typeface="JasmineUPC" panose="02020603050405020304" pitchFamily="18" charset="-34"/>
+          </a:endParaRPr>
+        </a:p>
+      </dgm:t>
+    </dgm:pt>
+    <dgm:pt modelId="{66B5B3F3-5D1C-43FD-8801-A1AE2F14727B}" type="parTrans" cxnId="{BF2F20FB-A34F-4AB2-932A-63B1BC046DC2}">
+      <dgm:prSet/>
+      <dgm:spPr/>
+      <dgm:t>
+        <a:bodyPr/>
+        <a:lstStyle/>
+        <a:p>
+          <a:endParaRPr lang="en-US"/>
+        </a:p>
+      </dgm:t>
+    </dgm:pt>
+    <dgm:pt modelId="{244A85A9-AD59-426D-9968-432392EDB1D3}" type="sibTrans" cxnId="{BF2F20FB-A34F-4AB2-932A-63B1BC046DC2}">
+      <dgm:prSet/>
+      <dgm:spPr/>
+      <dgm:t>
+        <a:bodyPr/>
+        <a:lstStyle/>
+        <a:p>
+          <a:endParaRPr lang="en-US"/>
+        </a:p>
+      </dgm:t>
+    </dgm:pt>
+    <dgm:pt modelId="{C2744D80-3A8B-43FB-BA9E-22CC7B961171}">
+      <dgm:prSet phldrT="[Testo]" custT="1"/>
+      <dgm:spPr>
+        <a:solidFill>
+          <a:schemeClr val="bg1">
+            <a:alpha val="33000"/>
+          </a:schemeClr>
+        </a:solidFill>
+        <a:ln>
+          <a:solidFill>
+            <a:srgbClr val="FF9966">
+              <a:alpha val="90000"/>
+            </a:srgbClr>
+          </a:solidFill>
+        </a:ln>
+        <a:effectLst/>
+      </dgm:spPr>
+      <dgm:t>
+        <a:bodyPr/>
+        <a:lstStyle/>
+        <a:p>
+          <a:r>
+            <a:rPr lang="it-IT" sz="3000" dirty="0" err="1">
+              <a:solidFill>
+                <a:srgbClr val="990033"/>
+              </a:solidFill>
+              <a:latin typeface="JasmineUPC" panose="02020603050405020304" pitchFamily="18" charset="-34"/>
+              <a:cs typeface="JasmineUPC" panose="02020603050405020304" pitchFamily="18" charset="-34"/>
+            </a:rPr>
+            <a:t>Our</a:t>
+          </a:r>
+          <a:r>
+            <a:rPr lang="it-IT" sz="3000" dirty="0">
+              <a:solidFill>
+                <a:srgbClr val="990033"/>
+              </a:solidFill>
+              <a:latin typeface="JasmineUPC" panose="02020603050405020304" pitchFamily="18" charset="-34"/>
+              <a:cs typeface="JasmineUPC" panose="02020603050405020304" pitchFamily="18" charset="-34"/>
+            </a:rPr>
+            <a:t> boiler, with an </a:t>
+          </a:r>
+          <a:r>
+            <a:rPr lang="it-IT" sz="3000" dirty="0" err="1">
+              <a:solidFill>
+                <a:srgbClr val="990033"/>
+              </a:solidFill>
+              <a:latin typeface="JasmineUPC" panose="02020603050405020304" pitchFamily="18" charset="-34"/>
+              <a:cs typeface="JasmineUPC" panose="02020603050405020304" pitchFamily="18" charset="-34"/>
+            </a:rPr>
+            <a:t>internal</a:t>
+          </a:r>
+          <a:r>
+            <a:rPr lang="it-IT" sz="3000" dirty="0">
+              <a:solidFill>
+                <a:srgbClr val="990033"/>
+              </a:solidFill>
+              <a:latin typeface="JasmineUPC" panose="02020603050405020304" pitchFamily="18" charset="-34"/>
+              <a:cs typeface="JasmineUPC" panose="02020603050405020304" pitchFamily="18" charset="-34"/>
+            </a:rPr>
+            <a:t> clock </a:t>
+          </a:r>
+          <a:endParaRPr lang="en-US" sz="3000" dirty="0">
+            <a:solidFill>
+              <a:srgbClr val="990033"/>
+            </a:solidFill>
+            <a:latin typeface="JasmineUPC" panose="02020603050405020304" pitchFamily="18" charset="-34"/>
+            <a:cs typeface="JasmineUPC" panose="02020603050405020304" pitchFamily="18" charset="-34"/>
+          </a:endParaRPr>
+        </a:p>
+      </dgm:t>
+    </dgm:pt>
+    <dgm:pt modelId="{B2B79D51-CE5A-48C5-8306-E8ECD1359D7D}" type="parTrans" cxnId="{1E12D9E1-4E45-486A-B719-121838DE8E18}">
+      <dgm:prSet/>
+      <dgm:spPr/>
+      <dgm:t>
+        <a:bodyPr/>
+        <a:lstStyle/>
+        <a:p>
+          <a:endParaRPr lang="en-US"/>
+        </a:p>
+      </dgm:t>
+    </dgm:pt>
+    <dgm:pt modelId="{8A928D68-1E51-4C59-A26F-3D27A274B779}" type="sibTrans" cxnId="{1E12D9E1-4E45-486A-B719-121838DE8E18}">
+      <dgm:prSet/>
+      <dgm:spPr/>
+      <dgm:t>
+        <a:bodyPr/>
+        <a:lstStyle/>
+        <a:p>
+          <a:endParaRPr lang="en-US"/>
+        </a:p>
+      </dgm:t>
+    </dgm:pt>
+    <dgm:pt modelId="{09D7A9FE-43B4-4864-96C3-6054D864B717}">
+      <dgm:prSet phldrT="[Testo]" custT="1"/>
+      <dgm:spPr>
+        <a:solidFill>
+          <a:schemeClr val="bg1">
+            <a:alpha val="33000"/>
+          </a:schemeClr>
+        </a:solidFill>
+        <a:ln w="9525">
+          <a:solidFill>
+            <a:srgbClr val="990033"/>
+          </a:solidFill>
+        </a:ln>
+        <a:effectLst/>
+      </dgm:spPr>
+      <dgm:t>
+        <a:bodyPr/>
+        <a:lstStyle/>
+        <a:p>
+          <a:r>
+            <a:rPr lang="it-IT" sz="6000" dirty="0">
+              <a:solidFill>
+                <a:srgbClr val="990033"/>
+              </a:solidFill>
+              <a:effectLst>
+                <a:outerShdw blurRad="38100" dist="38100" dir="2700000" algn="tl">
+                  <a:srgbClr val="000000">
+                    <a:alpha val="43137"/>
+                  </a:srgbClr>
+                </a:outerShdw>
+              </a:effectLst>
+              <a:latin typeface="JasmineUPC" panose="02020603050405020304" pitchFamily="18" charset="-34"/>
+              <a:cs typeface="JasmineUPC" panose="02020603050405020304" pitchFamily="18" charset="-34"/>
+            </a:rPr>
+            <a:t>With </a:t>
+          </a:r>
+          <a:r>
+            <a:rPr lang="it-IT" sz="6000" dirty="0" err="1">
+              <a:solidFill>
+                <a:srgbClr val="990033"/>
+              </a:solidFill>
+              <a:effectLst>
+                <a:outerShdw blurRad="38100" dist="38100" dir="2700000" algn="tl">
+                  <a:srgbClr val="000000">
+                    <a:alpha val="43137"/>
+                  </a:srgbClr>
+                </a:outerShdw>
+              </a:effectLst>
+              <a:latin typeface="JasmineUPC" panose="02020603050405020304" pitchFamily="18" charset="-34"/>
+              <a:cs typeface="JasmineUPC" panose="02020603050405020304" pitchFamily="18" charset="-34"/>
+            </a:rPr>
+            <a:t>you</a:t>
+          </a:r>
+          <a:endParaRPr lang="en-US" sz="6000" dirty="0">
+            <a:solidFill>
+              <a:srgbClr val="990033"/>
+            </a:solidFill>
+            <a:effectLst>
+              <a:outerShdw blurRad="38100" dist="38100" dir="2700000" algn="tl">
+                <a:srgbClr val="000000">
+                  <a:alpha val="43137"/>
+                </a:srgbClr>
+              </a:outerShdw>
+            </a:effectLst>
+            <a:latin typeface="JasmineUPC" panose="02020603050405020304" pitchFamily="18" charset="-34"/>
+            <a:cs typeface="JasmineUPC" panose="02020603050405020304" pitchFamily="18" charset="-34"/>
+          </a:endParaRPr>
+        </a:p>
+      </dgm:t>
+    </dgm:pt>
+    <dgm:pt modelId="{0B0E4AD6-F3CA-403D-B73E-30F424A10385}" type="parTrans" cxnId="{172E2724-69C8-482D-9B9A-F316D6A60DE6}">
+      <dgm:prSet/>
+      <dgm:spPr/>
+      <dgm:t>
+        <a:bodyPr/>
+        <a:lstStyle/>
+        <a:p>
+          <a:endParaRPr lang="en-US"/>
+        </a:p>
+      </dgm:t>
+    </dgm:pt>
+    <dgm:pt modelId="{A078E58F-8B71-46D0-B74D-8BF159C2B3BF}" type="sibTrans" cxnId="{172E2724-69C8-482D-9B9A-F316D6A60DE6}">
+      <dgm:prSet/>
+      <dgm:spPr/>
+      <dgm:t>
+        <a:bodyPr/>
+        <a:lstStyle/>
+        <a:p>
+          <a:endParaRPr lang="en-US"/>
+        </a:p>
+      </dgm:t>
+    </dgm:pt>
+    <dgm:pt modelId="{877D2171-2121-47D7-915B-0E68779F5D5B}">
+      <dgm:prSet phldrT="[Testo]" custT="1"/>
+      <dgm:spPr>
+        <a:solidFill>
+          <a:schemeClr val="bg1">
+            <a:alpha val="33000"/>
+          </a:schemeClr>
+        </a:solidFill>
+        <a:ln>
+          <a:solidFill>
+            <a:srgbClr val="FF9966">
+              <a:alpha val="90000"/>
+            </a:srgbClr>
+          </a:solidFill>
+        </a:ln>
+        <a:effectLst/>
+      </dgm:spPr>
+      <dgm:t>
+        <a:bodyPr/>
+        <a:lstStyle/>
+        <a:p>
+          <a:pPr marL="285750" lvl="1" indent="-285750" algn="l" defTabSz="2400300">
+            <a:lnSpc>
+              <a:spcPct val="90000"/>
+            </a:lnSpc>
+            <a:spcBef>
+              <a:spcPct val="0"/>
+            </a:spcBef>
+            <a:spcAft>
+              <a:spcPct val="15000"/>
+            </a:spcAft>
+            <a:buChar char="•"/>
+          </a:pPr>
+          <a:r>
+            <a:rPr lang="it-IT" sz="3000" kern="1200" dirty="0" err="1">
+              <a:solidFill>
+                <a:srgbClr val="990033"/>
+              </a:solidFill>
+              <a:latin typeface="JasmineUPC" panose="02020603050405020304" pitchFamily="18" charset="-34"/>
+              <a:ea typeface="+mn-ea"/>
+              <a:cs typeface="JasmineUPC" panose="02020603050405020304" pitchFamily="18" charset="-34"/>
+            </a:rPr>
+            <a:t>StayWarm</a:t>
+          </a:r>
+          <a:r>
+            <a:rPr lang="it-IT" sz="3000" kern="1200" dirty="0">
+              <a:solidFill>
+                <a:srgbClr val="990033"/>
+              </a:solidFill>
+              <a:latin typeface="JasmineUPC" panose="02020603050405020304" pitchFamily="18" charset="-34"/>
+              <a:ea typeface="+mn-ea"/>
+              <a:cs typeface="JasmineUPC" panose="02020603050405020304" pitchFamily="18" charset="-34"/>
+            </a:rPr>
+            <a:t> app with access to GPS info</a:t>
+          </a:r>
+          <a:endParaRPr lang="en-US" sz="3000" kern="1200" dirty="0">
+            <a:solidFill>
+              <a:srgbClr val="990033"/>
+            </a:solidFill>
+            <a:latin typeface="JasmineUPC" panose="02020603050405020304" pitchFamily="18" charset="-34"/>
+            <a:ea typeface="+mn-ea"/>
+            <a:cs typeface="JasmineUPC" panose="02020603050405020304" pitchFamily="18" charset="-34"/>
+          </a:endParaRPr>
+        </a:p>
+      </dgm:t>
+    </dgm:pt>
+    <dgm:pt modelId="{161602D1-7EE6-4C8A-975B-BD023D603497}" type="parTrans" cxnId="{5FCE23BD-E78D-4835-A1ED-27CD3CD6BA95}">
+      <dgm:prSet/>
+      <dgm:spPr/>
+      <dgm:t>
+        <a:bodyPr/>
+        <a:lstStyle/>
+        <a:p>
+          <a:endParaRPr lang="en-US"/>
+        </a:p>
+      </dgm:t>
+    </dgm:pt>
+    <dgm:pt modelId="{56EB43C1-7215-427F-A31A-1013DCA05C1D}" type="sibTrans" cxnId="{5FCE23BD-E78D-4835-A1ED-27CD3CD6BA95}">
+      <dgm:prSet/>
+      <dgm:spPr/>
+      <dgm:t>
+        <a:bodyPr/>
+        <a:lstStyle/>
+        <a:p>
+          <a:endParaRPr lang="en-US"/>
+        </a:p>
+      </dgm:t>
+    </dgm:pt>
+    <dgm:pt modelId="{8F104575-8B18-4E09-8727-6793566037F5}">
+      <dgm:prSet phldrT="[Testo]" custT="1"/>
+      <dgm:spPr>
+        <a:solidFill>
+          <a:schemeClr val="bg1">
+            <a:alpha val="33000"/>
+          </a:schemeClr>
+        </a:solidFill>
+        <a:ln>
+          <a:solidFill>
+            <a:srgbClr val="FF9966">
+              <a:alpha val="90000"/>
+            </a:srgbClr>
+          </a:solidFill>
+        </a:ln>
+        <a:effectLst/>
+      </dgm:spPr>
+      <dgm:t>
+        <a:bodyPr/>
+        <a:lstStyle/>
+        <a:p>
+          <a:r>
+            <a:rPr lang="it-IT" sz="3000" dirty="0" err="1">
+              <a:solidFill>
+                <a:srgbClr val="990033"/>
+              </a:solidFill>
+              <a:latin typeface="JasmineUPC" panose="02020603050405020304" pitchFamily="18" charset="-34"/>
+              <a:cs typeface="JasmineUPC" panose="02020603050405020304" pitchFamily="18" charset="-34"/>
+            </a:rPr>
+            <a:t>Thermostats</a:t>
+          </a:r>
+          <a:r>
+            <a:rPr lang="it-IT" sz="3000" dirty="0">
+              <a:solidFill>
+                <a:srgbClr val="990033"/>
+              </a:solidFill>
+              <a:latin typeface="JasmineUPC" panose="02020603050405020304" pitchFamily="18" charset="-34"/>
+              <a:cs typeface="JasmineUPC" panose="02020603050405020304" pitchFamily="18" charset="-34"/>
+            </a:rPr>
+            <a:t> and </a:t>
+          </a:r>
+          <a:r>
+            <a:rPr lang="it-IT" sz="3000" dirty="0" err="1">
+              <a:solidFill>
+                <a:srgbClr val="990033"/>
+              </a:solidFill>
+              <a:latin typeface="JasmineUPC" panose="02020603050405020304" pitchFamily="18" charset="-34"/>
+              <a:cs typeface="JasmineUPC" panose="02020603050405020304" pitchFamily="18" charset="-34"/>
+            </a:rPr>
+            <a:t>radiators</a:t>
+          </a:r>
+          <a:endParaRPr lang="en-US" sz="3000" dirty="0">
+            <a:solidFill>
+              <a:srgbClr val="990033"/>
+            </a:solidFill>
+            <a:latin typeface="JasmineUPC" panose="02020603050405020304" pitchFamily="18" charset="-34"/>
+            <a:cs typeface="JasmineUPC" panose="02020603050405020304" pitchFamily="18" charset="-34"/>
+          </a:endParaRPr>
+        </a:p>
+      </dgm:t>
+    </dgm:pt>
+    <dgm:pt modelId="{4A33213F-30E2-4F53-BCE7-4CD45B91E168}" type="parTrans" cxnId="{C52C504E-26DF-423D-BD7A-7DC12A007266}">
+      <dgm:prSet/>
+      <dgm:spPr/>
+      <dgm:t>
+        <a:bodyPr/>
+        <a:lstStyle/>
+        <a:p>
+          <a:endParaRPr lang="en-US"/>
+        </a:p>
+      </dgm:t>
+    </dgm:pt>
+    <dgm:pt modelId="{7F105C2C-A50E-4893-A10B-844FC91CAC3A}" type="sibTrans" cxnId="{C52C504E-26DF-423D-BD7A-7DC12A007266}">
+      <dgm:prSet/>
+      <dgm:spPr/>
+      <dgm:t>
+        <a:bodyPr/>
+        <a:lstStyle/>
+        <a:p>
+          <a:endParaRPr lang="en-US"/>
+        </a:p>
+      </dgm:t>
+    </dgm:pt>
+    <dgm:pt modelId="{A60F22B1-171C-41FC-B150-3AF832A9D766}">
+      <dgm:prSet phldrT="[Testo]" custT="1"/>
+      <dgm:spPr>
+        <a:solidFill>
+          <a:schemeClr val="bg1">
+            <a:alpha val="33000"/>
+          </a:schemeClr>
+        </a:solidFill>
+        <a:ln>
+          <a:solidFill>
+            <a:srgbClr val="FF9966">
+              <a:alpha val="90000"/>
+            </a:srgbClr>
+          </a:solidFill>
+        </a:ln>
+        <a:effectLst/>
+      </dgm:spPr>
+      <dgm:t>
+        <a:bodyPr/>
+        <a:lstStyle/>
+        <a:p>
+          <a:r>
+            <a:rPr lang="it-IT" sz="3000" dirty="0" err="1">
+              <a:solidFill>
+                <a:srgbClr val="990033"/>
+              </a:solidFill>
+              <a:latin typeface="JasmineUPC" panose="02020603050405020304" pitchFamily="18" charset="-34"/>
+              <a:cs typeface="JasmineUPC" panose="02020603050405020304" pitchFamily="18" charset="-34"/>
+            </a:rPr>
+            <a:t>Presence</a:t>
+          </a:r>
+          <a:r>
+            <a:rPr lang="it-IT" sz="3000" dirty="0">
+              <a:solidFill>
+                <a:srgbClr val="990033"/>
+              </a:solidFill>
+              <a:latin typeface="JasmineUPC" panose="02020603050405020304" pitchFamily="18" charset="-34"/>
+              <a:cs typeface="JasmineUPC" panose="02020603050405020304" pitchFamily="18" charset="-34"/>
+            </a:rPr>
+            <a:t> </a:t>
+          </a:r>
+          <a:r>
+            <a:rPr lang="it-IT" sz="3000" dirty="0" err="1">
+              <a:solidFill>
+                <a:srgbClr val="990033"/>
+              </a:solidFill>
+              <a:latin typeface="JasmineUPC" panose="02020603050405020304" pitchFamily="18" charset="-34"/>
+              <a:cs typeface="JasmineUPC" panose="02020603050405020304" pitchFamily="18" charset="-34"/>
+            </a:rPr>
+            <a:t>sensors</a:t>
+          </a:r>
+          <a:endParaRPr lang="en-US" sz="3000" dirty="0">
+            <a:solidFill>
+              <a:srgbClr val="990033"/>
+            </a:solidFill>
+            <a:latin typeface="JasmineUPC" panose="02020603050405020304" pitchFamily="18" charset="-34"/>
+            <a:cs typeface="JasmineUPC" panose="02020603050405020304" pitchFamily="18" charset="-34"/>
+          </a:endParaRPr>
+        </a:p>
+      </dgm:t>
+    </dgm:pt>
+    <dgm:pt modelId="{6C9B6B3E-3541-4810-AEFD-BFE28E4CCD67}" type="parTrans" cxnId="{9869937A-95DA-45EC-B548-F84ECD613954}">
+      <dgm:prSet/>
+      <dgm:spPr/>
+      <dgm:t>
+        <a:bodyPr/>
+        <a:lstStyle/>
+        <a:p>
+          <a:endParaRPr lang="en-US"/>
+        </a:p>
+      </dgm:t>
+    </dgm:pt>
+    <dgm:pt modelId="{D671DF45-1841-4BC0-A2E7-BB3A6C61DF97}" type="sibTrans" cxnId="{9869937A-95DA-45EC-B548-F84ECD613954}">
+      <dgm:prSet/>
+      <dgm:spPr/>
+      <dgm:t>
+        <a:bodyPr/>
+        <a:lstStyle/>
+        <a:p>
+          <a:endParaRPr lang="en-US"/>
+        </a:p>
+      </dgm:t>
+    </dgm:pt>
+    <dgm:pt modelId="{43D62360-FE02-4597-8F27-33FA25FABACD}" type="pres">
+      <dgm:prSet presAssocID="{C9587A37-2E54-4C45-97BB-BFE3EA83C73A}" presName="Name0" presStyleCnt="0">
+        <dgm:presLayoutVars>
+          <dgm:dir/>
+          <dgm:animLvl val="lvl"/>
+          <dgm:resizeHandles val="exact"/>
+        </dgm:presLayoutVars>
+      </dgm:prSet>
+      <dgm:spPr/>
+    </dgm:pt>
+    <dgm:pt modelId="{57E14EAA-7525-4C3B-8453-8BBD93EF03B1}" type="pres">
+      <dgm:prSet presAssocID="{60ACB6FC-775A-43A4-B639-4B761FE604C3}" presName="composite" presStyleCnt="0"/>
+      <dgm:spPr/>
+    </dgm:pt>
+    <dgm:pt modelId="{12C028AC-B1E9-43FE-956C-BD00CAFD63C9}" type="pres">
+      <dgm:prSet presAssocID="{60ACB6FC-775A-43A4-B639-4B761FE604C3}" presName="parTx" presStyleLbl="alignNode1" presStyleIdx="0" presStyleCnt="2" custScaleX="101622" custScaleY="84136">
+        <dgm:presLayoutVars>
+          <dgm:chMax val="0"/>
+          <dgm:chPref val="0"/>
+          <dgm:bulletEnabled val="1"/>
+        </dgm:presLayoutVars>
+      </dgm:prSet>
+      <dgm:spPr/>
+    </dgm:pt>
+    <dgm:pt modelId="{02136D76-E109-411F-9DBB-229E338FB7E9}" type="pres">
+      <dgm:prSet presAssocID="{60ACB6FC-775A-43A4-B639-4B761FE604C3}" presName="desTx" presStyleLbl="alignAccFollowNode1" presStyleIdx="0" presStyleCnt="2" custScaleX="102816" custScaleY="98372" custLinFactNeighborX="-703" custLinFactNeighborY="5889">
+        <dgm:presLayoutVars>
+          <dgm:bulletEnabled val="1"/>
+        </dgm:presLayoutVars>
+      </dgm:prSet>
+      <dgm:spPr/>
+    </dgm:pt>
+    <dgm:pt modelId="{09298B0B-06A0-4B3F-BDAB-0E6A62FD10BD}" type="pres">
+      <dgm:prSet presAssocID="{244A85A9-AD59-426D-9968-432392EDB1D3}" presName="space" presStyleCnt="0"/>
+      <dgm:spPr/>
+    </dgm:pt>
+    <dgm:pt modelId="{F9DCFE74-FA0E-4173-AB16-8D88DD63B442}" type="pres">
+      <dgm:prSet presAssocID="{09D7A9FE-43B4-4864-96C3-6054D864B717}" presName="composite" presStyleCnt="0"/>
+      <dgm:spPr/>
+    </dgm:pt>
+    <dgm:pt modelId="{58A2823E-7335-4497-8752-4DE489B90326}" type="pres">
+      <dgm:prSet presAssocID="{09D7A9FE-43B4-4864-96C3-6054D864B717}" presName="parTx" presStyleLbl="alignNode1" presStyleIdx="1" presStyleCnt="2" custScaleX="95963" custScaleY="86724" custLinFactNeighborX="414" custLinFactNeighborY="-2557">
+        <dgm:presLayoutVars>
+          <dgm:chMax val="0"/>
+          <dgm:chPref val="0"/>
+          <dgm:bulletEnabled val="1"/>
+        </dgm:presLayoutVars>
+      </dgm:prSet>
+      <dgm:spPr/>
+    </dgm:pt>
+    <dgm:pt modelId="{93209D96-A0DB-46F6-9469-677E68E25C82}" type="pres">
+      <dgm:prSet presAssocID="{09D7A9FE-43B4-4864-96C3-6054D864B717}" presName="desTx" presStyleLbl="alignAccFollowNode1" presStyleIdx="1" presStyleCnt="2" custScaleX="95733" custScaleY="97878" custLinFactNeighborX="99" custLinFactNeighborY="5910">
+        <dgm:presLayoutVars>
+          <dgm:bulletEnabled val="1"/>
+        </dgm:presLayoutVars>
+      </dgm:prSet>
+      <dgm:spPr/>
+    </dgm:pt>
+  </dgm:ptLst>
+  <dgm:cxnLst>
+    <dgm:cxn modelId="{BA4E3C1E-AEA6-41D1-BDB4-5BDAA51CDBDF}" type="presOf" srcId="{C9587A37-2E54-4C45-97BB-BFE3EA83C73A}" destId="{43D62360-FE02-4597-8F27-33FA25FABACD}" srcOrd="0" destOrd="0" presId="urn:microsoft.com/office/officeart/2005/8/layout/hList1"/>
+    <dgm:cxn modelId="{172E2724-69C8-482D-9B9A-F316D6A60DE6}" srcId="{C9587A37-2E54-4C45-97BB-BFE3EA83C73A}" destId="{09D7A9FE-43B4-4864-96C3-6054D864B717}" srcOrd="1" destOrd="0" parTransId="{0B0E4AD6-F3CA-403D-B73E-30F424A10385}" sibTransId="{A078E58F-8B71-46D0-B74D-8BF159C2B3BF}"/>
+    <dgm:cxn modelId="{1ECC0D5C-AD1E-4B05-BFCA-D3084ADF1551}" type="presOf" srcId="{877D2171-2121-47D7-915B-0E68779F5D5B}" destId="{93209D96-A0DB-46F6-9469-677E68E25C82}" srcOrd="0" destOrd="0" presId="urn:microsoft.com/office/officeart/2005/8/layout/hList1"/>
+    <dgm:cxn modelId="{38EB725F-2CEC-4625-B44C-5E10D1747B16}" type="presOf" srcId="{09D7A9FE-43B4-4864-96C3-6054D864B717}" destId="{58A2823E-7335-4497-8752-4DE489B90326}" srcOrd="0" destOrd="0" presId="urn:microsoft.com/office/officeart/2005/8/layout/hList1"/>
+    <dgm:cxn modelId="{E6745260-3FDF-4338-BE0F-E10EA324CAA6}" type="presOf" srcId="{A60F22B1-171C-41FC-B150-3AF832A9D766}" destId="{02136D76-E109-411F-9DBB-229E338FB7E9}" srcOrd="0" destOrd="2" presId="urn:microsoft.com/office/officeart/2005/8/layout/hList1"/>
+    <dgm:cxn modelId="{C52C504E-26DF-423D-BD7A-7DC12A007266}" srcId="{60ACB6FC-775A-43A4-B639-4B761FE604C3}" destId="{8F104575-8B18-4E09-8727-6793566037F5}" srcOrd="1" destOrd="0" parTransId="{4A33213F-30E2-4F53-BCE7-4CD45B91E168}" sibTransId="{7F105C2C-A50E-4893-A10B-844FC91CAC3A}"/>
+    <dgm:cxn modelId="{9869937A-95DA-45EC-B548-F84ECD613954}" srcId="{60ACB6FC-775A-43A4-B639-4B761FE604C3}" destId="{A60F22B1-171C-41FC-B150-3AF832A9D766}" srcOrd="2" destOrd="0" parTransId="{6C9B6B3E-3541-4810-AEFD-BFE28E4CCD67}" sibTransId="{D671DF45-1841-4BC0-A2E7-BB3A6C61DF97}"/>
+    <dgm:cxn modelId="{5B8BF67B-A39E-48B0-95B5-47C617ACC7EB}" type="presOf" srcId="{60ACB6FC-775A-43A4-B639-4B761FE604C3}" destId="{12C028AC-B1E9-43FE-956C-BD00CAFD63C9}" srcOrd="0" destOrd="0" presId="urn:microsoft.com/office/officeart/2005/8/layout/hList1"/>
+    <dgm:cxn modelId="{5FCE23BD-E78D-4835-A1ED-27CD3CD6BA95}" srcId="{09D7A9FE-43B4-4864-96C3-6054D864B717}" destId="{877D2171-2121-47D7-915B-0E68779F5D5B}" srcOrd="0" destOrd="0" parTransId="{161602D1-7EE6-4C8A-975B-BD023D603497}" sibTransId="{56EB43C1-7215-427F-A31A-1013DCA05C1D}"/>
+    <dgm:cxn modelId="{D87C9DD8-66C3-4897-AF4E-0830B7029782}" type="presOf" srcId="{C2744D80-3A8B-43FB-BA9E-22CC7B961171}" destId="{02136D76-E109-411F-9DBB-229E338FB7E9}" srcOrd="0" destOrd="0" presId="urn:microsoft.com/office/officeart/2005/8/layout/hList1"/>
+    <dgm:cxn modelId="{E85001DA-F1BB-43F3-9366-BD4493A7437E}" type="presOf" srcId="{8F104575-8B18-4E09-8727-6793566037F5}" destId="{02136D76-E109-411F-9DBB-229E338FB7E9}" srcOrd="0" destOrd="1" presId="urn:microsoft.com/office/officeart/2005/8/layout/hList1"/>
+    <dgm:cxn modelId="{1E12D9E1-4E45-486A-B719-121838DE8E18}" srcId="{60ACB6FC-775A-43A4-B639-4B761FE604C3}" destId="{C2744D80-3A8B-43FB-BA9E-22CC7B961171}" srcOrd="0" destOrd="0" parTransId="{B2B79D51-CE5A-48C5-8306-E8ECD1359D7D}" sibTransId="{8A928D68-1E51-4C59-A26F-3D27A274B779}"/>
+    <dgm:cxn modelId="{BF2F20FB-A34F-4AB2-932A-63B1BC046DC2}" srcId="{C9587A37-2E54-4C45-97BB-BFE3EA83C73A}" destId="{60ACB6FC-775A-43A4-B639-4B761FE604C3}" srcOrd="0" destOrd="0" parTransId="{66B5B3F3-5D1C-43FD-8801-A1AE2F14727B}" sibTransId="{244A85A9-AD59-426D-9968-432392EDB1D3}"/>
+    <dgm:cxn modelId="{51D6AFB9-E7A8-4C8F-A4FA-B06B28C7F405}" type="presParOf" srcId="{43D62360-FE02-4597-8F27-33FA25FABACD}" destId="{57E14EAA-7525-4C3B-8453-8BBD93EF03B1}" srcOrd="0" destOrd="0" presId="urn:microsoft.com/office/officeart/2005/8/layout/hList1"/>
+    <dgm:cxn modelId="{10E752A5-5C4C-40B6-9E49-6E0B98D6E28D}" type="presParOf" srcId="{57E14EAA-7525-4C3B-8453-8BBD93EF03B1}" destId="{12C028AC-B1E9-43FE-956C-BD00CAFD63C9}" srcOrd="0" destOrd="0" presId="urn:microsoft.com/office/officeart/2005/8/layout/hList1"/>
+    <dgm:cxn modelId="{C151070E-7621-4EED-BD04-8E773033CCF7}" type="presParOf" srcId="{57E14EAA-7525-4C3B-8453-8BBD93EF03B1}" destId="{02136D76-E109-411F-9DBB-229E338FB7E9}" srcOrd="1" destOrd="0" presId="urn:microsoft.com/office/officeart/2005/8/layout/hList1"/>
+    <dgm:cxn modelId="{12A4A98B-120A-4F44-A5D1-699223E36E7E}" type="presParOf" srcId="{43D62360-FE02-4597-8F27-33FA25FABACD}" destId="{09298B0B-06A0-4B3F-BDAB-0E6A62FD10BD}" srcOrd="1" destOrd="0" presId="urn:microsoft.com/office/officeart/2005/8/layout/hList1"/>
+    <dgm:cxn modelId="{720BA606-29D7-42A2-AD36-01FB9B781533}" type="presParOf" srcId="{43D62360-FE02-4597-8F27-33FA25FABACD}" destId="{F9DCFE74-FA0E-4173-AB16-8D88DD63B442}" srcOrd="2" destOrd="0" presId="urn:microsoft.com/office/officeart/2005/8/layout/hList1"/>
+    <dgm:cxn modelId="{65D45406-8EA0-48CE-813D-765B5CD58B16}" type="presParOf" srcId="{F9DCFE74-FA0E-4173-AB16-8D88DD63B442}" destId="{58A2823E-7335-4497-8752-4DE489B90326}" srcOrd="0" destOrd="0" presId="urn:microsoft.com/office/officeart/2005/8/layout/hList1"/>
+    <dgm:cxn modelId="{4DB518FB-006A-4BC5-9227-1D990DF48F1C}" type="presParOf" srcId="{F9DCFE74-FA0E-4173-AB16-8D88DD63B442}" destId="{93209D96-A0DB-46F6-9469-677E68E25C82}" srcOrd="1" destOrd="0" presId="urn:microsoft.com/office/officeart/2005/8/layout/hList1"/>
+  </dgm:cxnLst>
+  <dgm:bg/>
+  <dgm:whole/>
+  <dgm:extLst>
+    <a:ext uri="http://schemas.microsoft.com/office/drawing/2008/diagram">
+      <dsp:dataModelExt xmlns:dsp="http://schemas.microsoft.com/office/drawing/2008/diagram" relId="rId8" minVer="http://schemas.openxmlformats.org/drawingml/2006/diagram"/>
+    </a:ext>
+  </dgm:extLst>
+</dgm:dataModel>
 </file>
 
-<file path=ppt/diagrams/data1.xml><?xml version="1.0" encoding="utf-8"?>
+<file path=ppt/diagrams/data2.xml><?xml version="1.0" encoding="utf-8"?>
 <dgm:dataModel xmlns:dgm="http://schemas.openxmlformats.org/drawingml/2006/diagram" xmlns:a="http://schemas.openxmlformats.org/drawingml/2006/main">
   <dgm:ptLst>
     <dgm:pt modelId="{A4540BC4-D03E-483B-9FDD-49510471233D}" type="doc">
@@ -2738,41 +3391,75 @@
 </dgm:dataModel>
 </file>
 
-<file path=ppt/diagrams/data2.xml><?xml version="1.0" encoding="utf-8"?>
-<dgm:dataModel xmlns:dgm="http://schemas.openxmlformats.org/drawingml/2006/diagram" xmlns:a="http://schemas.openxmlformats.org/drawingml/2006/main">
-  <dgm:ptLst>
-    <dgm:pt modelId="{C9587A37-2E54-4C45-97BB-BFE3EA83C73A}" type="doc">
-      <dgm:prSet loTypeId="urn:microsoft.com/office/officeart/2005/8/layout/hList1" loCatId="list" qsTypeId="urn:microsoft.com/office/officeart/2005/8/quickstyle/simple3" qsCatId="simple" csTypeId="urn:microsoft.com/office/officeart/2005/8/colors/accent2_2" csCatId="accent2" phldr="1"/>
-      <dgm:spPr/>
-      <dgm:t>
-        <a:bodyPr/>
-        <a:lstStyle/>
-        <a:p>
-          <a:endParaRPr lang="en-US"/>
-        </a:p>
-      </dgm:t>
-    </dgm:pt>
-    <dgm:pt modelId="{60ACB6FC-775A-43A4-B639-4B761FE604C3}">
-      <dgm:prSet phldrT="[Testo]" custT="1"/>
-      <dgm:spPr>
+<file path=ppt/diagrams/drawing1.xml><?xml version="1.0" encoding="utf-8"?>
+<dsp:drawing xmlns:dgm="http://schemas.openxmlformats.org/drawingml/2006/diagram" xmlns:dsp="http://schemas.microsoft.com/office/drawing/2008/diagram" xmlns:a="http://schemas.openxmlformats.org/drawingml/2006/main">
+  <dsp:spTree>
+    <dsp:nvGrpSpPr>
+      <dsp:cNvPr id="0" name=""/>
+      <dsp:cNvGrpSpPr/>
+    </dsp:nvGrpSpPr>
+    <dsp:grpSpPr/>
+    <dsp:sp modelId="{12C028AC-B1E9-43FE-956C-BD00CAFD63C9}">
+      <dsp:nvSpPr>
+        <dsp:cNvPr id="0" name=""/>
+        <dsp:cNvSpPr/>
+      </dsp:nvSpPr>
+      <dsp:spPr>
+        <a:xfrm>
+          <a:off x="24908" y="750814"/>
+          <a:ext cx="3879864" cy="1246560"/>
+        </a:xfrm>
+        <a:prstGeom prst="rect">
+          <a:avLst/>
+        </a:prstGeom>
         <a:solidFill>
           <a:schemeClr val="bg1">
             <a:alpha val="33000"/>
           </a:schemeClr>
         </a:solidFill>
-        <a:ln w="9525">
+        <a:ln w="9525" cap="flat" cmpd="sng" algn="ctr">
           <a:solidFill>
             <a:srgbClr val="990033"/>
           </a:solidFill>
+          <a:prstDash val="solid"/>
+          <a:miter lim="800000"/>
         </a:ln>
         <a:effectLst/>
-      </dgm:spPr>
-      <dgm:t>
-        <a:bodyPr/>
+      </dsp:spPr>
+      <dsp:style>
+        <a:lnRef idx="1">
+          <a:scrgbClr r="0" g="0" b="0"/>
+        </a:lnRef>
+        <a:fillRef idx="2">
+          <a:scrgbClr r="0" g="0" b="0"/>
+        </a:fillRef>
+        <a:effectRef idx="1">
+          <a:scrgbClr r="0" g="0" b="0"/>
+        </a:effectRef>
+        <a:fontRef idx="minor">
+          <a:schemeClr val="dk1"/>
+        </a:fontRef>
+      </dsp:style>
+      <dsp:txBody>
+        <a:bodyPr spcFirstLastPara="0" vert="horz" wrap="square" lIns="426720" tIns="243840" rIns="426720" bIns="243840" numCol="1" spcCol="1270" anchor="ctr" anchorCtr="0">
+          <a:noAutofit/>
+        </a:bodyPr>
         <a:lstStyle/>
         <a:p>
-          <a:r>
-            <a:rPr lang="it-IT" sz="6000" dirty="0">
+          <a:pPr marL="0" lvl="0" indent="0" algn="ctr" defTabSz="2667000">
+            <a:lnSpc>
+              <a:spcPct val="90000"/>
+            </a:lnSpc>
+            <a:spcBef>
+              <a:spcPct val="0"/>
+            </a:spcBef>
+            <a:spcAft>
+              <a:spcPct val="35000"/>
+            </a:spcAft>
+            <a:buNone/>
+          </a:pPr>
+          <a:r>
+            <a:rPr lang="it-IT" sz="6000" kern="1200" dirty="0">
               <a:solidFill>
                 <a:srgbClr val="990033"/>
               </a:solidFill>
@@ -2789,7 +3476,7 @@
             <a:t>In </a:t>
           </a:r>
           <a:r>
-            <a:rPr lang="it-IT" sz="6000" dirty="0" err="1">
+            <a:rPr lang="it-IT" sz="6000" kern="1200" dirty="0" err="1">
               <a:solidFill>
                 <a:srgbClr val="990033"/>
               </a:solidFill>
@@ -2806,7 +3493,7 @@
             <a:t>your</a:t>
           </a:r>
           <a:r>
-            <a:rPr lang="it-IT" sz="6000" dirty="0">
+            <a:rPr lang="it-IT" sz="6000" kern="1200" dirty="0">
               <a:solidFill>
                 <a:srgbClr val="990033"/>
               </a:solidFill>
@@ -2822,7 +3509,7 @@
             </a:rPr>
             <a:t> home</a:t>
           </a:r>
-          <a:endParaRPr lang="en-US" sz="6000" dirty="0">
+          <a:endParaRPr lang="en-US" sz="6000" kern="1200" dirty="0">
             <a:solidFill>
               <a:srgbClr val="990033"/>
             </a:solidFill>
@@ -2837,53 +3524,73 @@
             <a:cs typeface="JasmineUPC" panose="02020603050405020304" pitchFamily="18" charset="-34"/>
           </a:endParaRPr>
         </a:p>
-      </dgm:t>
-    </dgm:pt>
-    <dgm:pt modelId="{66B5B3F3-5D1C-43FD-8801-A1AE2F14727B}" type="parTrans" cxnId="{BF2F20FB-A34F-4AB2-932A-63B1BC046DC2}">
-      <dgm:prSet/>
-      <dgm:spPr/>
-      <dgm:t>
-        <a:bodyPr/>
-        <a:lstStyle/>
-        <a:p>
-          <a:endParaRPr lang="en-US"/>
-        </a:p>
-      </dgm:t>
-    </dgm:pt>
-    <dgm:pt modelId="{244A85A9-AD59-426D-9968-432392EDB1D3}" type="sibTrans" cxnId="{BF2F20FB-A34F-4AB2-932A-63B1BC046DC2}">
-      <dgm:prSet/>
-      <dgm:spPr/>
-      <dgm:t>
-        <a:bodyPr/>
-        <a:lstStyle/>
-        <a:p>
-          <a:endParaRPr lang="en-US"/>
-        </a:p>
-      </dgm:t>
-    </dgm:pt>
-    <dgm:pt modelId="{C2744D80-3A8B-43FB-BA9E-22CC7B961171}">
-      <dgm:prSet phldrT="[Testo]" custT="1"/>
-      <dgm:spPr>
+      </dsp:txBody>
+      <dsp:txXfrm>
+        <a:off x="24908" y="750814"/>
+        <a:ext cx="3879864" cy="1246560"/>
+      </dsp:txXfrm>
+    </dsp:sp>
+    <dsp:sp modelId="{02136D76-E109-411F-9DBB-229E338FB7E9}">
+      <dsp:nvSpPr>
+        <dsp:cNvPr id="0" name=""/>
+        <dsp:cNvSpPr/>
+      </dsp:nvSpPr>
+      <dsp:spPr>
+        <a:xfrm>
+          <a:off x="0" y="2068266"/>
+          <a:ext cx="3925450" cy="2765118"/>
+        </a:xfrm>
+        <a:prstGeom prst="rect">
+          <a:avLst/>
+        </a:prstGeom>
         <a:solidFill>
           <a:schemeClr val="bg1">
             <a:alpha val="33000"/>
           </a:schemeClr>
         </a:solidFill>
-        <a:ln>
+        <a:ln w="6350" cap="flat" cmpd="sng" algn="ctr">
           <a:solidFill>
             <a:srgbClr val="FF9966">
               <a:alpha val="90000"/>
             </a:srgbClr>
           </a:solidFill>
+          <a:prstDash val="solid"/>
+          <a:miter lim="800000"/>
         </a:ln>
         <a:effectLst/>
-      </dgm:spPr>
-      <dgm:t>
-        <a:bodyPr/>
+      </dsp:spPr>
+      <dsp:style>
+        <a:lnRef idx="1">
+          <a:scrgbClr r="0" g="0" b="0"/>
+        </a:lnRef>
+        <a:fillRef idx="1">
+          <a:scrgbClr r="0" g="0" b="0"/>
+        </a:fillRef>
+        <a:effectRef idx="0">
+          <a:scrgbClr r="0" g="0" b="0"/>
+        </a:effectRef>
+        <a:fontRef idx="minor"/>
+      </dsp:style>
+      <dsp:txBody>
+        <a:bodyPr spcFirstLastPara="0" vert="horz" wrap="square" lIns="160020" tIns="160020" rIns="213360" bIns="240030" numCol="1" spcCol="1270" anchor="t" anchorCtr="0">
+          <a:noAutofit/>
+        </a:bodyPr>
         <a:lstStyle/>
         <a:p>
-          <a:r>
-            <a:rPr lang="it-IT" sz="3000" dirty="0" err="1">
+          <a:pPr marL="285750" lvl="1" indent="-285750" algn="l" defTabSz="1333500">
+            <a:lnSpc>
+              <a:spcPct val="90000"/>
+            </a:lnSpc>
+            <a:spcBef>
+              <a:spcPct val="0"/>
+            </a:spcBef>
+            <a:spcAft>
+              <a:spcPct val="15000"/>
+            </a:spcAft>
+            <a:buChar char="•"/>
+          </a:pPr>
+          <a:r>
+            <a:rPr lang="it-IT" sz="3000" kern="1200" dirty="0" err="1">
               <a:solidFill>
                 <a:srgbClr val="990033"/>
               </a:solidFill>
@@ -2893,7 +3600,7 @@
             <a:t>Our</a:t>
           </a:r>
           <a:r>
-            <a:rPr lang="it-IT" sz="3000" dirty="0">
+            <a:rPr lang="it-IT" sz="3000" kern="1200" dirty="0">
               <a:solidFill>
                 <a:srgbClr val="990033"/>
               </a:solidFill>
@@ -2903,7 +3610,7 @@
             <a:t> boiler, with an </a:t>
           </a:r>
           <a:r>
-            <a:rPr lang="it-IT" sz="3000" dirty="0" err="1">
+            <a:rPr lang="it-IT" sz="3000" kern="1200" dirty="0" err="1">
               <a:solidFill>
                 <a:srgbClr val="990033"/>
               </a:solidFill>
@@ -2913,7 +3620,7 @@
             <a:t>internal</a:t>
           </a:r>
           <a:r>
-            <a:rPr lang="it-IT" sz="3000" dirty="0">
+            <a:rPr lang="it-IT" sz="3000" kern="1200" dirty="0">
               <a:solidFill>
                 <a:srgbClr val="990033"/>
               </a:solidFill>
@@ -2922,7 +3629,7 @@
             </a:rPr>
             <a:t> clock </a:t>
           </a:r>
-          <a:endParaRPr lang="en-US" sz="3000" dirty="0">
+          <a:endParaRPr lang="en-US" sz="3000" kern="1200" dirty="0">
             <a:solidFill>
               <a:srgbClr val="990033"/>
             </a:solidFill>
@@ -2930,51 +3637,175 @@
             <a:cs typeface="JasmineUPC" panose="02020603050405020304" pitchFamily="18" charset="-34"/>
           </a:endParaRPr>
         </a:p>
-      </dgm:t>
-    </dgm:pt>
-    <dgm:pt modelId="{B2B79D51-CE5A-48C5-8306-E8ECD1359D7D}" type="parTrans" cxnId="{1E12D9E1-4E45-486A-B719-121838DE8E18}">
-      <dgm:prSet/>
-      <dgm:spPr/>
-      <dgm:t>
-        <a:bodyPr/>
-        <a:lstStyle/>
         <a:p>
-          <a:endParaRPr lang="en-US"/>
+          <a:pPr marL="285750" lvl="1" indent="-285750" algn="l" defTabSz="1333500">
+            <a:lnSpc>
+              <a:spcPct val="90000"/>
+            </a:lnSpc>
+            <a:spcBef>
+              <a:spcPct val="0"/>
+            </a:spcBef>
+            <a:spcAft>
+              <a:spcPct val="15000"/>
+            </a:spcAft>
+            <a:buChar char="•"/>
+          </a:pPr>
+          <a:r>
+            <a:rPr lang="it-IT" sz="3000" kern="1200" dirty="0" err="1">
+              <a:solidFill>
+                <a:srgbClr val="990033"/>
+              </a:solidFill>
+              <a:latin typeface="JasmineUPC" panose="02020603050405020304" pitchFamily="18" charset="-34"/>
+              <a:cs typeface="JasmineUPC" panose="02020603050405020304" pitchFamily="18" charset="-34"/>
+            </a:rPr>
+            <a:t>Thermostats</a:t>
+          </a:r>
+          <a:r>
+            <a:rPr lang="it-IT" sz="3000" kern="1200" dirty="0">
+              <a:solidFill>
+                <a:srgbClr val="990033"/>
+              </a:solidFill>
+              <a:latin typeface="JasmineUPC" panose="02020603050405020304" pitchFamily="18" charset="-34"/>
+              <a:cs typeface="JasmineUPC" panose="02020603050405020304" pitchFamily="18" charset="-34"/>
+            </a:rPr>
+            <a:t> and </a:t>
+          </a:r>
+          <a:r>
+            <a:rPr lang="it-IT" sz="3000" kern="1200" dirty="0" err="1">
+              <a:solidFill>
+                <a:srgbClr val="990033"/>
+              </a:solidFill>
+              <a:latin typeface="JasmineUPC" panose="02020603050405020304" pitchFamily="18" charset="-34"/>
+              <a:cs typeface="JasmineUPC" panose="02020603050405020304" pitchFamily="18" charset="-34"/>
+            </a:rPr>
+            <a:t>radiators</a:t>
+          </a:r>
+          <a:endParaRPr lang="en-US" sz="3000" kern="1200" dirty="0">
+            <a:solidFill>
+              <a:srgbClr val="990033"/>
+            </a:solidFill>
+            <a:latin typeface="JasmineUPC" panose="02020603050405020304" pitchFamily="18" charset="-34"/>
+            <a:cs typeface="JasmineUPC" panose="02020603050405020304" pitchFamily="18" charset="-34"/>
+          </a:endParaRPr>
         </a:p>
-      </dgm:t>
-    </dgm:pt>
-    <dgm:pt modelId="{8A928D68-1E51-4C59-A26F-3D27A274B779}" type="sibTrans" cxnId="{1E12D9E1-4E45-486A-B719-121838DE8E18}">
-      <dgm:prSet/>
-      <dgm:spPr/>
-      <dgm:t>
-        <a:bodyPr/>
-        <a:lstStyle/>
         <a:p>
-          <a:endParaRPr lang="en-US"/>
+          <a:pPr marL="285750" lvl="1" indent="-285750" algn="l" defTabSz="1333500">
+            <a:lnSpc>
+              <a:spcPct val="90000"/>
+            </a:lnSpc>
+            <a:spcBef>
+              <a:spcPct val="0"/>
+            </a:spcBef>
+            <a:spcAft>
+              <a:spcPct val="15000"/>
+            </a:spcAft>
+            <a:buChar char="•"/>
+          </a:pPr>
+          <a:r>
+            <a:rPr lang="it-IT" sz="3000" kern="1200" dirty="0" err="1">
+              <a:solidFill>
+                <a:srgbClr val="990033"/>
+              </a:solidFill>
+              <a:latin typeface="JasmineUPC" panose="02020603050405020304" pitchFamily="18" charset="-34"/>
+              <a:cs typeface="JasmineUPC" panose="02020603050405020304" pitchFamily="18" charset="-34"/>
+            </a:rPr>
+            <a:t>Presence</a:t>
+          </a:r>
+          <a:r>
+            <a:rPr lang="it-IT" sz="3000" kern="1200" dirty="0">
+              <a:solidFill>
+                <a:srgbClr val="990033"/>
+              </a:solidFill>
+              <a:latin typeface="JasmineUPC" panose="02020603050405020304" pitchFamily="18" charset="-34"/>
+              <a:cs typeface="JasmineUPC" panose="02020603050405020304" pitchFamily="18" charset="-34"/>
+            </a:rPr>
+            <a:t> </a:t>
+          </a:r>
+          <a:r>
+            <a:rPr lang="it-IT" sz="3000" kern="1200" dirty="0" err="1">
+              <a:solidFill>
+                <a:srgbClr val="990033"/>
+              </a:solidFill>
+              <a:latin typeface="JasmineUPC" panose="02020603050405020304" pitchFamily="18" charset="-34"/>
+              <a:cs typeface="JasmineUPC" panose="02020603050405020304" pitchFamily="18" charset="-34"/>
+            </a:rPr>
+            <a:t>sensors</a:t>
+          </a:r>
+          <a:endParaRPr lang="en-US" sz="3000" kern="1200" dirty="0">
+            <a:solidFill>
+              <a:srgbClr val="990033"/>
+            </a:solidFill>
+            <a:latin typeface="JasmineUPC" panose="02020603050405020304" pitchFamily="18" charset="-34"/>
+            <a:cs typeface="JasmineUPC" panose="02020603050405020304" pitchFamily="18" charset="-34"/>
+          </a:endParaRPr>
         </a:p>
-      </dgm:t>
-    </dgm:pt>
-    <dgm:pt modelId="{09D7A9FE-43B4-4864-96C3-6054D864B717}">
-      <dgm:prSet phldrT="[Testo]" custT="1"/>
-      <dgm:spPr>
+      </dsp:txBody>
+      <dsp:txXfrm>
+        <a:off x="0" y="2068266"/>
+        <a:ext cx="3925450" cy="2765118"/>
+      </dsp:txXfrm>
+    </dsp:sp>
+    <dsp:sp modelId="{58A2823E-7335-4497-8752-4DE489B90326}">
+      <dsp:nvSpPr>
+        <dsp:cNvPr id="0" name=""/>
+        <dsp:cNvSpPr/>
+      </dsp:nvSpPr>
+      <dsp:spPr>
+        <a:xfrm>
+          <a:off x="4464192" y="668228"/>
+          <a:ext cx="3663807" cy="1324427"/>
+        </a:xfrm>
+        <a:prstGeom prst="rect">
+          <a:avLst/>
+        </a:prstGeom>
         <a:solidFill>
           <a:schemeClr val="bg1">
             <a:alpha val="33000"/>
           </a:schemeClr>
         </a:solidFill>
-        <a:ln w="9525">
+        <a:ln w="9525" cap="flat" cmpd="sng" algn="ctr">
           <a:solidFill>
             <a:srgbClr val="990033"/>
           </a:solidFill>
+          <a:prstDash val="solid"/>
+          <a:miter lim="800000"/>
         </a:ln>
         <a:effectLst/>
-      </dgm:spPr>
-      <dgm:t>
-        <a:bodyPr/>
+      </dsp:spPr>
+      <dsp:style>
+        <a:lnRef idx="1">
+          <a:scrgbClr r="0" g="0" b="0"/>
+        </a:lnRef>
+        <a:fillRef idx="2">
+          <a:scrgbClr r="0" g="0" b="0"/>
+        </a:fillRef>
+        <a:effectRef idx="1">
+          <a:scrgbClr r="0" g="0" b="0"/>
+        </a:effectRef>
+        <a:fontRef idx="minor">
+          <a:schemeClr val="dk1"/>
+        </a:fontRef>
+      </dsp:style>
+      <dsp:txBody>
+        <a:bodyPr spcFirstLastPara="0" vert="horz" wrap="square" lIns="426720" tIns="243840" rIns="426720" bIns="243840" numCol="1" spcCol="1270" anchor="ctr" anchorCtr="0">
+          <a:noAutofit/>
+        </a:bodyPr>
         <a:lstStyle/>
         <a:p>
-          <a:r>
-            <a:rPr lang="it-IT" sz="6000" dirty="0">
+          <a:pPr marL="0" lvl="0" indent="0" algn="ctr" defTabSz="2667000">
+            <a:lnSpc>
+              <a:spcPct val="90000"/>
+            </a:lnSpc>
+            <a:spcBef>
+              <a:spcPct val="0"/>
+            </a:spcBef>
+            <a:spcAft>
+              <a:spcPct val="35000"/>
+            </a:spcAft>
+            <a:buNone/>
+          </a:pPr>
+          <a:r>
+            <a:rPr lang="it-IT" sz="6000" kern="1200" dirty="0">
               <a:solidFill>
                 <a:srgbClr val="990033"/>
               </a:solidFill>
@@ -2991,7 +3822,7 @@
             <a:t>With </a:t>
           </a:r>
           <a:r>
-            <a:rPr lang="it-IT" sz="6000" dirty="0" err="1">
+            <a:rPr lang="it-IT" sz="6000" kern="1200" dirty="0" err="1">
               <a:solidFill>
                 <a:srgbClr val="990033"/>
               </a:solidFill>
@@ -3007,7 +3838,7 @@
             </a:rPr>
             <a:t>you</a:t>
           </a:r>
-          <a:endParaRPr lang="en-US" sz="6000" dirty="0">
+          <a:endParaRPr lang="en-US" sz="6000" kern="1200" dirty="0">
             <a:solidFill>
               <a:srgbClr val="990033"/>
             </a:solidFill>
@@ -3022,49 +3853,57 @@
             <a:cs typeface="JasmineUPC" panose="02020603050405020304" pitchFamily="18" charset="-34"/>
           </a:endParaRPr>
         </a:p>
-      </dgm:t>
-    </dgm:pt>
-    <dgm:pt modelId="{0B0E4AD6-F3CA-403D-B73E-30F424A10385}" type="parTrans" cxnId="{172E2724-69C8-482D-9B9A-F316D6A60DE6}">
-      <dgm:prSet/>
-      <dgm:spPr/>
-      <dgm:t>
-        <a:bodyPr/>
-        <a:lstStyle/>
-        <a:p>
-          <a:endParaRPr lang="en-US"/>
-        </a:p>
-      </dgm:t>
-    </dgm:pt>
-    <dgm:pt modelId="{A078E58F-8B71-46D0-B74D-8BF159C2B3BF}" type="sibTrans" cxnId="{172E2724-69C8-482D-9B9A-F316D6A60DE6}">
-      <dgm:prSet/>
-      <dgm:spPr/>
-      <dgm:t>
-        <a:bodyPr/>
-        <a:lstStyle/>
-        <a:p>
-          <a:endParaRPr lang="en-US"/>
-        </a:p>
-      </dgm:t>
-    </dgm:pt>
-    <dgm:pt modelId="{877D2171-2121-47D7-915B-0E68779F5D5B}">
-      <dgm:prSet phldrT="[Testo]" custT="1"/>
-      <dgm:spPr>
+      </dsp:txBody>
+      <dsp:txXfrm>
+        <a:off x="4464192" y="668228"/>
+        <a:ext cx="3663807" cy="1324427"/>
+      </dsp:txXfrm>
+    </dsp:sp>
+    <dsp:sp modelId="{93209D96-A0DB-46F6-9469-677E68E25C82}">
+      <dsp:nvSpPr>
+        <dsp:cNvPr id="0" name=""/>
+        <dsp:cNvSpPr/>
+      </dsp:nvSpPr>
+      <dsp:spPr>
+        <a:xfrm>
+          <a:off x="4470247" y="2126278"/>
+          <a:ext cx="3655026" cy="2751233"/>
+        </a:xfrm>
+        <a:prstGeom prst="rect">
+          <a:avLst/>
+        </a:prstGeom>
         <a:solidFill>
           <a:schemeClr val="bg1">
             <a:alpha val="33000"/>
           </a:schemeClr>
         </a:solidFill>
-        <a:ln>
+        <a:ln w="6350" cap="flat" cmpd="sng" algn="ctr">
           <a:solidFill>
             <a:srgbClr val="FF9966">
               <a:alpha val="90000"/>
             </a:srgbClr>
           </a:solidFill>
+          <a:prstDash val="solid"/>
+          <a:miter lim="800000"/>
         </a:ln>
         <a:effectLst/>
-      </dgm:spPr>
-      <dgm:t>
-        <a:bodyPr/>
+      </dsp:spPr>
+      <dsp:style>
+        <a:lnRef idx="1">
+          <a:scrgbClr r="0" g="0" b="0"/>
+        </a:lnRef>
+        <a:fillRef idx="1">
+          <a:scrgbClr r="0" g="0" b="0"/>
+        </a:fillRef>
+        <a:effectRef idx="0">
+          <a:scrgbClr r="0" g="0" b="0"/>
+        </a:effectRef>
+        <a:fontRef idx="minor"/>
+      </dsp:style>
+      <dsp:txBody>
+        <a:bodyPr spcFirstLastPara="0" vert="horz" wrap="square" lIns="160020" tIns="160020" rIns="213360" bIns="240030" numCol="1" spcCol="1270" anchor="t" anchorCtr="0">
+          <a:noAutofit/>
+        </a:bodyPr>
         <a:lstStyle/>
         <a:p>
           <a:pPr marL="285750" lvl="1" indent="-285750" algn="l" defTabSz="2400300">
@@ -3110,288 +3949,17 @@
             <a:cs typeface="JasmineUPC" panose="02020603050405020304" pitchFamily="18" charset="-34"/>
           </a:endParaRPr>
         </a:p>
-      </dgm:t>
-    </dgm:pt>
-    <dgm:pt modelId="{161602D1-7EE6-4C8A-975B-BD023D603497}" type="parTrans" cxnId="{5FCE23BD-E78D-4835-A1ED-27CD3CD6BA95}">
-      <dgm:prSet/>
-      <dgm:spPr/>
-      <dgm:t>
-        <a:bodyPr/>
-        <a:lstStyle/>
-        <a:p>
-          <a:endParaRPr lang="en-US"/>
-        </a:p>
-      </dgm:t>
-    </dgm:pt>
-    <dgm:pt modelId="{56EB43C1-7215-427F-A31A-1013DCA05C1D}" type="sibTrans" cxnId="{5FCE23BD-E78D-4835-A1ED-27CD3CD6BA95}">
-      <dgm:prSet/>
-      <dgm:spPr/>
-      <dgm:t>
-        <a:bodyPr/>
-        <a:lstStyle/>
-        <a:p>
-          <a:endParaRPr lang="en-US"/>
-        </a:p>
-      </dgm:t>
-    </dgm:pt>
-    <dgm:pt modelId="{8F104575-8B18-4E09-8727-6793566037F5}">
-      <dgm:prSet phldrT="[Testo]" custT="1"/>
-      <dgm:spPr>
-        <a:solidFill>
-          <a:schemeClr val="bg1">
-            <a:alpha val="33000"/>
-          </a:schemeClr>
-        </a:solidFill>
-        <a:ln>
-          <a:solidFill>
-            <a:srgbClr val="FF9966">
-              <a:alpha val="90000"/>
-            </a:srgbClr>
-          </a:solidFill>
-        </a:ln>
-        <a:effectLst/>
-      </dgm:spPr>
-      <dgm:t>
-        <a:bodyPr/>
-        <a:lstStyle/>
-        <a:p>
-          <a:r>
-            <a:rPr lang="it-IT" sz="3000" dirty="0" err="1">
-              <a:solidFill>
-                <a:srgbClr val="990033"/>
-              </a:solidFill>
-              <a:latin typeface="JasmineUPC" panose="02020603050405020304" pitchFamily="18" charset="-34"/>
-              <a:cs typeface="JasmineUPC" panose="02020603050405020304" pitchFamily="18" charset="-34"/>
-            </a:rPr>
-            <a:t>Thermostats</a:t>
-          </a:r>
-          <a:r>
-            <a:rPr lang="it-IT" sz="3000" dirty="0">
-              <a:solidFill>
-                <a:srgbClr val="990033"/>
-              </a:solidFill>
-              <a:latin typeface="JasmineUPC" panose="02020603050405020304" pitchFamily="18" charset="-34"/>
-              <a:cs typeface="JasmineUPC" panose="02020603050405020304" pitchFamily="18" charset="-34"/>
-            </a:rPr>
-            <a:t> and </a:t>
-          </a:r>
-          <a:r>
-            <a:rPr lang="it-IT" sz="3000" dirty="0" err="1">
-              <a:solidFill>
-                <a:srgbClr val="990033"/>
-              </a:solidFill>
-              <a:latin typeface="JasmineUPC" panose="02020603050405020304" pitchFamily="18" charset="-34"/>
-              <a:cs typeface="JasmineUPC" panose="02020603050405020304" pitchFamily="18" charset="-34"/>
-            </a:rPr>
-            <a:t>radiators</a:t>
-          </a:r>
-          <a:endParaRPr lang="en-US" sz="3000" dirty="0">
-            <a:solidFill>
-              <a:srgbClr val="990033"/>
-            </a:solidFill>
-            <a:latin typeface="JasmineUPC" panose="02020603050405020304" pitchFamily="18" charset="-34"/>
-            <a:cs typeface="JasmineUPC" panose="02020603050405020304" pitchFamily="18" charset="-34"/>
-          </a:endParaRPr>
-        </a:p>
-      </dgm:t>
-    </dgm:pt>
-    <dgm:pt modelId="{4A33213F-30E2-4F53-BCE7-4CD45B91E168}" type="parTrans" cxnId="{C52C504E-26DF-423D-BD7A-7DC12A007266}">
-      <dgm:prSet/>
-      <dgm:spPr/>
-      <dgm:t>
-        <a:bodyPr/>
-        <a:lstStyle/>
-        <a:p>
-          <a:endParaRPr lang="en-US"/>
-        </a:p>
-      </dgm:t>
-    </dgm:pt>
-    <dgm:pt modelId="{7F105C2C-A50E-4893-A10B-844FC91CAC3A}" type="sibTrans" cxnId="{C52C504E-26DF-423D-BD7A-7DC12A007266}">
-      <dgm:prSet/>
-      <dgm:spPr/>
-      <dgm:t>
-        <a:bodyPr/>
-        <a:lstStyle/>
-        <a:p>
-          <a:endParaRPr lang="en-US"/>
-        </a:p>
-      </dgm:t>
-    </dgm:pt>
-    <dgm:pt modelId="{A60F22B1-171C-41FC-B150-3AF832A9D766}">
-      <dgm:prSet phldrT="[Testo]" custT="1"/>
-      <dgm:spPr>
-        <a:solidFill>
-          <a:schemeClr val="bg1">
-            <a:alpha val="33000"/>
-          </a:schemeClr>
-        </a:solidFill>
-        <a:ln>
-          <a:solidFill>
-            <a:srgbClr val="FF9966">
-              <a:alpha val="90000"/>
-            </a:srgbClr>
-          </a:solidFill>
-        </a:ln>
-        <a:effectLst/>
-      </dgm:spPr>
-      <dgm:t>
-        <a:bodyPr/>
-        <a:lstStyle/>
-        <a:p>
-          <a:r>
-            <a:rPr lang="it-IT" sz="3000" dirty="0" err="1">
-              <a:solidFill>
-                <a:srgbClr val="990033"/>
-              </a:solidFill>
-              <a:latin typeface="JasmineUPC" panose="02020603050405020304" pitchFamily="18" charset="-34"/>
-              <a:cs typeface="JasmineUPC" panose="02020603050405020304" pitchFamily="18" charset="-34"/>
-            </a:rPr>
-            <a:t>Presence</a:t>
-          </a:r>
-          <a:r>
-            <a:rPr lang="it-IT" sz="3000" dirty="0">
-              <a:solidFill>
-                <a:srgbClr val="990033"/>
-              </a:solidFill>
-              <a:latin typeface="JasmineUPC" panose="02020603050405020304" pitchFamily="18" charset="-34"/>
-              <a:cs typeface="JasmineUPC" panose="02020603050405020304" pitchFamily="18" charset="-34"/>
-            </a:rPr>
-            <a:t> </a:t>
-          </a:r>
-          <a:r>
-            <a:rPr lang="it-IT" sz="3000" dirty="0" err="1">
-              <a:solidFill>
-                <a:srgbClr val="990033"/>
-              </a:solidFill>
-              <a:latin typeface="JasmineUPC" panose="02020603050405020304" pitchFamily="18" charset="-34"/>
-              <a:cs typeface="JasmineUPC" panose="02020603050405020304" pitchFamily="18" charset="-34"/>
-            </a:rPr>
-            <a:t>sensors</a:t>
-          </a:r>
-          <a:endParaRPr lang="en-US" sz="3000" dirty="0">
-            <a:solidFill>
-              <a:srgbClr val="990033"/>
-            </a:solidFill>
-            <a:latin typeface="JasmineUPC" panose="02020603050405020304" pitchFamily="18" charset="-34"/>
-            <a:cs typeface="JasmineUPC" panose="02020603050405020304" pitchFamily="18" charset="-34"/>
-          </a:endParaRPr>
-        </a:p>
-      </dgm:t>
-    </dgm:pt>
-    <dgm:pt modelId="{6C9B6B3E-3541-4810-AEFD-BFE28E4CCD67}" type="parTrans" cxnId="{9869937A-95DA-45EC-B548-F84ECD613954}">
-      <dgm:prSet/>
-      <dgm:spPr/>
-      <dgm:t>
-        <a:bodyPr/>
-        <a:lstStyle/>
-        <a:p>
-          <a:endParaRPr lang="en-US"/>
-        </a:p>
-      </dgm:t>
-    </dgm:pt>
-    <dgm:pt modelId="{D671DF45-1841-4BC0-A2E7-BB3A6C61DF97}" type="sibTrans" cxnId="{9869937A-95DA-45EC-B548-F84ECD613954}">
-      <dgm:prSet/>
-      <dgm:spPr/>
-      <dgm:t>
-        <a:bodyPr/>
-        <a:lstStyle/>
-        <a:p>
-          <a:endParaRPr lang="en-US"/>
-        </a:p>
-      </dgm:t>
-    </dgm:pt>
-    <dgm:pt modelId="{43D62360-FE02-4597-8F27-33FA25FABACD}" type="pres">
-      <dgm:prSet presAssocID="{C9587A37-2E54-4C45-97BB-BFE3EA83C73A}" presName="Name0" presStyleCnt="0">
-        <dgm:presLayoutVars>
-          <dgm:dir/>
-          <dgm:animLvl val="lvl"/>
-          <dgm:resizeHandles val="exact"/>
-        </dgm:presLayoutVars>
-      </dgm:prSet>
-      <dgm:spPr/>
-    </dgm:pt>
-    <dgm:pt modelId="{57E14EAA-7525-4C3B-8453-8BBD93EF03B1}" type="pres">
-      <dgm:prSet presAssocID="{60ACB6FC-775A-43A4-B639-4B761FE604C3}" presName="composite" presStyleCnt="0"/>
-      <dgm:spPr/>
-    </dgm:pt>
-    <dgm:pt modelId="{12C028AC-B1E9-43FE-956C-BD00CAFD63C9}" type="pres">
-      <dgm:prSet presAssocID="{60ACB6FC-775A-43A4-B639-4B761FE604C3}" presName="parTx" presStyleLbl="alignNode1" presStyleIdx="0" presStyleCnt="2" custScaleX="101622" custScaleY="84136">
-        <dgm:presLayoutVars>
-          <dgm:chMax val="0"/>
-          <dgm:chPref val="0"/>
-          <dgm:bulletEnabled val="1"/>
-        </dgm:presLayoutVars>
-      </dgm:prSet>
-      <dgm:spPr/>
-    </dgm:pt>
-    <dgm:pt modelId="{02136D76-E109-411F-9DBB-229E338FB7E9}" type="pres">
-      <dgm:prSet presAssocID="{60ACB6FC-775A-43A4-B639-4B761FE604C3}" presName="desTx" presStyleLbl="alignAccFollowNode1" presStyleIdx="0" presStyleCnt="2" custScaleX="102816" custScaleY="98372" custLinFactNeighborX="-703" custLinFactNeighborY="5889">
-        <dgm:presLayoutVars>
-          <dgm:bulletEnabled val="1"/>
-        </dgm:presLayoutVars>
-      </dgm:prSet>
-      <dgm:spPr/>
-    </dgm:pt>
-    <dgm:pt modelId="{09298B0B-06A0-4B3F-BDAB-0E6A62FD10BD}" type="pres">
-      <dgm:prSet presAssocID="{244A85A9-AD59-426D-9968-432392EDB1D3}" presName="space" presStyleCnt="0"/>
-      <dgm:spPr/>
-    </dgm:pt>
-    <dgm:pt modelId="{F9DCFE74-FA0E-4173-AB16-8D88DD63B442}" type="pres">
-      <dgm:prSet presAssocID="{09D7A9FE-43B4-4864-96C3-6054D864B717}" presName="composite" presStyleCnt="0"/>
-      <dgm:spPr/>
-    </dgm:pt>
-    <dgm:pt modelId="{58A2823E-7335-4497-8752-4DE489B90326}" type="pres">
-      <dgm:prSet presAssocID="{09D7A9FE-43B4-4864-96C3-6054D864B717}" presName="parTx" presStyleLbl="alignNode1" presStyleIdx="1" presStyleCnt="2" custScaleX="95963" custScaleY="86724" custLinFactNeighborX="414" custLinFactNeighborY="-2557">
-        <dgm:presLayoutVars>
-          <dgm:chMax val="0"/>
-          <dgm:chPref val="0"/>
-          <dgm:bulletEnabled val="1"/>
-        </dgm:presLayoutVars>
-      </dgm:prSet>
-      <dgm:spPr/>
-    </dgm:pt>
-    <dgm:pt modelId="{93209D96-A0DB-46F6-9469-677E68E25C82}" type="pres">
-      <dgm:prSet presAssocID="{09D7A9FE-43B4-4864-96C3-6054D864B717}" presName="desTx" presStyleLbl="alignAccFollowNode1" presStyleIdx="1" presStyleCnt="2" custScaleX="95733" custScaleY="97878" custLinFactNeighborX="99" custLinFactNeighborY="5910">
-        <dgm:presLayoutVars>
-          <dgm:bulletEnabled val="1"/>
-        </dgm:presLayoutVars>
-      </dgm:prSet>
-      <dgm:spPr/>
-    </dgm:pt>
-  </dgm:ptLst>
-  <dgm:cxnLst>
-    <dgm:cxn modelId="{BA4E3C1E-AEA6-41D1-BDB4-5BDAA51CDBDF}" type="presOf" srcId="{C9587A37-2E54-4C45-97BB-BFE3EA83C73A}" destId="{43D62360-FE02-4597-8F27-33FA25FABACD}" srcOrd="0" destOrd="0" presId="urn:microsoft.com/office/officeart/2005/8/layout/hList1"/>
-    <dgm:cxn modelId="{172E2724-69C8-482D-9B9A-F316D6A60DE6}" srcId="{C9587A37-2E54-4C45-97BB-BFE3EA83C73A}" destId="{09D7A9FE-43B4-4864-96C3-6054D864B717}" srcOrd="1" destOrd="0" parTransId="{0B0E4AD6-F3CA-403D-B73E-30F424A10385}" sibTransId="{A078E58F-8B71-46D0-B74D-8BF159C2B3BF}"/>
-    <dgm:cxn modelId="{1ECC0D5C-AD1E-4B05-BFCA-D3084ADF1551}" type="presOf" srcId="{877D2171-2121-47D7-915B-0E68779F5D5B}" destId="{93209D96-A0DB-46F6-9469-677E68E25C82}" srcOrd="0" destOrd="0" presId="urn:microsoft.com/office/officeart/2005/8/layout/hList1"/>
-    <dgm:cxn modelId="{38EB725F-2CEC-4625-B44C-5E10D1747B16}" type="presOf" srcId="{09D7A9FE-43B4-4864-96C3-6054D864B717}" destId="{58A2823E-7335-4497-8752-4DE489B90326}" srcOrd="0" destOrd="0" presId="urn:microsoft.com/office/officeart/2005/8/layout/hList1"/>
-    <dgm:cxn modelId="{E6745260-3FDF-4338-BE0F-E10EA324CAA6}" type="presOf" srcId="{A60F22B1-171C-41FC-B150-3AF832A9D766}" destId="{02136D76-E109-411F-9DBB-229E338FB7E9}" srcOrd="0" destOrd="2" presId="urn:microsoft.com/office/officeart/2005/8/layout/hList1"/>
-    <dgm:cxn modelId="{C52C504E-26DF-423D-BD7A-7DC12A007266}" srcId="{60ACB6FC-775A-43A4-B639-4B761FE604C3}" destId="{8F104575-8B18-4E09-8727-6793566037F5}" srcOrd="1" destOrd="0" parTransId="{4A33213F-30E2-4F53-BCE7-4CD45B91E168}" sibTransId="{7F105C2C-A50E-4893-A10B-844FC91CAC3A}"/>
-    <dgm:cxn modelId="{9869937A-95DA-45EC-B548-F84ECD613954}" srcId="{60ACB6FC-775A-43A4-B639-4B761FE604C3}" destId="{A60F22B1-171C-41FC-B150-3AF832A9D766}" srcOrd="2" destOrd="0" parTransId="{6C9B6B3E-3541-4810-AEFD-BFE28E4CCD67}" sibTransId="{D671DF45-1841-4BC0-A2E7-BB3A6C61DF97}"/>
-    <dgm:cxn modelId="{5B8BF67B-A39E-48B0-95B5-47C617ACC7EB}" type="presOf" srcId="{60ACB6FC-775A-43A4-B639-4B761FE604C3}" destId="{12C028AC-B1E9-43FE-956C-BD00CAFD63C9}" srcOrd="0" destOrd="0" presId="urn:microsoft.com/office/officeart/2005/8/layout/hList1"/>
-    <dgm:cxn modelId="{5FCE23BD-E78D-4835-A1ED-27CD3CD6BA95}" srcId="{09D7A9FE-43B4-4864-96C3-6054D864B717}" destId="{877D2171-2121-47D7-915B-0E68779F5D5B}" srcOrd="0" destOrd="0" parTransId="{161602D1-7EE6-4C8A-975B-BD023D603497}" sibTransId="{56EB43C1-7215-427F-A31A-1013DCA05C1D}"/>
-    <dgm:cxn modelId="{D87C9DD8-66C3-4897-AF4E-0830B7029782}" type="presOf" srcId="{C2744D80-3A8B-43FB-BA9E-22CC7B961171}" destId="{02136D76-E109-411F-9DBB-229E338FB7E9}" srcOrd="0" destOrd="0" presId="urn:microsoft.com/office/officeart/2005/8/layout/hList1"/>
-    <dgm:cxn modelId="{E85001DA-F1BB-43F3-9366-BD4493A7437E}" type="presOf" srcId="{8F104575-8B18-4E09-8727-6793566037F5}" destId="{02136D76-E109-411F-9DBB-229E338FB7E9}" srcOrd="0" destOrd="1" presId="urn:microsoft.com/office/officeart/2005/8/layout/hList1"/>
-    <dgm:cxn modelId="{1E12D9E1-4E45-486A-B719-121838DE8E18}" srcId="{60ACB6FC-775A-43A4-B639-4B761FE604C3}" destId="{C2744D80-3A8B-43FB-BA9E-22CC7B961171}" srcOrd="0" destOrd="0" parTransId="{B2B79D51-CE5A-48C5-8306-E8ECD1359D7D}" sibTransId="{8A928D68-1E51-4C59-A26F-3D27A274B779}"/>
-    <dgm:cxn modelId="{BF2F20FB-A34F-4AB2-932A-63B1BC046DC2}" srcId="{C9587A37-2E54-4C45-97BB-BFE3EA83C73A}" destId="{60ACB6FC-775A-43A4-B639-4B761FE604C3}" srcOrd="0" destOrd="0" parTransId="{66B5B3F3-5D1C-43FD-8801-A1AE2F14727B}" sibTransId="{244A85A9-AD59-426D-9968-432392EDB1D3}"/>
-    <dgm:cxn modelId="{51D6AFB9-E7A8-4C8F-A4FA-B06B28C7F405}" type="presParOf" srcId="{43D62360-FE02-4597-8F27-33FA25FABACD}" destId="{57E14EAA-7525-4C3B-8453-8BBD93EF03B1}" srcOrd="0" destOrd="0" presId="urn:microsoft.com/office/officeart/2005/8/layout/hList1"/>
-    <dgm:cxn modelId="{10E752A5-5C4C-40B6-9E49-6E0B98D6E28D}" type="presParOf" srcId="{57E14EAA-7525-4C3B-8453-8BBD93EF03B1}" destId="{12C028AC-B1E9-43FE-956C-BD00CAFD63C9}" srcOrd="0" destOrd="0" presId="urn:microsoft.com/office/officeart/2005/8/layout/hList1"/>
-    <dgm:cxn modelId="{C151070E-7621-4EED-BD04-8E773033CCF7}" type="presParOf" srcId="{57E14EAA-7525-4C3B-8453-8BBD93EF03B1}" destId="{02136D76-E109-411F-9DBB-229E338FB7E9}" srcOrd="1" destOrd="0" presId="urn:microsoft.com/office/officeart/2005/8/layout/hList1"/>
-    <dgm:cxn modelId="{12A4A98B-120A-4F44-A5D1-699223E36E7E}" type="presParOf" srcId="{43D62360-FE02-4597-8F27-33FA25FABACD}" destId="{09298B0B-06A0-4B3F-BDAB-0E6A62FD10BD}" srcOrd="1" destOrd="0" presId="urn:microsoft.com/office/officeart/2005/8/layout/hList1"/>
-    <dgm:cxn modelId="{720BA606-29D7-42A2-AD36-01FB9B781533}" type="presParOf" srcId="{43D62360-FE02-4597-8F27-33FA25FABACD}" destId="{F9DCFE74-FA0E-4173-AB16-8D88DD63B442}" srcOrd="2" destOrd="0" presId="urn:microsoft.com/office/officeart/2005/8/layout/hList1"/>
-    <dgm:cxn modelId="{65D45406-8EA0-48CE-813D-765B5CD58B16}" type="presParOf" srcId="{F9DCFE74-FA0E-4173-AB16-8D88DD63B442}" destId="{58A2823E-7335-4497-8752-4DE489B90326}" srcOrd="0" destOrd="0" presId="urn:microsoft.com/office/officeart/2005/8/layout/hList1"/>
-    <dgm:cxn modelId="{4DB518FB-006A-4BC5-9227-1D990DF48F1C}" type="presParOf" srcId="{F9DCFE74-FA0E-4173-AB16-8D88DD63B442}" destId="{93209D96-A0DB-46F6-9469-677E68E25C82}" srcOrd="1" destOrd="0" presId="urn:microsoft.com/office/officeart/2005/8/layout/hList1"/>
-  </dgm:cxnLst>
-  <dgm:bg/>
-  <dgm:whole/>
-  <dgm:extLst>
-    <a:ext uri="http://schemas.microsoft.com/office/drawing/2008/diagram">
-      <dsp:dataModelExt xmlns:dsp="http://schemas.microsoft.com/office/drawing/2008/diagram" relId="rId8" minVer="http://schemas.openxmlformats.org/drawingml/2006/diagram"/>
-    </a:ext>
-  </dgm:extLst>
-</dgm:dataModel>
+      </dsp:txBody>
+      <dsp:txXfrm>
+        <a:off x="4470247" y="2126278"/>
+        <a:ext cx="3655026" cy="2751233"/>
+      </dsp:txXfrm>
+    </dsp:sp>
+  </dsp:spTree>
+</dsp:drawing>
 </file>
 
-<file path=ppt/diagrams/drawing1.xml><?xml version="1.0" encoding="utf-8"?>
+<file path=ppt/diagrams/drawing2.xml><?xml version="1.0" encoding="utf-8"?>
 <dsp:drawing xmlns:dgm="http://schemas.openxmlformats.org/drawingml/2006/diagram" xmlns:dsp="http://schemas.microsoft.com/office/drawing/2008/diagram" xmlns:a="http://schemas.openxmlformats.org/drawingml/2006/main">
   <dsp:spTree>
     <dsp:nvGrpSpPr>
@@ -4698,770 +5266,7 @@
 </dsp:drawing>
 </file>
 
-<file path=ppt/diagrams/drawing2.xml><?xml version="1.0" encoding="utf-8"?>
-<dsp:drawing xmlns:dgm="http://schemas.openxmlformats.org/drawingml/2006/diagram" xmlns:dsp="http://schemas.microsoft.com/office/drawing/2008/diagram" xmlns:a="http://schemas.openxmlformats.org/drawingml/2006/main">
-  <dsp:spTree>
-    <dsp:nvGrpSpPr>
-      <dsp:cNvPr id="0" name=""/>
-      <dsp:cNvGrpSpPr/>
-    </dsp:nvGrpSpPr>
-    <dsp:grpSpPr/>
-    <dsp:sp modelId="{12C028AC-B1E9-43FE-956C-BD00CAFD63C9}">
-      <dsp:nvSpPr>
-        <dsp:cNvPr id="0" name=""/>
-        <dsp:cNvSpPr/>
-      </dsp:nvSpPr>
-      <dsp:spPr>
-        <a:xfrm>
-          <a:off x="24908" y="750814"/>
-          <a:ext cx="3879864" cy="1246560"/>
-        </a:xfrm>
-        <a:prstGeom prst="rect">
-          <a:avLst/>
-        </a:prstGeom>
-        <a:solidFill>
-          <a:schemeClr val="bg1">
-            <a:alpha val="33000"/>
-          </a:schemeClr>
-        </a:solidFill>
-        <a:ln w="9525" cap="flat" cmpd="sng" algn="ctr">
-          <a:solidFill>
-            <a:srgbClr val="990033"/>
-          </a:solidFill>
-          <a:prstDash val="solid"/>
-          <a:miter lim="800000"/>
-        </a:ln>
-        <a:effectLst/>
-      </dsp:spPr>
-      <dsp:style>
-        <a:lnRef idx="1">
-          <a:scrgbClr r="0" g="0" b="0"/>
-        </a:lnRef>
-        <a:fillRef idx="2">
-          <a:scrgbClr r="0" g="0" b="0"/>
-        </a:fillRef>
-        <a:effectRef idx="1">
-          <a:scrgbClr r="0" g="0" b="0"/>
-        </a:effectRef>
-        <a:fontRef idx="minor">
-          <a:schemeClr val="dk1"/>
-        </a:fontRef>
-      </dsp:style>
-      <dsp:txBody>
-        <a:bodyPr spcFirstLastPara="0" vert="horz" wrap="square" lIns="426720" tIns="243840" rIns="426720" bIns="243840" numCol="1" spcCol="1270" anchor="ctr" anchorCtr="0">
-          <a:noAutofit/>
-        </a:bodyPr>
-        <a:lstStyle/>
-        <a:p>
-          <a:pPr marL="0" lvl="0" indent="0" algn="ctr" defTabSz="2667000">
-            <a:lnSpc>
-              <a:spcPct val="90000"/>
-            </a:lnSpc>
-            <a:spcBef>
-              <a:spcPct val="0"/>
-            </a:spcBef>
-            <a:spcAft>
-              <a:spcPct val="35000"/>
-            </a:spcAft>
-            <a:buNone/>
-          </a:pPr>
-          <a:r>
-            <a:rPr lang="it-IT" sz="6000" kern="1200" dirty="0">
-              <a:solidFill>
-                <a:srgbClr val="990033"/>
-              </a:solidFill>
-              <a:effectLst>
-                <a:outerShdw blurRad="38100" dist="38100" dir="2700000" algn="tl">
-                  <a:srgbClr val="000000">
-                    <a:alpha val="43137"/>
-                  </a:srgbClr>
-                </a:outerShdw>
-              </a:effectLst>
-              <a:latin typeface="JasmineUPC" panose="02020603050405020304" pitchFamily="18" charset="-34"/>
-              <a:cs typeface="JasmineUPC" panose="02020603050405020304" pitchFamily="18" charset="-34"/>
-            </a:rPr>
-            <a:t>In </a:t>
-          </a:r>
-          <a:r>
-            <a:rPr lang="it-IT" sz="6000" kern="1200" dirty="0" err="1">
-              <a:solidFill>
-                <a:srgbClr val="990033"/>
-              </a:solidFill>
-              <a:effectLst>
-                <a:outerShdw blurRad="38100" dist="38100" dir="2700000" algn="tl">
-                  <a:srgbClr val="000000">
-                    <a:alpha val="43137"/>
-                  </a:srgbClr>
-                </a:outerShdw>
-              </a:effectLst>
-              <a:latin typeface="JasmineUPC" panose="02020603050405020304" pitchFamily="18" charset="-34"/>
-              <a:cs typeface="JasmineUPC" panose="02020603050405020304" pitchFamily="18" charset="-34"/>
-            </a:rPr>
-            <a:t>your</a:t>
-          </a:r>
-          <a:r>
-            <a:rPr lang="it-IT" sz="6000" kern="1200" dirty="0">
-              <a:solidFill>
-                <a:srgbClr val="990033"/>
-              </a:solidFill>
-              <a:effectLst>
-                <a:outerShdw blurRad="38100" dist="38100" dir="2700000" algn="tl">
-                  <a:srgbClr val="000000">
-                    <a:alpha val="43137"/>
-                  </a:srgbClr>
-                </a:outerShdw>
-              </a:effectLst>
-              <a:latin typeface="JasmineUPC" panose="02020603050405020304" pitchFamily="18" charset="-34"/>
-              <a:cs typeface="JasmineUPC" panose="02020603050405020304" pitchFamily="18" charset="-34"/>
-            </a:rPr>
-            <a:t> home</a:t>
-          </a:r>
-          <a:endParaRPr lang="en-US" sz="6000" kern="1200" dirty="0">
-            <a:solidFill>
-              <a:srgbClr val="990033"/>
-            </a:solidFill>
-            <a:effectLst>
-              <a:outerShdw blurRad="38100" dist="38100" dir="2700000" algn="tl">
-                <a:srgbClr val="000000">
-                  <a:alpha val="43137"/>
-                </a:srgbClr>
-              </a:outerShdw>
-            </a:effectLst>
-            <a:latin typeface="JasmineUPC" panose="02020603050405020304" pitchFamily="18" charset="-34"/>
-            <a:cs typeface="JasmineUPC" panose="02020603050405020304" pitchFamily="18" charset="-34"/>
-          </a:endParaRPr>
-        </a:p>
-      </dsp:txBody>
-      <dsp:txXfrm>
-        <a:off x="24908" y="750814"/>
-        <a:ext cx="3879864" cy="1246560"/>
-      </dsp:txXfrm>
-    </dsp:sp>
-    <dsp:sp modelId="{02136D76-E109-411F-9DBB-229E338FB7E9}">
-      <dsp:nvSpPr>
-        <dsp:cNvPr id="0" name=""/>
-        <dsp:cNvSpPr/>
-      </dsp:nvSpPr>
-      <dsp:spPr>
-        <a:xfrm>
-          <a:off x="0" y="2068266"/>
-          <a:ext cx="3925450" cy="2765118"/>
-        </a:xfrm>
-        <a:prstGeom prst="rect">
-          <a:avLst/>
-        </a:prstGeom>
-        <a:solidFill>
-          <a:schemeClr val="bg1">
-            <a:alpha val="33000"/>
-          </a:schemeClr>
-        </a:solidFill>
-        <a:ln w="6350" cap="flat" cmpd="sng" algn="ctr">
-          <a:solidFill>
-            <a:srgbClr val="FF9966">
-              <a:alpha val="90000"/>
-            </a:srgbClr>
-          </a:solidFill>
-          <a:prstDash val="solid"/>
-          <a:miter lim="800000"/>
-        </a:ln>
-        <a:effectLst/>
-      </dsp:spPr>
-      <dsp:style>
-        <a:lnRef idx="1">
-          <a:scrgbClr r="0" g="0" b="0"/>
-        </a:lnRef>
-        <a:fillRef idx="1">
-          <a:scrgbClr r="0" g="0" b="0"/>
-        </a:fillRef>
-        <a:effectRef idx="0">
-          <a:scrgbClr r="0" g="0" b="0"/>
-        </a:effectRef>
-        <a:fontRef idx="minor"/>
-      </dsp:style>
-      <dsp:txBody>
-        <a:bodyPr spcFirstLastPara="0" vert="horz" wrap="square" lIns="160020" tIns="160020" rIns="213360" bIns="240030" numCol="1" spcCol="1270" anchor="t" anchorCtr="0">
-          <a:noAutofit/>
-        </a:bodyPr>
-        <a:lstStyle/>
-        <a:p>
-          <a:pPr marL="285750" lvl="1" indent="-285750" algn="l" defTabSz="1333500">
-            <a:lnSpc>
-              <a:spcPct val="90000"/>
-            </a:lnSpc>
-            <a:spcBef>
-              <a:spcPct val="0"/>
-            </a:spcBef>
-            <a:spcAft>
-              <a:spcPct val="15000"/>
-            </a:spcAft>
-            <a:buChar char="•"/>
-          </a:pPr>
-          <a:r>
-            <a:rPr lang="it-IT" sz="3000" kern="1200" dirty="0" err="1">
-              <a:solidFill>
-                <a:srgbClr val="990033"/>
-              </a:solidFill>
-              <a:latin typeface="JasmineUPC" panose="02020603050405020304" pitchFamily="18" charset="-34"/>
-              <a:cs typeface="JasmineUPC" panose="02020603050405020304" pitchFamily="18" charset="-34"/>
-            </a:rPr>
-            <a:t>Our</a:t>
-          </a:r>
-          <a:r>
-            <a:rPr lang="it-IT" sz="3000" kern="1200" dirty="0">
-              <a:solidFill>
-                <a:srgbClr val="990033"/>
-              </a:solidFill>
-              <a:latin typeface="JasmineUPC" panose="02020603050405020304" pitchFamily="18" charset="-34"/>
-              <a:cs typeface="JasmineUPC" panose="02020603050405020304" pitchFamily="18" charset="-34"/>
-            </a:rPr>
-            <a:t> boiler, with an </a:t>
-          </a:r>
-          <a:r>
-            <a:rPr lang="it-IT" sz="3000" kern="1200" dirty="0" err="1">
-              <a:solidFill>
-                <a:srgbClr val="990033"/>
-              </a:solidFill>
-              <a:latin typeface="JasmineUPC" panose="02020603050405020304" pitchFamily="18" charset="-34"/>
-              <a:cs typeface="JasmineUPC" panose="02020603050405020304" pitchFamily="18" charset="-34"/>
-            </a:rPr>
-            <a:t>internal</a:t>
-          </a:r>
-          <a:r>
-            <a:rPr lang="it-IT" sz="3000" kern="1200" dirty="0">
-              <a:solidFill>
-                <a:srgbClr val="990033"/>
-              </a:solidFill>
-              <a:latin typeface="JasmineUPC" panose="02020603050405020304" pitchFamily="18" charset="-34"/>
-              <a:cs typeface="JasmineUPC" panose="02020603050405020304" pitchFamily="18" charset="-34"/>
-            </a:rPr>
-            <a:t> clock </a:t>
-          </a:r>
-          <a:endParaRPr lang="en-US" sz="3000" kern="1200" dirty="0">
-            <a:solidFill>
-              <a:srgbClr val="990033"/>
-            </a:solidFill>
-            <a:latin typeface="JasmineUPC" panose="02020603050405020304" pitchFamily="18" charset="-34"/>
-            <a:cs typeface="JasmineUPC" panose="02020603050405020304" pitchFamily="18" charset="-34"/>
-          </a:endParaRPr>
-        </a:p>
-        <a:p>
-          <a:pPr marL="285750" lvl="1" indent="-285750" algn="l" defTabSz="1333500">
-            <a:lnSpc>
-              <a:spcPct val="90000"/>
-            </a:lnSpc>
-            <a:spcBef>
-              <a:spcPct val="0"/>
-            </a:spcBef>
-            <a:spcAft>
-              <a:spcPct val="15000"/>
-            </a:spcAft>
-            <a:buChar char="•"/>
-          </a:pPr>
-          <a:r>
-            <a:rPr lang="it-IT" sz="3000" kern="1200" dirty="0" err="1">
-              <a:solidFill>
-                <a:srgbClr val="990033"/>
-              </a:solidFill>
-              <a:latin typeface="JasmineUPC" panose="02020603050405020304" pitchFamily="18" charset="-34"/>
-              <a:cs typeface="JasmineUPC" panose="02020603050405020304" pitchFamily="18" charset="-34"/>
-            </a:rPr>
-            <a:t>Thermostats</a:t>
-          </a:r>
-          <a:r>
-            <a:rPr lang="it-IT" sz="3000" kern="1200" dirty="0">
-              <a:solidFill>
-                <a:srgbClr val="990033"/>
-              </a:solidFill>
-              <a:latin typeface="JasmineUPC" panose="02020603050405020304" pitchFamily="18" charset="-34"/>
-              <a:cs typeface="JasmineUPC" panose="02020603050405020304" pitchFamily="18" charset="-34"/>
-            </a:rPr>
-            <a:t> and </a:t>
-          </a:r>
-          <a:r>
-            <a:rPr lang="it-IT" sz="3000" kern="1200" dirty="0" err="1">
-              <a:solidFill>
-                <a:srgbClr val="990033"/>
-              </a:solidFill>
-              <a:latin typeface="JasmineUPC" panose="02020603050405020304" pitchFamily="18" charset="-34"/>
-              <a:cs typeface="JasmineUPC" panose="02020603050405020304" pitchFamily="18" charset="-34"/>
-            </a:rPr>
-            <a:t>radiators</a:t>
-          </a:r>
-          <a:endParaRPr lang="en-US" sz="3000" kern="1200" dirty="0">
-            <a:solidFill>
-              <a:srgbClr val="990033"/>
-            </a:solidFill>
-            <a:latin typeface="JasmineUPC" panose="02020603050405020304" pitchFamily="18" charset="-34"/>
-            <a:cs typeface="JasmineUPC" panose="02020603050405020304" pitchFamily="18" charset="-34"/>
-          </a:endParaRPr>
-        </a:p>
-        <a:p>
-          <a:pPr marL="285750" lvl="1" indent="-285750" algn="l" defTabSz="1333500">
-            <a:lnSpc>
-              <a:spcPct val="90000"/>
-            </a:lnSpc>
-            <a:spcBef>
-              <a:spcPct val="0"/>
-            </a:spcBef>
-            <a:spcAft>
-              <a:spcPct val="15000"/>
-            </a:spcAft>
-            <a:buChar char="•"/>
-          </a:pPr>
-          <a:r>
-            <a:rPr lang="it-IT" sz="3000" kern="1200" dirty="0" err="1">
-              <a:solidFill>
-                <a:srgbClr val="990033"/>
-              </a:solidFill>
-              <a:latin typeface="JasmineUPC" panose="02020603050405020304" pitchFamily="18" charset="-34"/>
-              <a:cs typeface="JasmineUPC" panose="02020603050405020304" pitchFamily="18" charset="-34"/>
-            </a:rPr>
-            <a:t>Presence</a:t>
-          </a:r>
-          <a:r>
-            <a:rPr lang="it-IT" sz="3000" kern="1200" dirty="0">
-              <a:solidFill>
-                <a:srgbClr val="990033"/>
-              </a:solidFill>
-              <a:latin typeface="JasmineUPC" panose="02020603050405020304" pitchFamily="18" charset="-34"/>
-              <a:cs typeface="JasmineUPC" panose="02020603050405020304" pitchFamily="18" charset="-34"/>
-            </a:rPr>
-            <a:t> </a:t>
-          </a:r>
-          <a:r>
-            <a:rPr lang="it-IT" sz="3000" kern="1200" dirty="0" err="1">
-              <a:solidFill>
-                <a:srgbClr val="990033"/>
-              </a:solidFill>
-              <a:latin typeface="JasmineUPC" panose="02020603050405020304" pitchFamily="18" charset="-34"/>
-              <a:cs typeface="JasmineUPC" panose="02020603050405020304" pitchFamily="18" charset="-34"/>
-            </a:rPr>
-            <a:t>sensors</a:t>
-          </a:r>
-          <a:endParaRPr lang="en-US" sz="3000" kern="1200" dirty="0">
-            <a:solidFill>
-              <a:srgbClr val="990033"/>
-            </a:solidFill>
-            <a:latin typeface="JasmineUPC" panose="02020603050405020304" pitchFamily="18" charset="-34"/>
-            <a:cs typeface="JasmineUPC" panose="02020603050405020304" pitchFamily="18" charset="-34"/>
-          </a:endParaRPr>
-        </a:p>
-      </dsp:txBody>
-      <dsp:txXfrm>
-        <a:off x="0" y="2068266"/>
-        <a:ext cx="3925450" cy="2765118"/>
-      </dsp:txXfrm>
-    </dsp:sp>
-    <dsp:sp modelId="{58A2823E-7335-4497-8752-4DE489B90326}">
-      <dsp:nvSpPr>
-        <dsp:cNvPr id="0" name=""/>
-        <dsp:cNvSpPr/>
-      </dsp:nvSpPr>
-      <dsp:spPr>
-        <a:xfrm>
-          <a:off x="4464192" y="668228"/>
-          <a:ext cx="3663807" cy="1324427"/>
-        </a:xfrm>
-        <a:prstGeom prst="rect">
-          <a:avLst/>
-        </a:prstGeom>
-        <a:solidFill>
-          <a:schemeClr val="bg1">
-            <a:alpha val="33000"/>
-          </a:schemeClr>
-        </a:solidFill>
-        <a:ln w="9525" cap="flat" cmpd="sng" algn="ctr">
-          <a:solidFill>
-            <a:srgbClr val="990033"/>
-          </a:solidFill>
-          <a:prstDash val="solid"/>
-          <a:miter lim="800000"/>
-        </a:ln>
-        <a:effectLst/>
-      </dsp:spPr>
-      <dsp:style>
-        <a:lnRef idx="1">
-          <a:scrgbClr r="0" g="0" b="0"/>
-        </a:lnRef>
-        <a:fillRef idx="2">
-          <a:scrgbClr r="0" g="0" b="0"/>
-        </a:fillRef>
-        <a:effectRef idx="1">
-          <a:scrgbClr r="0" g="0" b="0"/>
-        </a:effectRef>
-        <a:fontRef idx="minor">
-          <a:schemeClr val="dk1"/>
-        </a:fontRef>
-      </dsp:style>
-      <dsp:txBody>
-        <a:bodyPr spcFirstLastPara="0" vert="horz" wrap="square" lIns="426720" tIns="243840" rIns="426720" bIns="243840" numCol="1" spcCol="1270" anchor="ctr" anchorCtr="0">
-          <a:noAutofit/>
-        </a:bodyPr>
-        <a:lstStyle/>
-        <a:p>
-          <a:pPr marL="0" lvl="0" indent="0" algn="ctr" defTabSz="2667000">
-            <a:lnSpc>
-              <a:spcPct val="90000"/>
-            </a:lnSpc>
-            <a:spcBef>
-              <a:spcPct val="0"/>
-            </a:spcBef>
-            <a:spcAft>
-              <a:spcPct val="35000"/>
-            </a:spcAft>
-            <a:buNone/>
-          </a:pPr>
-          <a:r>
-            <a:rPr lang="it-IT" sz="6000" kern="1200" dirty="0">
-              <a:solidFill>
-                <a:srgbClr val="990033"/>
-              </a:solidFill>
-              <a:effectLst>
-                <a:outerShdw blurRad="38100" dist="38100" dir="2700000" algn="tl">
-                  <a:srgbClr val="000000">
-                    <a:alpha val="43137"/>
-                  </a:srgbClr>
-                </a:outerShdw>
-              </a:effectLst>
-              <a:latin typeface="JasmineUPC" panose="02020603050405020304" pitchFamily="18" charset="-34"/>
-              <a:cs typeface="JasmineUPC" panose="02020603050405020304" pitchFamily="18" charset="-34"/>
-            </a:rPr>
-            <a:t>With </a:t>
-          </a:r>
-          <a:r>
-            <a:rPr lang="it-IT" sz="6000" kern="1200" dirty="0" err="1">
-              <a:solidFill>
-                <a:srgbClr val="990033"/>
-              </a:solidFill>
-              <a:effectLst>
-                <a:outerShdw blurRad="38100" dist="38100" dir="2700000" algn="tl">
-                  <a:srgbClr val="000000">
-                    <a:alpha val="43137"/>
-                  </a:srgbClr>
-                </a:outerShdw>
-              </a:effectLst>
-              <a:latin typeface="JasmineUPC" panose="02020603050405020304" pitchFamily="18" charset="-34"/>
-              <a:cs typeface="JasmineUPC" panose="02020603050405020304" pitchFamily="18" charset="-34"/>
-            </a:rPr>
-            <a:t>you</a:t>
-          </a:r>
-          <a:endParaRPr lang="en-US" sz="6000" kern="1200" dirty="0">
-            <a:solidFill>
-              <a:srgbClr val="990033"/>
-            </a:solidFill>
-            <a:effectLst>
-              <a:outerShdw blurRad="38100" dist="38100" dir="2700000" algn="tl">
-                <a:srgbClr val="000000">
-                  <a:alpha val="43137"/>
-                </a:srgbClr>
-              </a:outerShdw>
-            </a:effectLst>
-            <a:latin typeface="JasmineUPC" panose="02020603050405020304" pitchFamily="18" charset="-34"/>
-            <a:cs typeface="JasmineUPC" panose="02020603050405020304" pitchFamily="18" charset="-34"/>
-          </a:endParaRPr>
-        </a:p>
-      </dsp:txBody>
-      <dsp:txXfrm>
-        <a:off x="4464192" y="668228"/>
-        <a:ext cx="3663807" cy="1324427"/>
-      </dsp:txXfrm>
-    </dsp:sp>
-    <dsp:sp modelId="{93209D96-A0DB-46F6-9469-677E68E25C82}">
-      <dsp:nvSpPr>
-        <dsp:cNvPr id="0" name=""/>
-        <dsp:cNvSpPr/>
-      </dsp:nvSpPr>
-      <dsp:spPr>
-        <a:xfrm>
-          <a:off x="4470247" y="2126278"/>
-          <a:ext cx="3655026" cy="2751233"/>
-        </a:xfrm>
-        <a:prstGeom prst="rect">
-          <a:avLst/>
-        </a:prstGeom>
-        <a:solidFill>
-          <a:schemeClr val="bg1">
-            <a:alpha val="33000"/>
-          </a:schemeClr>
-        </a:solidFill>
-        <a:ln w="6350" cap="flat" cmpd="sng" algn="ctr">
-          <a:solidFill>
-            <a:srgbClr val="FF9966">
-              <a:alpha val="90000"/>
-            </a:srgbClr>
-          </a:solidFill>
-          <a:prstDash val="solid"/>
-          <a:miter lim="800000"/>
-        </a:ln>
-        <a:effectLst/>
-      </dsp:spPr>
-      <dsp:style>
-        <a:lnRef idx="1">
-          <a:scrgbClr r="0" g="0" b="0"/>
-        </a:lnRef>
-        <a:fillRef idx="1">
-          <a:scrgbClr r="0" g="0" b="0"/>
-        </a:fillRef>
-        <a:effectRef idx="0">
-          <a:scrgbClr r="0" g="0" b="0"/>
-        </a:effectRef>
-        <a:fontRef idx="minor"/>
-      </dsp:style>
-      <dsp:txBody>
-        <a:bodyPr spcFirstLastPara="0" vert="horz" wrap="square" lIns="160020" tIns="160020" rIns="213360" bIns="240030" numCol="1" spcCol="1270" anchor="t" anchorCtr="0">
-          <a:noAutofit/>
-        </a:bodyPr>
-        <a:lstStyle/>
-        <a:p>
-          <a:pPr marL="285750" lvl="1" indent="-285750" algn="l" defTabSz="2400300">
-            <a:lnSpc>
-              <a:spcPct val="90000"/>
-            </a:lnSpc>
-            <a:spcBef>
-              <a:spcPct val="0"/>
-            </a:spcBef>
-            <a:spcAft>
-              <a:spcPct val="15000"/>
-            </a:spcAft>
-            <a:buChar char="•"/>
-          </a:pPr>
-          <a:r>
-            <a:rPr lang="it-IT" sz="3000" kern="1200" dirty="0" err="1">
-              <a:solidFill>
-                <a:srgbClr val="990033"/>
-              </a:solidFill>
-              <a:latin typeface="JasmineUPC" panose="02020603050405020304" pitchFamily="18" charset="-34"/>
-              <a:ea typeface="+mn-ea"/>
-              <a:cs typeface="JasmineUPC" panose="02020603050405020304" pitchFamily="18" charset="-34"/>
-            </a:rPr>
-            <a:t>StayWarm</a:t>
-          </a:r>
-          <a:r>
-            <a:rPr lang="it-IT" sz="3000" kern="1200" dirty="0">
-              <a:solidFill>
-                <a:srgbClr val="990033"/>
-              </a:solidFill>
-              <a:latin typeface="JasmineUPC" panose="02020603050405020304" pitchFamily="18" charset="-34"/>
-              <a:ea typeface="+mn-ea"/>
-              <a:cs typeface="JasmineUPC" panose="02020603050405020304" pitchFamily="18" charset="-34"/>
-            </a:rPr>
-            <a:t> app with access to GPS info</a:t>
-          </a:r>
-          <a:endParaRPr lang="en-US" sz="3000" kern="1200" dirty="0">
-            <a:solidFill>
-              <a:srgbClr val="990033"/>
-            </a:solidFill>
-            <a:latin typeface="JasmineUPC" panose="02020603050405020304" pitchFamily="18" charset="-34"/>
-            <a:ea typeface="+mn-ea"/>
-            <a:cs typeface="JasmineUPC" panose="02020603050405020304" pitchFamily="18" charset="-34"/>
-          </a:endParaRPr>
-        </a:p>
-      </dsp:txBody>
-      <dsp:txXfrm>
-        <a:off x="4470247" y="2126278"/>
-        <a:ext cx="3655026" cy="2751233"/>
-      </dsp:txXfrm>
-    </dsp:sp>
-  </dsp:spTree>
-</dsp:drawing>
-</file>
-
 <file path=ppt/diagrams/layout1.xml><?xml version="1.0" encoding="utf-8"?>
-<dgm:layoutDef xmlns:dgm="http://schemas.openxmlformats.org/drawingml/2006/diagram" xmlns:a="http://schemas.openxmlformats.org/drawingml/2006/main" uniqueId="urn:microsoft.com/office/officeart/2008/layout/PictureStrips">
-  <dgm:title val=""/>
-  <dgm:desc val=""/>
-  <dgm:catLst>
-    <dgm:cat type="list" pri="12500"/>
-    <dgm:cat type="picture" pri="13000"/>
-    <dgm:cat type="pictureconvert" pri="13000"/>
-  </dgm:catLst>
-  <dgm:sampData>
-    <dgm:dataModel>
-      <dgm:ptLst>
-        <dgm:pt modelId="0" type="doc"/>
-        <dgm:pt modelId="10">
-          <dgm:prSet phldr="1"/>
-        </dgm:pt>
-        <dgm:pt modelId="20">
-          <dgm:prSet phldr="1"/>
-        </dgm:pt>
-        <dgm:pt modelId="30">
-          <dgm:prSet phldr="1"/>
-        </dgm:pt>
-      </dgm:ptLst>
-      <dgm:cxnLst>
-        <dgm:cxn modelId="40" srcId="0" destId="10" srcOrd="0" destOrd="0"/>
-        <dgm:cxn modelId="50" srcId="0" destId="20" srcOrd="1" destOrd="0"/>
-        <dgm:cxn modelId="60" srcId="0" destId="30" srcOrd="2" destOrd="0"/>
-      </dgm:cxnLst>
-      <dgm:bg/>
-      <dgm:whole/>
-    </dgm:dataModel>
-  </dgm:sampData>
-  <dgm:styleData>
-    <dgm:dataModel>
-      <dgm:ptLst>
-        <dgm:pt modelId="0" type="doc"/>
-        <dgm:pt modelId="10">
-          <dgm:prSet phldr="1"/>
-        </dgm:pt>
-        <dgm:pt modelId="20">
-          <dgm:prSet phldr="1"/>
-        </dgm:pt>
-      </dgm:ptLst>
-      <dgm:cxnLst>
-        <dgm:cxn modelId="40" srcId="0" destId="10" srcOrd="0" destOrd="0"/>
-        <dgm:cxn modelId="50" srcId="0" destId="20" srcOrd="1" destOrd="0"/>
-      </dgm:cxnLst>
-      <dgm:bg/>
-      <dgm:whole/>
-    </dgm:dataModel>
-  </dgm:styleData>
-  <dgm:clrData>
-    <dgm:dataModel>
-      <dgm:ptLst>
-        <dgm:pt modelId="0" type="doc"/>
-        <dgm:pt modelId="10">
-          <dgm:prSet phldr="1"/>
-        </dgm:pt>
-        <dgm:pt modelId="20">
-          <dgm:prSet phldr="1"/>
-        </dgm:pt>
-        <dgm:pt modelId="30">
-          <dgm:prSet phldr="1"/>
-        </dgm:pt>
-        <dgm:pt modelId="40">
-          <dgm:prSet phldr="1"/>
-        </dgm:pt>
-      </dgm:ptLst>
-      <dgm:cxnLst>
-        <dgm:cxn modelId="40" srcId="0" destId="10" srcOrd="0" destOrd="0"/>
-        <dgm:cxn modelId="50" srcId="0" destId="20" srcOrd="1" destOrd="0"/>
-        <dgm:cxn modelId="60" srcId="0" destId="30" srcOrd="2" destOrd="0"/>
-        <dgm:cxn modelId="70" srcId="0" destId="40" srcOrd="2" destOrd="0"/>
-      </dgm:cxnLst>
-      <dgm:bg/>
-      <dgm:whole/>
-    </dgm:dataModel>
-  </dgm:clrData>
-  <dgm:layoutNode name="Name0">
-    <dgm:varLst>
-      <dgm:dir/>
-      <dgm:resizeHandles val="exact"/>
-    </dgm:varLst>
-    <dgm:choose name="Name1">
-      <dgm:if name="Name2" func="var" arg="dir" op="equ" val="norm">
-        <dgm:alg type="snake">
-          <dgm:param type="off" val="ctr"/>
-        </dgm:alg>
-      </dgm:if>
-      <dgm:else name="Name3">
-        <dgm:alg type="snake">
-          <dgm:param type="off" val="ctr"/>
-          <dgm:param type="grDir" val="tR"/>
-        </dgm:alg>
-      </dgm:else>
-    </dgm:choose>
-    <dgm:shape xmlns:r="http://schemas.openxmlformats.org/officeDocument/2006/relationships" r:blip="">
-      <dgm:adjLst/>
-    </dgm:shape>
-    <dgm:constrLst>
-      <dgm:constr type="primFontSz" for="des" ptType="node" op="equ" val="65"/>
-      <dgm:constr type="w" for="ch" forName="composite" refType="w"/>
-      <dgm:constr type="h" for="ch" forName="composite" refType="h"/>
-      <dgm:constr type="sp" refType="h" refFor="ch" refForName="composite" op="equ" fact="0.1"/>
-      <dgm:constr type="h" for="ch" forName="sibTrans" refType="h" refFor="ch" refForName="composite" op="equ" fact="0.1"/>
-      <dgm:constr type="w" for="ch" forName="sibTrans" refType="h" refFor="ch" refForName="sibTrans" op="equ"/>
-    </dgm:constrLst>
-    <dgm:forEach name="nodesForEach" axis="ch" ptType="node">
-      <dgm:layoutNode name="composite">
-        <dgm:alg type="composite">
-          <dgm:param type="ar" val="3"/>
-        </dgm:alg>
-        <dgm:shape xmlns:r="http://schemas.openxmlformats.org/officeDocument/2006/relationships" r:blip="">
-          <dgm:adjLst/>
-        </dgm:shape>
-        <dgm:choose name="Name4">
-          <dgm:if name="Name5" func="var" arg="dir" op="equ" val="norm">
-            <dgm:constrLst>
-              <dgm:constr type="l" for="ch" forName="rect1" refType="w" fact="0.04"/>
-              <dgm:constr type="t" for="ch" forName="rect1" refType="h" fact="0.13"/>
-              <dgm:constr type="w" for="ch" forName="rect1" refType="w" fact="0.96"/>
-              <dgm:constr type="h" for="ch" forName="rect1" refType="h" fact="0.9"/>
-              <dgm:constr type="l" for="ch" forName="rect2" refType="w" fact="0"/>
-              <dgm:constr type="t" for="ch" forName="rect2" refType="h" fact="0"/>
-              <dgm:constr type="w" for="ch" forName="rect2" refType="w" fact="0.21"/>
-              <dgm:constr type="h" for="ch" forName="rect2" refType="w" fact="0.315"/>
-            </dgm:constrLst>
-          </dgm:if>
-          <dgm:else name="Name6">
-            <dgm:constrLst>
-              <dgm:constr type="l" for="ch" forName="rect1" refType="w" fact="0"/>
-              <dgm:constr type="t" for="ch" forName="rect1" refType="h" fact="0.13"/>
-              <dgm:constr type="w" for="ch" forName="rect1" refType="w" fact="0.96"/>
-              <dgm:constr type="h" for="ch" forName="rect1" refType="h" fact="0.9"/>
-              <dgm:constr type="l" for="ch" forName="rect2" refType="w" fact="0.79"/>
-              <dgm:constr type="t" for="ch" forName="rect2" refType="h" fact="0"/>
-              <dgm:constr type="w" for="ch" forName="rect2" refType="w" fact="0.21"/>
-              <dgm:constr type="h" for="ch" forName="rect2" refType="w" fact="0.315"/>
-            </dgm:constrLst>
-          </dgm:else>
-        </dgm:choose>
-        <dgm:layoutNode name="rect1" styleLbl="trAlignAcc1">
-          <dgm:varLst>
-            <dgm:bulletEnabled val="1"/>
-          </dgm:varLst>
-          <dgm:alg type="tx">
-            <dgm:param type="parTxLTRAlign" val="l"/>
-          </dgm:alg>
-          <dgm:shape xmlns:r="http://schemas.openxmlformats.org/officeDocument/2006/relationships" type="rect" r:blip="">
-            <dgm:adjLst/>
-          </dgm:shape>
-          <dgm:presOf axis="desOrSelf" ptType="node"/>
-          <dgm:choose name="Name7">
-            <dgm:if name="Name8" func="var" arg="dir" op="equ" val="norm">
-              <dgm:constrLst>
-                <dgm:constr type="lMarg" refType="w" fact="0.6"/>
-                <dgm:constr type="rMarg" refType="primFontSz" fact="0.3"/>
-                <dgm:constr type="tMarg" refType="primFontSz" fact="0.3"/>
-                <dgm:constr type="bMarg" refType="primFontSz" fact="0.3"/>
-              </dgm:constrLst>
-            </dgm:if>
-            <dgm:else name="Name9">
-              <dgm:constrLst>
-                <dgm:constr type="lMarg" refType="primFontSz" fact="0.3"/>
-                <dgm:constr type="rMarg" refType="w" fact="0.6"/>
-                <dgm:constr type="tMarg" refType="primFontSz" fact="0.3"/>
-                <dgm:constr type="bMarg" refType="primFontSz" fact="0.3"/>
-              </dgm:constrLst>
-            </dgm:else>
-          </dgm:choose>
-          <dgm:ruleLst>
-            <dgm:rule type="primFontSz" val="5" fact="NaN" max="NaN"/>
-          </dgm:ruleLst>
-        </dgm:layoutNode>
-        <dgm:layoutNode name="rect2" styleLbl="fgImgPlace1">
-          <dgm:alg type="sp"/>
-          <dgm:shape xmlns:r="http://schemas.openxmlformats.org/officeDocument/2006/relationships" type="rect" r:blip="" blipPhldr="1">
-            <dgm:adjLst/>
-          </dgm:shape>
-          <dgm:presOf/>
-        </dgm:layoutNode>
-      </dgm:layoutNode>
-      <dgm:forEach name="sibTransForEach" axis="followSib" ptType="sibTrans" cnt="1">
-        <dgm:layoutNode name="sibTrans">
-          <dgm:alg type="sp"/>
-          <dgm:shape xmlns:r="http://schemas.openxmlformats.org/officeDocument/2006/relationships" r:blip="">
-            <dgm:adjLst/>
-          </dgm:shape>
-        </dgm:layoutNode>
-      </dgm:forEach>
-    </dgm:forEach>
-  </dgm:layoutNode>
-</dgm:layoutDef>
-</file>
-
-<file path=ppt/diagrams/layout2.xml><?xml version="1.0" encoding="utf-8"?>
 <dgm:layoutDef xmlns:dgm="http://schemas.openxmlformats.org/drawingml/2006/diagram" xmlns:a="http://schemas.openxmlformats.org/drawingml/2006/main" uniqueId="urn:microsoft.com/office/officeart/2005/8/layout/hList1">
   <dgm:title val=""/>
   <dgm:desc val=""/>
@@ -5678,1041 +5483,202 @@
 </dgm:layoutDef>
 </file>
 
-<file path=ppt/diagrams/quickStyle1.xml><?xml version="1.0" encoding="utf-8"?>
-<dgm:styleDef xmlns:dgm="http://schemas.openxmlformats.org/drawingml/2006/diagram" xmlns:a="http://schemas.openxmlformats.org/drawingml/2006/main" uniqueId="urn:microsoft.com/office/officeart/2005/8/quickstyle/simple5">
+<file path=ppt/diagrams/layout2.xml><?xml version="1.0" encoding="utf-8"?>
+<dgm:layoutDef xmlns:dgm="http://schemas.openxmlformats.org/drawingml/2006/diagram" xmlns:a="http://schemas.openxmlformats.org/drawingml/2006/main" uniqueId="urn:microsoft.com/office/officeart/2008/layout/PictureStrips">
   <dgm:title val=""/>
   <dgm:desc val=""/>
   <dgm:catLst>
-    <dgm:cat type="simple" pri="10500"/>
+    <dgm:cat type="list" pri="12500"/>
+    <dgm:cat type="picture" pri="13000"/>
+    <dgm:cat type="pictureconvert" pri="13000"/>
   </dgm:catLst>
-  <dgm:scene3d>
-    <a:camera prst="orthographicFront"/>
-    <a:lightRig rig="threePt" dir="t"/>
-  </dgm:scene3d>
-  <dgm:styleLbl name="node0">
-    <dgm:scene3d>
-      <a:camera prst="orthographicFront"/>
-      <a:lightRig rig="threePt" dir="t"/>
-    </dgm:scene3d>
-    <dgm:sp3d/>
-    <dgm:txPr/>
-    <dgm:style>
-      <a:lnRef idx="0">
-        <a:scrgbClr r="0" g="0" b="0"/>
-      </a:lnRef>
-      <a:fillRef idx="3">
-        <a:scrgbClr r="0" g="0" b="0"/>
-      </a:fillRef>
-      <a:effectRef idx="3">
-        <a:scrgbClr r="0" g="0" b="0"/>
-      </a:effectRef>
-      <a:fontRef idx="minor">
-        <a:schemeClr val="lt1"/>
-      </a:fontRef>
-    </dgm:style>
-  </dgm:styleLbl>
-  <dgm:styleLbl name="lnNode1">
-    <dgm:scene3d>
-      <a:camera prst="orthographicFront"/>
-      <a:lightRig rig="threePt" dir="t"/>
-    </dgm:scene3d>
-    <dgm:sp3d/>
-    <dgm:txPr/>
-    <dgm:style>
-      <a:lnRef idx="0">
-        <a:scrgbClr r="0" g="0" b="0"/>
-      </a:lnRef>
-      <a:fillRef idx="3">
-        <a:scrgbClr r="0" g="0" b="0"/>
-      </a:fillRef>
-      <a:effectRef idx="3">
-        <a:scrgbClr r="0" g="0" b="0"/>
-      </a:effectRef>
-      <a:fontRef idx="minor">
-        <a:schemeClr val="lt1"/>
-      </a:fontRef>
-    </dgm:style>
-  </dgm:styleLbl>
-  <dgm:styleLbl name="vennNode1">
-    <dgm:scene3d>
-      <a:camera prst="orthographicFront"/>
-      <a:lightRig rig="threePt" dir="t"/>
-    </dgm:scene3d>
-    <dgm:sp3d/>
-    <dgm:txPr/>
-    <dgm:style>
-      <a:lnRef idx="0">
-        <a:scrgbClr r="0" g="0" b="0"/>
-      </a:lnRef>
-      <a:fillRef idx="3">
-        <a:scrgbClr r="0" g="0" b="0"/>
-      </a:fillRef>
-      <a:effectRef idx="3">
-        <a:scrgbClr r="0" g="0" b="0"/>
-      </a:effectRef>
-      <a:fontRef idx="minor">
-        <a:schemeClr val="tx1"/>
-      </a:fontRef>
-    </dgm:style>
-  </dgm:styleLbl>
-  <dgm:styleLbl name="alignNode1">
-    <dgm:scene3d>
-      <a:camera prst="orthographicFront"/>
-      <a:lightRig rig="threePt" dir="t"/>
-    </dgm:scene3d>
-    <dgm:sp3d/>
-    <dgm:txPr/>
-    <dgm:style>
-      <a:lnRef idx="1">
-        <a:scrgbClr r="0" g="0" b="0"/>
-      </a:lnRef>
-      <a:fillRef idx="3">
-        <a:scrgbClr r="0" g="0" b="0"/>
-      </a:fillRef>
-      <a:effectRef idx="3">
-        <a:scrgbClr r="0" g="0" b="0"/>
-      </a:effectRef>
-      <a:fontRef idx="minor">
-        <a:schemeClr val="lt1"/>
-      </a:fontRef>
-    </dgm:style>
-  </dgm:styleLbl>
-  <dgm:styleLbl name="node1">
-    <dgm:scene3d>
-      <a:camera prst="orthographicFront"/>
-      <a:lightRig rig="threePt" dir="t"/>
-    </dgm:scene3d>
-    <dgm:sp3d/>
-    <dgm:txPr/>
-    <dgm:style>
-      <a:lnRef idx="0">
-        <a:scrgbClr r="0" g="0" b="0"/>
-      </a:lnRef>
-      <a:fillRef idx="3">
-        <a:scrgbClr r="0" g="0" b="0"/>
-      </a:fillRef>
-      <a:effectRef idx="3">
-        <a:scrgbClr r="0" g="0" b="0"/>
-      </a:effectRef>
-      <a:fontRef idx="minor">
-        <a:schemeClr val="lt1"/>
-      </a:fontRef>
-    </dgm:style>
-  </dgm:styleLbl>
-  <dgm:styleLbl name="node2">
-    <dgm:scene3d>
-      <a:camera prst="orthographicFront"/>
-      <a:lightRig rig="threePt" dir="t"/>
-    </dgm:scene3d>
-    <dgm:sp3d/>
-    <dgm:txPr/>
-    <dgm:style>
-      <a:lnRef idx="0">
-        <a:scrgbClr r="0" g="0" b="0"/>
-      </a:lnRef>
-      <a:fillRef idx="3">
-        <a:scrgbClr r="0" g="0" b="0"/>
-      </a:fillRef>
-      <a:effectRef idx="3">
-        <a:scrgbClr r="0" g="0" b="0"/>
-      </a:effectRef>
-      <a:fontRef idx="minor">
-        <a:schemeClr val="lt1"/>
-      </a:fontRef>
-    </dgm:style>
-  </dgm:styleLbl>
-  <dgm:styleLbl name="node3">
-    <dgm:scene3d>
-      <a:camera prst="orthographicFront"/>
-      <a:lightRig rig="threePt" dir="t"/>
-    </dgm:scene3d>
-    <dgm:sp3d/>
-    <dgm:txPr/>
-    <dgm:style>
-      <a:lnRef idx="0">
-        <a:scrgbClr r="0" g="0" b="0"/>
-      </a:lnRef>
-      <a:fillRef idx="3">
-        <a:scrgbClr r="0" g="0" b="0"/>
-      </a:fillRef>
-      <a:effectRef idx="3">
-        <a:scrgbClr r="0" g="0" b="0"/>
-      </a:effectRef>
-      <a:fontRef idx="minor">
-        <a:schemeClr val="lt1"/>
-      </a:fontRef>
-    </dgm:style>
-  </dgm:styleLbl>
-  <dgm:styleLbl name="node4">
-    <dgm:scene3d>
-      <a:camera prst="orthographicFront"/>
-      <a:lightRig rig="threePt" dir="t"/>
-    </dgm:scene3d>
-    <dgm:sp3d/>
-    <dgm:txPr/>
-    <dgm:style>
-      <a:lnRef idx="0">
-        <a:scrgbClr r="0" g="0" b="0"/>
-      </a:lnRef>
-      <a:fillRef idx="3">
-        <a:scrgbClr r="0" g="0" b="0"/>
-      </a:fillRef>
-      <a:effectRef idx="3">
-        <a:scrgbClr r="0" g="0" b="0"/>
-      </a:effectRef>
-      <a:fontRef idx="minor">
-        <a:schemeClr val="lt1"/>
-      </a:fontRef>
-    </dgm:style>
-  </dgm:styleLbl>
-  <dgm:styleLbl name="fgImgPlace1">
-    <dgm:scene3d>
-      <a:camera prst="orthographicFront"/>
-      <a:lightRig rig="threePt" dir="t"/>
-    </dgm:scene3d>
-    <dgm:sp3d/>
-    <dgm:txPr/>
-    <dgm:style>
-      <a:lnRef idx="0">
-        <a:scrgbClr r="0" g="0" b="0"/>
-      </a:lnRef>
-      <a:fillRef idx="1">
-        <a:scrgbClr r="0" g="0" b="0"/>
-      </a:fillRef>
-      <a:effectRef idx="3">
-        <a:scrgbClr r="0" g="0" b="0"/>
-      </a:effectRef>
-      <a:fontRef idx="minor"/>
-    </dgm:style>
-  </dgm:styleLbl>
-  <dgm:styleLbl name="alignImgPlace1">
-    <dgm:scene3d>
-      <a:camera prst="orthographicFront"/>
-      <a:lightRig rig="threePt" dir="t"/>
-    </dgm:scene3d>
-    <dgm:sp3d/>
-    <dgm:txPr/>
-    <dgm:style>
-      <a:lnRef idx="0">
-        <a:scrgbClr r="0" g="0" b="0"/>
-      </a:lnRef>
-      <a:fillRef idx="1">
-        <a:scrgbClr r="0" g="0" b="0"/>
-      </a:fillRef>
-      <a:effectRef idx="3">
-        <a:scrgbClr r="0" g="0" b="0"/>
-      </a:effectRef>
-      <a:fontRef idx="minor"/>
-    </dgm:style>
-  </dgm:styleLbl>
-  <dgm:styleLbl name="bgImgPlace1">
-    <dgm:scene3d>
-      <a:camera prst="orthographicFront"/>
-      <a:lightRig rig="threePt" dir="t"/>
-    </dgm:scene3d>
-    <dgm:sp3d/>
-    <dgm:txPr/>
-    <dgm:style>
-      <a:lnRef idx="0">
-        <a:scrgbClr r="0" g="0" b="0"/>
-      </a:lnRef>
-      <a:fillRef idx="1">
-        <a:scrgbClr r="0" g="0" b="0"/>
-      </a:fillRef>
-      <a:effectRef idx="3">
-        <a:scrgbClr r="0" g="0" b="0"/>
-      </a:effectRef>
-      <a:fontRef idx="minor"/>
-    </dgm:style>
-  </dgm:styleLbl>
-  <dgm:styleLbl name="sibTrans2D1">
-    <dgm:scene3d>
-      <a:camera prst="orthographicFront"/>
-      <a:lightRig rig="threePt" dir="t"/>
-    </dgm:scene3d>
-    <dgm:sp3d/>
-    <dgm:txPr/>
-    <dgm:style>
-      <a:lnRef idx="0">
-        <a:scrgbClr r="0" g="0" b="0"/>
-      </a:lnRef>
-      <a:fillRef idx="3">
-        <a:scrgbClr r="0" g="0" b="0"/>
-      </a:fillRef>
-      <a:effectRef idx="3">
-        <a:scrgbClr r="0" g="0" b="0"/>
-      </a:effectRef>
-      <a:fontRef idx="minor">
-        <a:schemeClr val="lt1"/>
-      </a:fontRef>
-    </dgm:style>
-  </dgm:styleLbl>
-  <dgm:styleLbl name="fgSibTrans2D1">
-    <dgm:scene3d>
-      <a:camera prst="orthographicFront"/>
-      <a:lightRig rig="threePt" dir="t"/>
-    </dgm:scene3d>
-    <dgm:sp3d/>
-    <dgm:txPr/>
-    <dgm:style>
-      <a:lnRef idx="0">
-        <a:scrgbClr r="0" g="0" b="0"/>
-      </a:lnRef>
-      <a:fillRef idx="3">
-        <a:scrgbClr r="0" g="0" b="0"/>
-      </a:fillRef>
-      <a:effectRef idx="3">
-        <a:scrgbClr r="0" g="0" b="0"/>
-      </a:effectRef>
-      <a:fontRef idx="minor">
-        <a:schemeClr val="lt1"/>
-      </a:fontRef>
-    </dgm:style>
-  </dgm:styleLbl>
-  <dgm:styleLbl name="bgSibTrans2D1">
-    <dgm:scene3d>
-      <a:camera prst="orthographicFront"/>
-      <a:lightRig rig="threePt" dir="t"/>
-    </dgm:scene3d>
-    <dgm:sp3d/>
-    <dgm:txPr/>
-    <dgm:style>
-      <a:lnRef idx="0">
-        <a:scrgbClr r="0" g="0" b="0"/>
-      </a:lnRef>
-      <a:fillRef idx="3">
-        <a:scrgbClr r="0" g="0" b="0"/>
-      </a:fillRef>
-      <a:effectRef idx="3">
-        <a:scrgbClr r="0" g="0" b="0"/>
-      </a:effectRef>
-      <a:fontRef idx="minor">
-        <a:schemeClr val="lt1"/>
-      </a:fontRef>
-    </dgm:style>
-  </dgm:styleLbl>
-  <dgm:styleLbl name="sibTrans1D1">
-    <dgm:scene3d>
-      <a:camera prst="orthographicFront"/>
-      <a:lightRig rig="threePt" dir="t"/>
-    </dgm:scene3d>
-    <dgm:sp3d/>
-    <dgm:txPr/>
-    <dgm:style>
-      <a:lnRef idx="1">
-        <a:scrgbClr r="0" g="0" b="0"/>
-      </a:lnRef>
-      <a:fillRef idx="0">
-        <a:scrgbClr r="0" g="0" b="0"/>
-      </a:fillRef>
-      <a:effectRef idx="0">
-        <a:scrgbClr r="0" g="0" b="0"/>
-      </a:effectRef>
-      <a:fontRef idx="minor"/>
-    </dgm:style>
-  </dgm:styleLbl>
-  <dgm:styleLbl name="callout">
-    <dgm:scene3d>
-      <a:camera prst="orthographicFront"/>
-      <a:lightRig rig="threePt" dir="t"/>
-    </dgm:scene3d>
-    <dgm:sp3d/>
-    <dgm:txPr/>
-    <dgm:style>
-      <a:lnRef idx="1">
-        <a:scrgbClr r="0" g="0" b="0"/>
-      </a:lnRef>
-      <a:fillRef idx="0">
-        <a:scrgbClr r="0" g="0" b="0"/>
-      </a:fillRef>
-      <a:effectRef idx="1">
-        <a:scrgbClr r="0" g="0" b="0"/>
-      </a:effectRef>
-      <a:fontRef idx="minor"/>
-    </dgm:style>
-  </dgm:styleLbl>
-  <dgm:styleLbl name="asst0">
-    <dgm:scene3d>
-      <a:camera prst="orthographicFront"/>
-      <a:lightRig rig="threePt" dir="t"/>
-    </dgm:scene3d>
-    <dgm:sp3d/>
-    <dgm:txPr/>
-    <dgm:style>
-      <a:lnRef idx="0">
-        <a:scrgbClr r="0" g="0" b="0"/>
-      </a:lnRef>
-      <a:fillRef idx="3">
-        <a:scrgbClr r="0" g="0" b="0"/>
-      </a:fillRef>
-      <a:effectRef idx="3">
-        <a:scrgbClr r="0" g="0" b="0"/>
-      </a:effectRef>
-      <a:fontRef idx="minor">
-        <a:schemeClr val="lt1"/>
-      </a:fontRef>
-    </dgm:style>
-  </dgm:styleLbl>
-  <dgm:styleLbl name="asst1">
-    <dgm:scene3d>
-      <a:camera prst="orthographicFront"/>
-      <a:lightRig rig="threePt" dir="t"/>
-    </dgm:scene3d>
-    <dgm:sp3d/>
-    <dgm:txPr/>
-    <dgm:style>
-      <a:lnRef idx="0">
-        <a:scrgbClr r="0" g="0" b="0"/>
-      </a:lnRef>
-      <a:fillRef idx="3">
-        <a:scrgbClr r="0" g="0" b="0"/>
-      </a:fillRef>
-      <a:effectRef idx="3">
-        <a:scrgbClr r="0" g="0" b="0"/>
-      </a:effectRef>
-      <a:fontRef idx="minor">
-        <a:schemeClr val="lt1"/>
-      </a:fontRef>
-    </dgm:style>
-  </dgm:styleLbl>
-  <dgm:styleLbl name="asst2">
-    <dgm:scene3d>
-      <a:camera prst="orthographicFront"/>
-      <a:lightRig rig="threePt" dir="t"/>
-    </dgm:scene3d>
-    <dgm:sp3d/>
-    <dgm:txPr/>
-    <dgm:style>
-      <a:lnRef idx="0">
-        <a:scrgbClr r="0" g="0" b="0"/>
-      </a:lnRef>
-      <a:fillRef idx="3">
-        <a:scrgbClr r="0" g="0" b="0"/>
-      </a:fillRef>
-      <a:effectRef idx="3">
-        <a:scrgbClr r="0" g="0" b="0"/>
-      </a:effectRef>
-      <a:fontRef idx="minor">
-        <a:schemeClr val="lt1"/>
-      </a:fontRef>
-    </dgm:style>
-  </dgm:styleLbl>
-  <dgm:styleLbl name="asst3">
-    <dgm:scene3d>
-      <a:camera prst="orthographicFront"/>
-      <a:lightRig rig="threePt" dir="t"/>
-    </dgm:scene3d>
-    <dgm:sp3d/>
-    <dgm:txPr/>
-    <dgm:style>
-      <a:lnRef idx="0">
-        <a:scrgbClr r="0" g="0" b="0"/>
-      </a:lnRef>
-      <a:fillRef idx="3">
-        <a:scrgbClr r="0" g="0" b="0"/>
-      </a:fillRef>
-      <a:effectRef idx="3">
-        <a:scrgbClr r="0" g="0" b="0"/>
-      </a:effectRef>
-      <a:fontRef idx="minor">
-        <a:schemeClr val="lt1"/>
-      </a:fontRef>
-    </dgm:style>
-  </dgm:styleLbl>
-  <dgm:styleLbl name="asst4">
-    <dgm:scene3d>
-      <a:camera prst="orthographicFront"/>
-      <a:lightRig rig="threePt" dir="t"/>
-    </dgm:scene3d>
-    <dgm:sp3d/>
-    <dgm:txPr/>
-    <dgm:style>
-      <a:lnRef idx="0">
-        <a:scrgbClr r="0" g="0" b="0"/>
-      </a:lnRef>
-      <a:fillRef idx="3">
-        <a:scrgbClr r="0" g="0" b="0"/>
-      </a:fillRef>
-      <a:effectRef idx="3">
-        <a:scrgbClr r="0" g="0" b="0"/>
-      </a:effectRef>
-      <a:fontRef idx="minor">
-        <a:schemeClr val="lt1"/>
-      </a:fontRef>
-    </dgm:style>
-  </dgm:styleLbl>
-  <dgm:styleLbl name="parChTrans2D1">
-    <dgm:scene3d>
-      <a:camera prst="orthographicFront"/>
-      <a:lightRig rig="threePt" dir="t"/>
-    </dgm:scene3d>
-    <dgm:sp3d/>
-    <dgm:txPr/>
-    <dgm:style>
-      <a:lnRef idx="0">
-        <a:scrgbClr r="0" g="0" b="0"/>
-      </a:lnRef>
-      <a:fillRef idx="3">
-        <a:scrgbClr r="0" g="0" b="0"/>
-      </a:fillRef>
-      <a:effectRef idx="3">
-        <a:scrgbClr r="0" g="0" b="0"/>
-      </a:effectRef>
-      <a:fontRef idx="minor">
-        <a:schemeClr val="lt1"/>
-      </a:fontRef>
-    </dgm:style>
-  </dgm:styleLbl>
-  <dgm:styleLbl name="parChTrans2D2">
-    <dgm:scene3d>
-      <a:camera prst="orthographicFront"/>
-      <a:lightRig rig="threePt" dir="t"/>
-    </dgm:scene3d>
-    <dgm:sp3d/>
-    <dgm:txPr/>
-    <dgm:style>
-      <a:lnRef idx="0">
-        <a:scrgbClr r="0" g="0" b="0"/>
-      </a:lnRef>
-      <a:fillRef idx="3">
-        <a:scrgbClr r="0" g="0" b="0"/>
-      </a:fillRef>
-      <a:effectRef idx="3">
-        <a:scrgbClr r="0" g="0" b="0"/>
-      </a:effectRef>
-      <a:fontRef idx="minor">
-        <a:schemeClr val="lt1"/>
-      </a:fontRef>
-    </dgm:style>
-  </dgm:styleLbl>
-  <dgm:styleLbl name="parChTrans2D3">
-    <dgm:scene3d>
-      <a:camera prst="orthographicFront"/>
-      <a:lightRig rig="threePt" dir="t"/>
-    </dgm:scene3d>
-    <dgm:sp3d/>
-    <dgm:txPr/>
-    <dgm:style>
-      <a:lnRef idx="0">
-        <a:scrgbClr r="0" g="0" b="0"/>
-      </a:lnRef>
-      <a:fillRef idx="3">
-        <a:scrgbClr r="0" g="0" b="0"/>
-      </a:fillRef>
-      <a:effectRef idx="3">
-        <a:scrgbClr r="0" g="0" b="0"/>
-      </a:effectRef>
-      <a:fontRef idx="minor">
-        <a:schemeClr val="lt1"/>
-      </a:fontRef>
-    </dgm:style>
-  </dgm:styleLbl>
-  <dgm:styleLbl name="parChTrans2D4">
-    <dgm:scene3d>
-      <a:camera prst="orthographicFront"/>
-      <a:lightRig rig="threePt" dir="t"/>
-    </dgm:scene3d>
-    <dgm:sp3d/>
-    <dgm:txPr/>
-    <dgm:style>
-      <a:lnRef idx="0">
-        <a:scrgbClr r="0" g="0" b="0"/>
-      </a:lnRef>
-      <a:fillRef idx="3">
-        <a:scrgbClr r="0" g="0" b="0"/>
-      </a:fillRef>
-      <a:effectRef idx="3">
-        <a:scrgbClr r="0" g="0" b="0"/>
-      </a:effectRef>
-      <a:fontRef idx="minor">
-        <a:schemeClr val="lt1"/>
-      </a:fontRef>
-    </dgm:style>
-  </dgm:styleLbl>
-  <dgm:styleLbl name="parChTrans1D1">
-    <dgm:scene3d>
-      <a:camera prst="orthographicFront"/>
-      <a:lightRig rig="threePt" dir="t"/>
-    </dgm:scene3d>
-    <dgm:sp3d/>
-    <dgm:txPr/>
-    <dgm:style>
-      <a:lnRef idx="2">
-        <a:scrgbClr r="0" g="0" b="0"/>
-      </a:lnRef>
-      <a:fillRef idx="0">
-        <a:scrgbClr r="0" g="0" b="0"/>
-      </a:fillRef>
-      <a:effectRef idx="0">
-        <a:scrgbClr r="0" g="0" b="0"/>
-      </a:effectRef>
-      <a:fontRef idx="minor"/>
-    </dgm:style>
-  </dgm:styleLbl>
-  <dgm:styleLbl name="parChTrans1D2">
-    <dgm:scene3d>
-      <a:camera prst="orthographicFront"/>
-      <a:lightRig rig="threePt" dir="t"/>
-    </dgm:scene3d>
-    <dgm:sp3d/>
-    <dgm:txPr/>
-    <dgm:style>
-      <a:lnRef idx="2">
-        <a:scrgbClr r="0" g="0" b="0"/>
-      </a:lnRef>
-      <a:fillRef idx="0">
-        <a:scrgbClr r="0" g="0" b="0"/>
-      </a:fillRef>
-      <a:effectRef idx="0">
-        <a:scrgbClr r="0" g="0" b="0"/>
-      </a:effectRef>
-      <a:fontRef idx="minor"/>
-    </dgm:style>
-  </dgm:styleLbl>
-  <dgm:styleLbl name="parChTrans1D3">
-    <dgm:scene3d>
-      <a:camera prst="orthographicFront"/>
-      <a:lightRig rig="threePt" dir="t"/>
-    </dgm:scene3d>
-    <dgm:sp3d/>
-    <dgm:txPr/>
-    <dgm:style>
-      <a:lnRef idx="2">
-        <a:scrgbClr r="0" g="0" b="0"/>
-      </a:lnRef>
-      <a:fillRef idx="0">
-        <a:scrgbClr r="0" g="0" b="0"/>
-      </a:fillRef>
-      <a:effectRef idx="0">
-        <a:scrgbClr r="0" g="0" b="0"/>
-      </a:effectRef>
-      <a:fontRef idx="minor"/>
-    </dgm:style>
-  </dgm:styleLbl>
-  <dgm:styleLbl name="parChTrans1D4">
-    <dgm:scene3d>
-      <a:camera prst="orthographicFront"/>
-      <a:lightRig rig="threePt" dir="t"/>
-    </dgm:scene3d>
-    <dgm:sp3d/>
-    <dgm:txPr/>
-    <dgm:style>
-      <a:lnRef idx="2">
-        <a:scrgbClr r="0" g="0" b="0"/>
-      </a:lnRef>
-      <a:fillRef idx="0">
-        <a:scrgbClr r="0" g="0" b="0"/>
-      </a:fillRef>
-      <a:effectRef idx="0">
-        <a:scrgbClr r="0" g="0" b="0"/>
-      </a:effectRef>
-      <a:fontRef idx="minor"/>
-    </dgm:style>
-  </dgm:styleLbl>
-  <dgm:styleLbl name="fgAcc1">
-    <dgm:scene3d>
-      <a:camera prst="orthographicFront"/>
-      <a:lightRig rig="threePt" dir="t"/>
-    </dgm:scene3d>
-    <dgm:sp3d/>
-    <dgm:txPr/>
-    <dgm:style>
-      <a:lnRef idx="1">
-        <a:scrgbClr r="0" g="0" b="0"/>
-      </a:lnRef>
-      <a:fillRef idx="1">
-        <a:scrgbClr r="0" g="0" b="0"/>
-      </a:fillRef>
-      <a:effectRef idx="2">
-        <a:scrgbClr r="0" g="0" b="0"/>
-      </a:effectRef>
-      <a:fontRef idx="minor"/>
-    </dgm:style>
-  </dgm:styleLbl>
-  <dgm:styleLbl name="conFgAcc1">
-    <dgm:scene3d>
-      <a:camera prst="orthographicFront"/>
-      <a:lightRig rig="threePt" dir="t"/>
-    </dgm:scene3d>
-    <dgm:sp3d/>
-    <dgm:txPr/>
-    <dgm:style>
-      <a:lnRef idx="1">
-        <a:scrgbClr r="0" g="0" b="0"/>
-      </a:lnRef>
-      <a:fillRef idx="1">
-        <a:scrgbClr r="0" g="0" b="0"/>
-      </a:fillRef>
-      <a:effectRef idx="2">
-        <a:scrgbClr r="0" g="0" b="0"/>
-      </a:effectRef>
-      <a:fontRef idx="minor"/>
-    </dgm:style>
-  </dgm:styleLbl>
-  <dgm:styleLbl name="alignAcc1">
-    <dgm:scene3d>
-      <a:camera prst="orthographicFront"/>
-      <a:lightRig rig="threePt" dir="t"/>
-    </dgm:scene3d>
-    <dgm:sp3d/>
-    <dgm:txPr/>
-    <dgm:style>
-      <a:lnRef idx="1">
-        <a:scrgbClr r="0" g="0" b="0"/>
-      </a:lnRef>
-      <a:fillRef idx="1">
-        <a:scrgbClr r="0" g="0" b="0"/>
-      </a:fillRef>
-      <a:effectRef idx="2">
-        <a:scrgbClr r="0" g="0" b="0"/>
-      </a:effectRef>
-      <a:fontRef idx="minor"/>
-    </dgm:style>
-  </dgm:styleLbl>
-  <dgm:styleLbl name="trAlignAcc1">
-    <dgm:scene3d>
-      <a:camera prst="orthographicFront"/>
-      <a:lightRig rig="threePt" dir="t"/>
-    </dgm:scene3d>
-    <dgm:sp3d/>
-    <dgm:txPr/>
-    <dgm:style>
-      <a:lnRef idx="1">
-        <a:scrgbClr r="0" g="0" b="0"/>
-      </a:lnRef>
-      <a:fillRef idx="1">
-        <a:scrgbClr r="0" g="0" b="0"/>
-      </a:fillRef>
-      <a:effectRef idx="0">
-        <a:scrgbClr r="0" g="0" b="0"/>
-      </a:effectRef>
-      <a:fontRef idx="minor"/>
-    </dgm:style>
-  </dgm:styleLbl>
-  <dgm:styleLbl name="bgAcc1">
-    <dgm:scene3d>
-      <a:camera prst="orthographicFront"/>
-      <a:lightRig rig="threePt" dir="t"/>
-    </dgm:scene3d>
-    <dgm:sp3d/>
-    <dgm:txPr/>
-    <dgm:style>
-      <a:lnRef idx="1">
-        <a:scrgbClr r="0" g="0" b="0"/>
-      </a:lnRef>
-      <a:fillRef idx="1">
-        <a:scrgbClr r="0" g="0" b="0"/>
-      </a:fillRef>
-      <a:effectRef idx="2">
-        <a:scrgbClr r="0" g="0" b="0"/>
-      </a:effectRef>
-      <a:fontRef idx="minor"/>
-    </dgm:style>
-  </dgm:styleLbl>
-  <dgm:styleLbl name="solidFgAcc1">
-    <dgm:scene3d>
-      <a:camera prst="orthographicFront"/>
-      <a:lightRig rig="threePt" dir="t"/>
-    </dgm:scene3d>
-    <dgm:sp3d/>
-    <dgm:txPr/>
-    <dgm:style>
-      <a:lnRef idx="1">
-        <a:scrgbClr r="0" g="0" b="0"/>
-      </a:lnRef>
-      <a:fillRef idx="1">
-        <a:scrgbClr r="0" g="0" b="0"/>
-      </a:fillRef>
-      <a:effectRef idx="2">
-        <a:scrgbClr r="0" g="0" b="0"/>
-      </a:effectRef>
-      <a:fontRef idx="minor"/>
-    </dgm:style>
-  </dgm:styleLbl>
-  <dgm:styleLbl name="solidAlignAcc1">
-    <dgm:scene3d>
-      <a:camera prst="orthographicFront"/>
-      <a:lightRig rig="threePt" dir="t"/>
-    </dgm:scene3d>
-    <dgm:sp3d/>
-    <dgm:txPr/>
-    <dgm:style>
-      <a:lnRef idx="1">
-        <a:scrgbClr r="0" g="0" b="0"/>
-      </a:lnRef>
-      <a:fillRef idx="1">
-        <a:scrgbClr r="0" g="0" b="0"/>
-      </a:fillRef>
-      <a:effectRef idx="3">
-        <a:scrgbClr r="0" g="0" b="0"/>
-      </a:effectRef>
-      <a:fontRef idx="minor"/>
-    </dgm:style>
-  </dgm:styleLbl>
-  <dgm:styleLbl name="solidBgAcc1">
-    <dgm:scene3d>
-      <a:camera prst="orthographicFront"/>
-      <a:lightRig rig="threePt" dir="t"/>
-    </dgm:scene3d>
-    <dgm:sp3d/>
-    <dgm:txPr/>
-    <dgm:style>
-      <a:lnRef idx="1">
-        <a:scrgbClr r="0" g="0" b="0"/>
-      </a:lnRef>
-      <a:fillRef idx="1">
-        <a:scrgbClr r="0" g="0" b="0"/>
-      </a:fillRef>
-      <a:effectRef idx="3">
-        <a:scrgbClr r="0" g="0" b="0"/>
-      </a:effectRef>
-      <a:fontRef idx="minor"/>
-    </dgm:style>
-  </dgm:styleLbl>
-  <dgm:styleLbl name="fgAccFollowNode1">
-    <dgm:scene3d>
-      <a:camera prst="orthographicFront"/>
-      <a:lightRig rig="threePt" dir="t"/>
-    </dgm:scene3d>
-    <dgm:sp3d/>
-    <dgm:txPr/>
-    <dgm:style>
-      <a:lnRef idx="1">
-        <a:scrgbClr r="0" g="0" b="0"/>
-      </a:lnRef>
-      <a:fillRef idx="1">
-        <a:scrgbClr r="0" g="0" b="0"/>
-      </a:fillRef>
-      <a:effectRef idx="2">
-        <a:scrgbClr r="0" g="0" b="0"/>
-      </a:effectRef>
-      <a:fontRef idx="minor"/>
-    </dgm:style>
-  </dgm:styleLbl>
-  <dgm:styleLbl name="alignAccFollowNode1">
-    <dgm:scene3d>
-      <a:camera prst="orthographicFront"/>
-      <a:lightRig rig="threePt" dir="t"/>
-    </dgm:scene3d>
-    <dgm:sp3d/>
-    <dgm:txPr/>
-    <dgm:style>
-      <a:lnRef idx="1">
-        <a:scrgbClr r="0" g="0" b="0"/>
-      </a:lnRef>
-      <a:fillRef idx="1">
-        <a:scrgbClr r="0" g="0" b="0"/>
-      </a:fillRef>
-      <a:effectRef idx="2">
-        <a:scrgbClr r="0" g="0" b="0"/>
-      </a:effectRef>
-      <a:fontRef idx="minor"/>
-    </dgm:style>
-  </dgm:styleLbl>
-  <dgm:styleLbl name="bgAccFollowNode1">
-    <dgm:scene3d>
-      <a:camera prst="orthographicFront"/>
-      <a:lightRig rig="threePt" dir="t"/>
-    </dgm:scene3d>
-    <dgm:sp3d/>
-    <dgm:txPr/>
-    <dgm:style>
-      <a:lnRef idx="1">
-        <a:scrgbClr r="0" g="0" b="0"/>
-      </a:lnRef>
-      <a:fillRef idx="1">
-        <a:scrgbClr r="0" g="0" b="0"/>
-      </a:fillRef>
-      <a:effectRef idx="2">
-        <a:scrgbClr r="0" g="0" b="0"/>
-      </a:effectRef>
-      <a:fontRef idx="minor"/>
-    </dgm:style>
-  </dgm:styleLbl>
-  <dgm:styleLbl name="fgAcc0">
-    <dgm:scene3d>
-      <a:camera prst="orthographicFront"/>
-      <a:lightRig rig="threePt" dir="t"/>
-    </dgm:scene3d>
-    <dgm:sp3d/>
-    <dgm:txPr/>
-    <dgm:style>
-      <a:lnRef idx="1">
-        <a:scrgbClr r="0" g="0" b="0"/>
-      </a:lnRef>
-      <a:fillRef idx="1">
-        <a:scrgbClr r="0" g="0" b="0"/>
-      </a:fillRef>
-      <a:effectRef idx="2">
-        <a:scrgbClr r="0" g="0" b="0"/>
-      </a:effectRef>
-      <a:fontRef idx="minor"/>
-    </dgm:style>
-  </dgm:styleLbl>
-  <dgm:styleLbl name="fgAcc2">
-    <dgm:scene3d>
-      <a:camera prst="orthographicFront"/>
-      <a:lightRig rig="threePt" dir="t"/>
-    </dgm:scene3d>
-    <dgm:sp3d/>
-    <dgm:txPr/>
-    <dgm:style>
-      <a:lnRef idx="1">
-        <a:scrgbClr r="0" g="0" b="0"/>
-      </a:lnRef>
-      <a:fillRef idx="1">
-        <a:scrgbClr r="0" g="0" b="0"/>
-      </a:fillRef>
-      <a:effectRef idx="2">
-        <a:scrgbClr r="0" g="0" b="0"/>
-      </a:effectRef>
-      <a:fontRef idx="minor"/>
-    </dgm:style>
-  </dgm:styleLbl>
-  <dgm:styleLbl name="fgAcc3">
-    <dgm:scene3d>
-      <a:camera prst="orthographicFront"/>
-      <a:lightRig rig="threePt" dir="t"/>
-    </dgm:scene3d>
-    <dgm:sp3d/>
-    <dgm:txPr/>
-    <dgm:style>
-      <a:lnRef idx="1">
-        <a:scrgbClr r="0" g="0" b="0"/>
-      </a:lnRef>
-      <a:fillRef idx="1">
-        <a:scrgbClr r="0" g="0" b="0"/>
-      </a:fillRef>
-      <a:effectRef idx="2">
-        <a:scrgbClr r="0" g="0" b="0"/>
-      </a:effectRef>
-      <a:fontRef idx="minor"/>
-    </dgm:style>
-  </dgm:styleLbl>
-  <dgm:styleLbl name="fgAcc4">
-    <dgm:scene3d>
-      <a:camera prst="orthographicFront"/>
-      <a:lightRig rig="threePt" dir="t"/>
-    </dgm:scene3d>
-    <dgm:sp3d/>
-    <dgm:txPr/>
-    <dgm:style>
-      <a:lnRef idx="1">
-        <a:scrgbClr r="0" g="0" b="0"/>
-      </a:lnRef>
-      <a:fillRef idx="1">
-        <a:scrgbClr r="0" g="0" b="0"/>
-      </a:fillRef>
-      <a:effectRef idx="2">
-        <a:scrgbClr r="0" g="0" b="0"/>
-      </a:effectRef>
-      <a:fontRef idx="minor"/>
-    </dgm:style>
-  </dgm:styleLbl>
-  <dgm:styleLbl name="bgShp">
-    <dgm:scene3d>
-      <a:camera prst="orthographicFront"/>
-      <a:lightRig rig="threePt" dir="t"/>
-    </dgm:scene3d>
-    <dgm:sp3d/>
-    <dgm:txPr/>
-    <dgm:style>
-      <a:lnRef idx="0">
-        <a:scrgbClr r="0" g="0" b="0"/>
-      </a:lnRef>
-      <a:fillRef idx="1">
-        <a:scrgbClr r="0" g="0" b="0"/>
-      </a:fillRef>
-      <a:effectRef idx="2">
-        <a:scrgbClr r="0" g="0" b="0"/>
-      </a:effectRef>
-      <a:fontRef idx="minor"/>
-    </dgm:style>
-  </dgm:styleLbl>
-  <dgm:styleLbl name="dkBgShp">
-    <dgm:scene3d>
-      <a:camera prst="orthographicFront"/>
-      <a:lightRig rig="threePt" dir="t"/>
-    </dgm:scene3d>
-    <dgm:sp3d/>
-    <dgm:txPr/>
-    <dgm:style>
-      <a:lnRef idx="0">
-        <a:scrgbClr r="0" g="0" b="0"/>
-      </a:lnRef>
-      <a:fillRef idx="1">
-        <a:scrgbClr r="0" g="0" b="0"/>
-      </a:fillRef>
-      <a:effectRef idx="3">
-        <a:scrgbClr r="0" g="0" b="0"/>
-      </a:effectRef>
-      <a:fontRef idx="minor"/>
-    </dgm:style>
-  </dgm:styleLbl>
-  <dgm:styleLbl name="trBgShp">
-    <dgm:scene3d>
-      <a:camera prst="orthographicFront"/>
-      <a:lightRig rig="threePt" dir="t"/>
-    </dgm:scene3d>
-    <dgm:sp3d/>
-    <dgm:txPr/>
-    <dgm:style>
-      <a:lnRef idx="0">
-        <a:scrgbClr r="0" g="0" b="0"/>
-      </a:lnRef>
-      <a:fillRef idx="1">
-        <a:scrgbClr r="0" g="0" b="0"/>
-      </a:fillRef>
-      <a:effectRef idx="0">
-        <a:scrgbClr r="0" g="0" b="0"/>
-      </a:effectRef>
-      <a:fontRef idx="minor"/>
-    </dgm:style>
-  </dgm:styleLbl>
-  <dgm:styleLbl name="fgShp">
-    <dgm:scene3d>
-      <a:camera prst="orthographicFront"/>
-      <a:lightRig rig="threePt" dir="t"/>
-    </dgm:scene3d>
-    <dgm:sp3d/>
-    <dgm:txPr/>
-    <dgm:style>
-      <a:lnRef idx="0">
-        <a:scrgbClr r="0" g="0" b="0"/>
-      </a:lnRef>
-      <a:fillRef idx="3">
-        <a:scrgbClr r="0" g="0" b="0"/>
-      </a:fillRef>
-      <a:effectRef idx="3">
-        <a:scrgbClr r="0" g="0" b="0"/>
-      </a:effectRef>
-      <a:fontRef idx="minor"/>
-    </dgm:style>
-  </dgm:styleLbl>
-  <dgm:styleLbl name="revTx">
-    <dgm:scene3d>
-      <a:camera prst="orthographicFront"/>
-      <a:lightRig rig="threePt" dir="t"/>
-    </dgm:scene3d>
-    <dgm:sp3d/>
-    <dgm:txPr/>
-    <dgm:style>
-      <a:lnRef idx="0">
-        <a:scrgbClr r="0" g="0" b="0"/>
-      </a:lnRef>
-      <a:fillRef idx="0">
-        <a:scrgbClr r="0" g="0" b="0"/>
-      </a:fillRef>
-      <a:effectRef idx="0">
-        <a:scrgbClr r="0" g="0" b="0"/>
-      </a:effectRef>
-      <a:fontRef idx="minor"/>
-    </dgm:style>
-  </dgm:styleLbl>
-</dgm:styleDef>
+  <dgm:sampData>
+    <dgm:dataModel>
+      <dgm:ptLst>
+        <dgm:pt modelId="0" type="doc"/>
+        <dgm:pt modelId="10">
+          <dgm:prSet phldr="1"/>
+        </dgm:pt>
+        <dgm:pt modelId="20">
+          <dgm:prSet phldr="1"/>
+        </dgm:pt>
+        <dgm:pt modelId="30">
+          <dgm:prSet phldr="1"/>
+        </dgm:pt>
+      </dgm:ptLst>
+      <dgm:cxnLst>
+        <dgm:cxn modelId="40" srcId="0" destId="10" srcOrd="0" destOrd="0"/>
+        <dgm:cxn modelId="50" srcId="0" destId="20" srcOrd="1" destOrd="0"/>
+        <dgm:cxn modelId="60" srcId="0" destId="30" srcOrd="2" destOrd="0"/>
+      </dgm:cxnLst>
+      <dgm:bg/>
+      <dgm:whole/>
+    </dgm:dataModel>
+  </dgm:sampData>
+  <dgm:styleData>
+    <dgm:dataModel>
+      <dgm:ptLst>
+        <dgm:pt modelId="0" type="doc"/>
+        <dgm:pt modelId="10">
+          <dgm:prSet phldr="1"/>
+        </dgm:pt>
+        <dgm:pt modelId="20">
+          <dgm:prSet phldr="1"/>
+        </dgm:pt>
+      </dgm:ptLst>
+      <dgm:cxnLst>
+        <dgm:cxn modelId="40" srcId="0" destId="10" srcOrd="0" destOrd="0"/>
+        <dgm:cxn modelId="50" srcId="0" destId="20" srcOrd="1" destOrd="0"/>
+      </dgm:cxnLst>
+      <dgm:bg/>
+      <dgm:whole/>
+    </dgm:dataModel>
+  </dgm:styleData>
+  <dgm:clrData>
+    <dgm:dataModel>
+      <dgm:ptLst>
+        <dgm:pt modelId="0" type="doc"/>
+        <dgm:pt modelId="10">
+          <dgm:prSet phldr="1"/>
+        </dgm:pt>
+        <dgm:pt modelId="20">
+          <dgm:prSet phldr="1"/>
+        </dgm:pt>
+        <dgm:pt modelId="30">
+          <dgm:prSet phldr="1"/>
+        </dgm:pt>
+        <dgm:pt modelId="40">
+          <dgm:prSet phldr="1"/>
+        </dgm:pt>
+      </dgm:ptLst>
+      <dgm:cxnLst>
+        <dgm:cxn modelId="40" srcId="0" destId="10" srcOrd="0" destOrd="0"/>
+        <dgm:cxn modelId="50" srcId="0" destId="20" srcOrd="1" destOrd="0"/>
+        <dgm:cxn modelId="60" srcId="0" destId="30" srcOrd="2" destOrd="0"/>
+        <dgm:cxn modelId="70" srcId="0" destId="40" srcOrd="2" destOrd="0"/>
+      </dgm:cxnLst>
+      <dgm:bg/>
+      <dgm:whole/>
+    </dgm:dataModel>
+  </dgm:clrData>
+  <dgm:layoutNode name="Name0">
+    <dgm:varLst>
+      <dgm:dir/>
+      <dgm:resizeHandles val="exact"/>
+    </dgm:varLst>
+    <dgm:choose name="Name1">
+      <dgm:if name="Name2" func="var" arg="dir" op="equ" val="norm">
+        <dgm:alg type="snake">
+          <dgm:param type="off" val="ctr"/>
+        </dgm:alg>
+      </dgm:if>
+      <dgm:else name="Name3">
+        <dgm:alg type="snake">
+          <dgm:param type="off" val="ctr"/>
+          <dgm:param type="grDir" val="tR"/>
+        </dgm:alg>
+      </dgm:else>
+    </dgm:choose>
+    <dgm:shape xmlns:r="http://schemas.openxmlformats.org/officeDocument/2006/relationships" r:blip="">
+      <dgm:adjLst/>
+    </dgm:shape>
+    <dgm:constrLst>
+      <dgm:constr type="primFontSz" for="des" ptType="node" op="equ" val="65"/>
+      <dgm:constr type="w" for="ch" forName="composite" refType="w"/>
+      <dgm:constr type="h" for="ch" forName="composite" refType="h"/>
+      <dgm:constr type="sp" refType="h" refFor="ch" refForName="composite" op="equ" fact="0.1"/>
+      <dgm:constr type="h" for="ch" forName="sibTrans" refType="h" refFor="ch" refForName="composite" op="equ" fact="0.1"/>
+      <dgm:constr type="w" for="ch" forName="sibTrans" refType="h" refFor="ch" refForName="sibTrans" op="equ"/>
+    </dgm:constrLst>
+    <dgm:forEach name="nodesForEach" axis="ch" ptType="node">
+      <dgm:layoutNode name="composite">
+        <dgm:alg type="composite">
+          <dgm:param type="ar" val="3"/>
+        </dgm:alg>
+        <dgm:shape xmlns:r="http://schemas.openxmlformats.org/officeDocument/2006/relationships" r:blip="">
+          <dgm:adjLst/>
+        </dgm:shape>
+        <dgm:choose name="Name4">
+          <dgm:if name="Name5" func="var" arg="dir" op="equ" val="norm">
+            <dgm:constrLst>
+              <dgm:constr type="l" for="ch" forName="rect1" refType="w" fact="0.04"/>
+              <dgm:constr type="t" for="ch" forName="rect1" refType="h" fact="0.13"/>
+              <dgm:constr type="w" for="ch" forName="rect1" refType="w" fact="0.96"/>
+              <dgm:constr type="h" for="ch" forName="rect1" refType="h" fact="0.9"/>
+              <dgm:constr type="l" for="ch" forName="rect2" refType="w" fact="0"/>
+              <dgm:constr type="t" for="ch" forName="rect2" refType="h" fact="0"/>
+              <dgm:constr type="w" for="ch" forName="rect2" refType="w" fact="0.21"/>
+              <dgm:constr type="h" for="ch" forName="rect2" refType="w" fact="0.315"/>
+            </dgm:constrLst>
+          </dgm:if>
+          <dgm:else name="Name6">
+            <dgm:constrLst>
+              <dgm:constr type="l" for="ch" forName="rect1" refType="w" fact="0"/>
+              <dgm:constr type="t" for="ch" forName="rect1" refType="h" fact="0.13"/>
+              <dgm:constr type="w" for="ch" forName="rect1" refType="w" fact="0.96"/>
+              <dgm:constr type="h" for="ch" forName="rect1" refType="h" fact="0.9"/>
+              <dgm:constr type="l" for="ch" forName="rect2" refType="w" fact="0.79"/>
+              <dgm:constr type="t" for="ch" forName="rect2" refType="h" fact="0"/>
+              <dgm:constr type="w" for="ch" forName="rect2" refType="w" fact="0.21"/>
+              <dgm:constr type="h" for="ch" forName="rect2" refType="w" fact="0.315"/>
+            </dgm:constrLst>
+          </dgm:else>
+        </dgm:choose>
+        <dgm:layoutNode name="rect1" styleLbl="trAlignAcc1">
+          <dgm:varLst>
+            <dgm:bulletEnabled val="1"/>
+          </dgm:varLst>
+          <dgm:alg type="tx">
+            <dgm:param type="parTxLTRAlign" val="l"/>
+          </dgm:alg>
+          <dgm:shape xmlns:r="http://schemas.openxmlformats.org/officeDocument/2006/relationships" type="rect" r:blip="">
+            <dgm:adjLst/>
+          </dgm:shape>
+          <dgm:presOf axis="desOrSelf" ptType="node"/>
+          <dgm:choose name="Name7">
+            <dgm:if name="Name8" func="var" arg="dir" op="equ" val="norm">
+              <dgm:constrLst>
+                <dgm:constr type="lMarg" refType="w" fact="0.6"/>
+                <dgm:constr type="rMarg" refType="primFontSz" fact="0.3"/>
+                <dgm:constr type="tMarg" refType="primFontSz" fact="0.3"/>
+                <dgm:constr type="bMarg" refType="primFontSz" fact="0.3"/>
+              </dgm:constrLst>
+            </dgm:if>
+            <dgm:else name="Name9">
+              <dgm:constrLst>
+                <dgm:constr type="lMarg" refType="primFontSz" fact="0.3"/>
+                <dgm:constr type="rMarg" refType="w" fact="0.6"/>
+                <dgm:constr type="tMarg" refType="primFontSz" fact="0.3"/>
+                <dgm:constr type="bMarg" refType="primFontSz" fact="0.3"/>
+              </dgm:constrLst>
+            </dgm:else>
+          </dgm:choose>
+          <dgm:ruleLst>
+            <dgm:rule type="primFontSz" val="5" fact="NaN" max="NaN"/>
+          </dgm:ruleLst>
+        </dgm:layoutNode>
+        <dgm:layoutNode name="rect2" styleLbl="fgImgPlace1">
+          <dgm:alg type="sp"/>
+          <dgm:shape xmlns:r="http://schemas.openxmlformats.org/officeDocument/2006/relationships" type="rect" r:blip="" blipPhldr="1">
+            <dgm:adjLst/>
+          </dgm:shape>
+          <dgm:presOf/>
+        </dgm:layoutNode>
+      </dgm:layoutNode>
+      <dgm:forEach name="sibTransForEach" axis="followSib" ptType="sibTrans" cnt="1">
+        <dgm:layoutNode name="sibTrans">
+          <dgm:alg type="sp"/>
+          <dgm:shape xmlns:r="http://schemas.openxmlformats.org/officeDocument/2006/relationships" r:blip="">
+            <dgm:adjLst/>
+          </dgm:shape>
+        </dgm:layoutNode>
+      </dgm:forEach>
+    </dgm:forEach>
+  </dgm:layoutNode>
+</dgm:layoutDef>
 </file>
 
-<file path=ppt/diagrams/quickStyle2.xml><?xml version="1.0" encoding="utf-8"?>
+<file path=ppt/diagrams/quickStyle1.xml><?xml version="1.0" encoding="utf-8"?>
 <dgm:styleDef xmlns:dgm="http://schemas.openxmlformats.org/drawingml/2006/diagram" xmlns:a="http://schemas.openxmlformats.org/drawingml/2006/main" uniqueId="urn:microsoft.com/office/officeart/2005/8/quickstyle/simple3">
   <dgm:title val=""/>
   <dgm:desc val=""/>
@@ -7744,6 +6710,1040 @@
         <a:scrgbClr r="0" g="0" b="0"/>
       </a:fillRef>
       <a:effectRef idx="1">
+        <a:scrgbClr r="0" g="0" b="0"/>
+      </a:effectRef>
+      <a:fontRef idx="minor"/>
+    </dgm:style>
+  </dgm:styleLbl>
+  <dgm:styleLbl name="revTx">
+    <dgm:scene3d>
+      <a:camera prst="orthographicFront"/>
+      <a:lightRig rig="threePt" dir="t"/>
+    </dgm:scene3d>
+    <dgm:sp3d/>
+    <dgm:txPr/>
+    <dgm:style>
+      <a:lnRef idx="0">
+        <a:scrgbClr r="0" g="0" b="0"/>
+      </a:lnRef>
+      <a:fillRef idx="0">
+        <a:scrgbClr r="0" g="0" b="0"/>
+      </a:fillRef>
+      <a:effectRef idx="0">
+        <a:scrgbClr r="0" g="0" b="0"/>
+      </a:effectRef>
+      <a:fontRef idx="minor"/>
+    </dgm:style>
+  </dgm:styleLbl>
+</dgm:styleDef>
+</file>
+
+<file path=ppt/diagrams/quickStyle2.xml><?xml version="1.0" encoding="utf-8"?>
+<dgm:styleDef xmlns:dgm="http://schemas.openxmlformats.org/drawingml/2006/diagram" xmlns:a="http://schemas.openxmlformats.org/drawingml/2006/main" uniqueId="urn:microsoft.com/office/officeart/2005/8/quickstyle/simple5">
+  <dgm:title val=""/>
+  <dgm:desc val=""/>
+  <dgm:catLst>
+    <dgm:cat type="simple" pri="10500"/>
+  </dgm:catLst>
+  <dgm:scene3d>
+    <a:camera prst="orthographicFront"/>
+    <a:lightRig rig="threePt" dir="t"/>
+  </dgm:scene3d>
+  <dgm:styleLbl name="node0">
+    <dgm:scene3d>
+      <a:camera prst="orthographicFront"/>
+      <a:lightRig rig="threePt" dir="t"/>
+    </dgm:scene3d>
+    <dgm:sp3d/>
+    <dgm:txPr/>
+    <dgm:style>
+      <a:lnRef idx="0">
+        <a:scrgbClr r="0" g="0" b="0"/>
+      </a:lnRef>
+      <a:fillRef idx="3">
+        <a:scrgbClr r="0" g="0" b="0"/>
+      </a:fillRef>
+      <a:effectRef idx="3">
+        <a:scrgbClr r="0" g="0" b="0"/>
+      </a:effectRef>
+      <a:fontRef idx="minor">
+        <a:schemeClr val="lt1"/>
+      </a:fontRef>
+    </dgm:style>
+  </dgm:styleLbl>
+  <dgm:styleLbl name="lnNode1">
+    <dgm:scene3d>
+      <a:camera prst="orthographicFront"/>
+      <a:lightRig rig="threePt" dir="t"/>
+    </dgm:scene3d>
+    <dgm:sp3d/>
+    <dgm:txPr/>
+    <dgm:style>
+      <a:lnRef idx="0">
+        <a:scrgbClr r="0" g="0" b="0"/>
+      </a:lnRef>
+      <a:fillRef idx="3">
+        <a:scrgbClr r="0" g="0" b="0"/>
+      </a:fillRef>
+      <a:effectRef idx="3">
+        <a:scrgbClr r="0" g="0" b="0"/>
+      </a:effectRef>
+      <a:fontRef idx="minor">
+        <a:schemeClr val="lt1"/>
+      </a:fontRef>
+    </dgm:style>
+  </dgm:styleLbl>
+  <dgm:styleLbl name="vennNode1">
+    <dgm:scene3d>
+      <a:camera prst="orthographicFront"/>
+      <a:lightRig rig="threePt" dir="t"/>
+    </dgm:scene3d>
+    <dgm:sp3d/>
+    <dgm:txPr/>
+    <dgm:style>
+      <a:lnRef idx="0">
+        <a:scrgbClr r="0" g="0" b="0"/>
+      </a:lnRef>
+      <a:fillRef idx="3">
+        <a:scrgbClr r="0" g="0" b="0"/>
+      </a:fillRef>
+      <a:effectRef idx="3">
+        <a:scrgbClr r="0" g="0" b="0"/>
+      </a:effectRef>
+      <a:fontRef idx="minor">
+        <a:schemeClr val="tx1"/>
+      </a:fontRef>
+    </dgm:style>
+  </dgm:styleLbl>
+  <dgm:styleLbl name="alignNode1">
+    <dgm:scene3d>
+      <a:camera prst="orthographicFront"/>
+      <a:lightRig rig="threePt" dir="t"/>
+    </dgm:scene3d>
+    <dgm:sp3d/>
+    <dgm:txPr/>
+    <dgm:style>
+      <a:lnRef idx="1">
+        <a:scrgbClr r="0" g="0" b="0"/>
+      </a:lnRef>
+      <a:fillRef idx="3">
+        <a:scrgbClr r="0" g="0" b="0"/>
+      </a:fillRef>
+      <a:effectRef idx="3">
+        <a:scrgbClr r="0" g="0" b="0"/>
+      </a:effectRef>
+      <a:fontRef idx="minor">
+        <a:schemeClr val="lt1"/>
+      </a:fontRef>
+    </dgm:style>
+  </dgm:styleLbl>
+  <dgm:styleLbl name="node1">
+    <dgm:scene3d>
+      <a:camera prst="orthographicFront"/>
+      <a:lightRig rig="threePt" dir="t"/>
+    </dgm:scene3d>
+    <dgm:sp3d/>
+    <dgm:txPr/>
+    <dgm:style>
+      <a:lnRef idx="0">
+        <a:scrgbClr r="0" g="0" b="0"/>
+      </a:lnRef>
+      <a:fillRef idx="3">
+        <a:scrgbClr r="0" g="0" b="0"/>
+      </a:fillRef>
+      <a:effectRef idx="3">
+        <a:scrgbClr r="0" g="0" b="0"/>
+      </a:effectRef>
+      <a:fontRef idx="minor">
+        <a:schemeClr val="lt1"/>
+      </a:fontRef>
+    </dgm:style>
+  </dgm:styleLbl>
+  <dgm:styleLbl name="node2">
+    <dgm:scene3d>
+      <a:camera prst="orthographicFront"/>
+      <a:lightRig rig="threePt" dir="t"/>
+    </dgm:scene3d>
+    <dgm:sp3d/>
+    <dgm:txPr/>
+    <dgm:style>
+      <a:lnRef idx="0">
+        <a:scrgbClr r="0" g="0" b="0"/>
+      </a:lnRef>
+      <a:fillRef idx="3">
+        <a:scrgbClr r="0" g="0" b="0"/>
+      </a:fillRef>
+      <a:effectRef idx="3">
+        <a:scrgbClr r="0" g="0" b="0"/>
+      </a:effectRef>
+      <a:fontRef idx="minor">
+        <a:schemeClr val="lt1"/>
+      </a:fontRef>
+    </dgm:style>
+  </dgm:styleLbl>
+  <dgm:styleLbl name="node3">
+    <dgm:scene3d>
+      <a:camera prst="orthographicFront"/>
+      <a:lightRig rig="threePt" dir="t"/>
+    </dgm:scene3d>
+    <dgm:sp3d/>
+    <dgm:txPr/>
+    <dgm:style>
+      <a:lnRef idx="0">
+        <a:scrgbClr r="0" g="0" b="0"/>
+      </a:lnRef>
+      <a:fillRef idx="3">
+        <a:scrgbClr r="0" g="0" b="0"/>
+      </a:fillRef>
+      <a:effectRef idx="3">
+        <a:scrgbClr r="0" g="0" b="0"/>
+      </a:effectRef>
+      <a:fontRef idx="minor">
+        <a:schemeClr val="lt1"/>
+      </a:fontRef>
+    </dgm:style>
+  </dgm:styleLbl>
+  <dgm:styleLbl name="node4">
+    <dgm:scene3d>
+      <a:camera prst="orthographicFront"/>
+      <a:lightRig rig="threePt" dir="t"/>
+    </dgm:scene3d>
+    <dgm:sp3d/>
+    <dgm:txPr/>
+    <dgm:style>
+      <a:lnRef idx="0">
+        <a:scrgbClr r="0" g="0" b="0"/>
+      </a:lnRef>
+      <a:fillRef idx="3">
+        <a:scrgbClr r="0" g="0" b="0"/>
+      </a:fillRef>
+      <a:effectRef idx="3">
+        <a:scrgbClr r="0" g="0" b="0"/>
+      </a:effectRef>
+      <a:fontRef idx="minor">
+        <a:schemeClr val="lt1"/>
+      </a:fontRef>
+    </dgm:style>
+  </dgm:styleLbl>
+  <dgm:styleLbl name="fgImgPlace1">
+    <dgm:scene3d>
+      <a:camera prst="orthographicFront"/>
+      <a:lightRig rig="threePt" dir="t"/>
+    </dgm:scene3d>
+    <dgm:sp3d/>
+    <dgm:txPr/>
+    <dgm:style>
+      <a:lnRef idx="0">
+        <a:scrgbClr r="0" g="0" b="0"/>
+      </a:lnRef>
+      <a:fillRef idx="1">
+        <a:scrgbClr r="0" g="0" b="0"/>
+      </a:fillRef>
+      <a:effectRef idx="3">
+        <a:scrgbClr r="0" g="0" b="0"/>
+      </a:effectRef>
+      <a:fontRef idx="minor"/>
+    </dgm:style>
+  </dgm:styleLbl>
+  <dgm:styleLbl name="alignImgPlace1">
+    <dgm:scene3d>
+      <a:camera prst="orthographicFront"/>
+      <a:lightRig rig="threePt" dir="t"/>
+    </dgm:scene3d>
+    <dgm:sp3d/>
+    <dgm:txPr/>
+    <dgm:style>
+      <a:lnRef idx="0">
+        <a:scrgbClr r="0" g="0" b="0"/>
+      </a:lnRef>
+      <a:fillRef idx="1">
+        <a:scrgbClr r="0" g="0" b="0"/>
+      </a:fillRef>
+      <a:effectRef idx="3">
+        <a:scrgbClr r="0" g="0" b="0"/>
+      </a:effectRef>
+      <a:fontRef idx="minor"/>
+    </dgm:style>
+  </dgm:styleLbl>
+  <dgm:styleLbl name="bgImgPlace1">
+    <dgm:scene3d>
+      <a:camera prst="orthographicFront"/>
+      <a:lightRig rig="threePt" dir="t"/>
+    </dgm:scene3d>
+    <dgm:sp3d/>
+    <dgm:txPr/>
+    <dgm:style>
+      <a:lnRef idx="0">
+        <a:scrgbClr r="0" g="0" b="0"/>
+      </a:lnRef>
+      <a:fillRef idx="1">
+        <a:scrgbClr r="0" g="0" b="0"/>
+      </a:fillRef>
+      <a:effectRef idx="3">
+        <a:scrgbClr r="0" g="0" b="0"/>
+      </a:effectRef>
+      <a:fontRef idx="minor"/>
+    </dgm:style>
+  </dgm:styleLbl>
+  <dgm:styleLbl name="sibTrans2D1">
+    <dgm:scene3d>
+      <a:camera prst="orthographicFront"/>
+      <a:lightRig rig="threePt" dir="t"/>
+    </dgm:scene3d>
+    <dgm:sp3d/>
+    <dgm:txPr/>
+    <dgm:style>
+      <a:lnRef idx="0">
+        <a:scrgbClr r="0" g="0" b="0"/>
+      </a:lnRef>
+      <a:fillRef idx="3">
+        <a:scrgbClr r="0" g="0" b="0"/>
+      </a:fillRef>
+      <a:effectRef idx="3">
+        <a:scrgbClr r="0" g="0" b="0"/>
+      </a:effectRef>
+      <a:fontRef idx="minor">
+        <a:schemeClr val="lt1"/>
+      </a:fontRef>
+    </dgm:style>
+  </dgm:styleLbl>
+  <dgm:styleLbl name="fgSibTrans2D1">
+    <dgm:scene3d>
+      <a:camera prst="orthographicFront"/>
+      <a:lightRig rig="threePt" dir="t"/>
+    </dgm:scene3d>
+    <dgm:sp3d/>
+    <dgm:txPr/>
+    <dgm:style>
+      <a:lnRef idx="0">
+        <a:scrgbClr r="0" g="0" b="0"/>
+      </a:lnRef>
+      <a:fillRef idx="3">
+        <a:scrgbClr r="0" g="0" b="0"/>
+      </a:fillRef>
+      <a:effectRef idx="3">
+        <a:scrgbClr r="0" g="0" b="0"/>
+      </a:effectRef>
+      <a:fontRef idx="minor">
+        <a:schemeClr val="lt1"/>
+      </a:fontRef>
+    </dgm:style>
+  </dgm:styleLbl>
+  <dgm:styleLbl name="bgSibTrans2D1">
+    <dgm:scene3d>
+      <a:camera prst="orthographicFront"/>
+      <a:lightRig rig="threePt" dir="t"/>
+    </dgm:scene3d>
+    <dgm:sp3d/>
+    <dgm:txPr/>
+    <dgm:style>
+      <a:lnRef idx="0">
+        <a:scrgbClr r="0" g="0" b="0"/>
+      </a:lnRef>
+      <a:fillRef idx="3">
+        <a:scrgbClr r="0" g="0" b="0"/>
+      </a:fillRef>
+      <a:effectRef idx="3">
+        <a:scrgbClr r="0" g="0" b="0"/>
+      </a:effectRef>
+      <a:fontRef idx="minor">
+        <a:schemeClr val="lt1"/>
+      </a:fontRef>
+    </dgm:style>
+  </dgm:styleLbl>
+  <dgm:styleLbl name="sibTrans1D1">
+    <dgm:scene3d>
+      <a:camera prst="orthographicFront"/>
+      <a:lightRig rig="threePt" dir="t"/>
+    </dgm:scene3d>
+    <dgm:sp3d/>
+    <dgm:txPr/>
+    <dgm:style>
+      <a:lnRef idx="1">
+        <a:scrgbClr r="0" g="0" b="0"/>
+      </a:lnRef>
+      <a:fillRef idx="0">
+        <a:scrgbClr r="0" g="0" b="0"/>
+      </a:fillRef>
+      <a:effectRef idx="0">
+        <a:scrgbClr r="0" g="0" b="0"/>
+      </a:effectRef>
+      <a:fontRef idx="minor"/>
+    </dgm:style>
+  </dgm:styleLbl>
+  <dgm:styleLbl name="callout">
+    <dgm:scene3d>
+      <a:camera prst="orthographicFront"/>
+      <a:lightRig rig="threePt" dir="t"/>
+    </dgm:scene3d>
+    <dgm:sp3d/>
+    <dgm:txPr/>
+    <dgm:style>
+      <a:lnRef idx="1">
+        <a:scrgbClr r="0" g="0" b="0"/>
+      </a:lnRef>
+      <a:fillRef idx="0">
+        <a:scrgbClr r="0" g="0" b="0"/>
+      </a:fillRef>
+      <a:effectRef idx="1">
+        <a:scrgbClr r="0" g="0" b="0"/>
+      </a:effectRef>
+      <a:fontRef idx="minor"/>
+    </dgm:style>
+  </dgm:styleLbl>
+  <dgm:styleLbl name="asst0">
+    <dgm:scene3d>
+      <a:camera prst="orthographicFront"/>
+      <a:lightRig rig="threePt" dir="t"/>
+    </dgm:scene3d>
+    <dgm:sp3d/>
+    <dgm:txPr/>
+    <dgm:style>
+      <a:lnRef idx="0">
+        <a:scrgbClr r="0" g="0" b="0"/>
+      </a:lnRef>
+      <a:fillRef idx="3">
+        <a:scrgbClr r="0" g="0" b="0"/>
+      </a:fillRef>
+      <a:effectRef idx="3">
+        <a:scrgbClr r="0" g="0" b="0"/>
+      </a:effectRef>
+      <a:fontRef idx="minor">
+        <a:schemeClr val="lt1"/>
+      </a:fontRef>
+    </dgm:style>
+  </dgm:styleLbl>
+  <dgm:styleLbl name="asst1">
+    <dgm:scene3d>
+      <a:camera prst="orthographicFront"/>
+      <a:lightRig rig="threePt" dir="t"/>
+    </dgm:scene3d>
+    <dgm:sp3d/>
+    <dgm:txPr/>
+    <dgm:style>
+      <a:lnRef idx="0">
+        <a:scrgbClr r="0" g="0" b="0"/>
+      </a:lnRef>
+      <a:fillRef idx="3">
+        <a:scrgbClr r="0" g="0" b="0"/>
+      </a:fillRef>
+      <a:effectRef idx="3">
+        <a:scrgbClr r="0" g="0" b="0"/>
+      </a:effectRef>
+      <a:fontRef idx="minor">
+        <a:schemeClr val="lt1"/>
+      </a:fontRef>
+    </dgm:style>
+  </dgm:styleLbl>
+  <dgm:styleLbl name="asst2">
+    <dgm:scene3d>
+      <a:camera prst="orthographicFront"/>
+      <a:lightRig rig="threePt" dir="t"/>
+    </dgm:scene3d>
+    <dgm:sp3d/>
+    <dgm:txPr/>
+    <dgm:style>
+      <a:lnRef idx="0">
+        <a:scrgbClr r="0" g="0" b="0"/>
+      </a:lnRef>
+      <a:fillRef idx="3">
+        <a:scrgbClr r="0" g="0" b="0"/>
+      </a:fillRef>
+      <a:effectRef idx="3">
+        <a:scrgbClr r="0" g="0" b="0"/>
+      </a:effectRef>
+      <a:fontRef idx="minor">
+        <a:schemeClr val="lt1"/>
+      </a:fontRef>
+    </dgm:style>
+  </dgm:styleLbl>
+  <dgm:styleLbl name="asst3">
+    <dgm:scene3d>
+      <a:camera prst="orthographicFront"/>
+      <a:lightRig rig="threePt" dir="t"/>
+    </dgm:scene3d>
+    <dgm:sp3d/>
+    <dgm:txPr/>
+    <dgm:style>
+      <a:lnRef idx="0">
+        <a:scrgbClr r="0" g="0" b="0"/>
+      </a:lnRef>
+      <a:fillRef idx="3">
+        <a:scrgbClr r="0" g="0" b="0"/>
+      </a:fillRef>
+      <a:effectRef idx="3">
+        <a:scrgbClr r="0" g="0" b="0"/>
+      </a:effectRef>
+      <a:fontRef idx="minor">
+        <a:schemeClr val="lt1"/>
+      </a:fontRef>
+    </dgm:style>
+  </dgm:styleLbl>
+  <dgm:styleLbl name="asst4">
+    <dgm:scene3d>
+      <a:camera prst="orthographicFront"/>
+      <a:lightRig rig="threePt" dir="t"/>
+    </dgm:scene3d>
+    <dgm:sp3d/>
+    <dgm:txPr/>
+    <dgm:style>
+      <a:lnRef idx="0">
+        <a:scrgbClr r="0" g="0" b="0"/>
+      </a:lnRef>
+      <a:fillRef idx="3">
+        <a:scrgbClr r="0" g="0" b="0"/>
+      </a:fillRef>
+      <a:effectRef idx="3">
+        <a:scrgbClr r="0" g="0" b="0"/>
+      </a:effectRef>
+      <a:fontRef idx="minor">
+        <a:schemeClr val="lt1"/>
+      </a:fontRef>
+    </dgm:style>
+  </dgm:styleLbl>
+  <dgm:styleLbl name="parChTrans2D1">
+    <dgm:scene3d>
+      <a:camera prst="orthographicFront"/>
+      <a:lightRig rig="threePt" dir="t"/>
+    </dgm:scene3d>
+    <dgm:sp3d/>
+    <dgm:txPr/>
+    <dgm:style>
+      <a:lnRef idx="0">
+        <a:scrgbClr r="0" g="0" b="0"/>
+      </a:lnRef>
+      <a:fillRef idx="3">
+        <a:scrgbClr r="0" g="0" b="0"/>
+      </a:fillRef>
+      <a:effectRef idx="3">
+        <a:scrgbClr r="0" g="0" b="0"/>
+      </a:effectRef>
+      <a:fontRef idx="minor">
+        <a:schemeClr val="lt1"/>
+      </a:fontRef>
+    </dgm:style>
+  </dgm:styleLbl>
+  <dgm:styleLbl name="parChTrans2D2">
+    <dgm:scene3d>
+      <a:camera prst="orthographicFront"/>
+      <a:lightRig rig="threePt" dir="t"/>
+    </dgm:scene3d>
+    <dgm:sp3d/>
+    <dgm:txPr/>
+    <dgm:style>
+      <a:lnRef idx="0">
+        <a:scrgbClr r="0" g="0" b="0"/>
+      </a:lnRef>
+      <a:fillRef idx="3">
+        <a:scrgbClr r="0" g="0" b="0"/>
+      </a:fillRef>
+      <a:effectRef idx="3">
+        <a:scrgbClr r="0" g="0" b="0"/>
+      </a:effectRef>
+      <a:fontRef idx="minor">
+        <a:schemeClr val="lt1"/>
+      </a:fontRef>
+    </dgm:style>
+  </dgm:styleLbl>
+  <dgm:styleLbl name="parChTrans2D3">
+    <dgm:scene3d>
+      <a:camera prst="orthographicFront"/>
+      <a:lightRig rig="threePt" dir="t"/>
+    </dgm:scene3d>
+    <dgm:sp3d/>
+    <dgm:txPr/>
+    <dgm:style>
+      <a:lnRef idx="0">
+        <a:scrgbClr r="0" g="0" b="0"/>
+      </a:lnRef>
+      <a:fillRef idx="3">
+        <a:scrgbClr r="0" g="0" b="0"/>
+      </a:fillRef>
+      <a:effectRef idx="3">
+        <a:scrgbClr r="0" g="0" b="0"/>
+      </a:effectRef>
+      <a:fontRef idx="minor">
+        <a:schemeClr val="lt1"/>
+      </a:fontRef>
+    </dgm:style>
+  </dgm:styleLbl>
+  <dgm:styleLbl name="parChTrans2D4">
+    <dgm:scene3d>
+      <a:camera prst="orthographicFront"/>
+      <a:lightRig rig="threePt" dir="t"/>
+    </dgm:scene3d>
+    <dgm:sp3d/>
+    <dgm:txPr/>
+    <dgm:style>
+      <a:lnRef idx="0">
+        <a:scrgbClr r="0" g="0" b="0"/>
+      </a:lnRef>
+      <a:fillRef idx="3">
+        <a:scrgbClr r="0" g="0" b="0"/>
+      </a:fillRef>
+      <a:effectRef idx="3">
+        <a:scrgbClr r="0" g="0" b="0"/>
+      </a:effectRef>
+      <a:fontRef idx="minor">
+        <a:schemeClr val="lt1"/>
+      </a:fontRef>
+    </dgm:style>
+  </dgm:styleLbl>
+  <dgm:styleLbl name="parChTrans1D1">
+    <dgm:scene3d>
+      <a:camera prst="orthographicFront"/>
+      <a:lightRig rig="threePt" dir="t"/>
+    </dgm:scene3d>
+    <dgm:sp3d/>
+    <dgm:txPr/>
+    <dgm:style>
+      <a:lnRef idx="2">
+        <a:scrgbClr r="0" g="0" b="0"/>
+      </a:lnRef>
+      <a:fillRef idx="0">
+        <a:scrgbClr r="0" g="0" b="0"/>
+      </a:fillRef>
+      <a:effectRef idx="0">
+        <a:scrgbClr r="0" g="0" b="0"/>
+      </a:effectRef>
+      <a:fontRef idx="minor"/>
+    </dgm:style>
+  </dgm:styleLbl>
+  <dgm:styleLbl name="parChTrans1D2">
+    <dgm:scene3d>
+      <a:camera prst="orthographicFront"/>
+      <a:lightRig rig="threePt" dir="t"/>
+    </dgm:scene3d>
+    <dgm:sp3d/>
+    <dgm:txPr/>
+    <dgm:style>
+      <a:lnRef idx="2">
+        <a:scrgbClr r="0" g="0" b="0"/>
+      </a:lnRef>
+      <a:fillRef idx="0">
+        <a:scrgbClr r="0" g="0" b="0"/>
+      </a:fillRef>
+      <a:effectRef idx="0">
+        <a:scrgbClr r="0" g="0" b="0"/>
+      </a:effectRef>
+      <a:fontRef idx="minor"/>
+    </dgm:style>
+  </dgm:styleLbl>
+  <dgm:styleLbl name="parChTrans1D3">
+    <dgm:scene3d>
+      <a:camera prst="orthographicFront"/>
+      <a:lightRig rig="threePt" dir="t"/>
+    </dgm:scene3d>
+    <dgm:sp3d/>
+    <dgm:txPr/>
+    <dgm:style>
+      <a:lnRef idx="2">
+        <a:scrgbClr r="0" g="0" b="0"/>
+      </a:lnRef>
+      <a:fillRef idx="0">
+        <a:scrgbClr r="0" g="0" b="0"/>
+      </a:fillRef>
+      <a:effectRef idx="0">
+        <a:scrgbClr r="0" g="0" b="0"/>
+      </a:effectRef>
+      <a:fontRef idx="minor"/>
+    </dgm:style>
+  </dgm:styleLbl>
+  <dgm:styleLbl name="parChTrans1D4">
+    <dgm:scene3d>
+      <a:camera prst="orthographicFront"/>
+      <a:lightRig rig="threePt" dir="t"/>
+    </dgm:scene3d>
+    <dgm:sp3d/>
+    <dgm:txPr/>
+    <dgm:style>
+      <a:lnRef idx="2">
+        <a:scrgbClr r="0" g="0" b="0"/>
+      </a:lnRef>
+      <a:fillRef idx="0">
+        <a:scrgbClr r="0" g="0" b="0"/>
+      </a:fillRef>
+      <a:effectRef idx="0">
+        <a:scrgbClr r="0" g="0" b="0"/>
+      </a:effectRef>
+      <a:fontRef idx="minor"/>
+    </dgm:style>
+  </dgm:styleLbl>
+  <dgm:styleLbl name="fgAcc1">
+    <dgm:scene3d>
+      <a:camera prst="orthographicFront"/>
+      <a:lightRig rig="threePt" dir="t"/>
+    </dgm:scene3d>
+    <dgm:sp3d/>
+    <dgm:txPr/>
+    <dgm:style>
+      <a:lnRef idx="1">
+        <a:scrgbClr r="0" g="0" b="0"/>
+      </a:lnRef>
+      <a:fillRef idx="1">
+        <a:scrgbClr r="0" g="0" b="0"/>
+      </a:fillRef>
+      <a:effectRef idx="2">
+        <a:scrgbClr r="0" g="0" b="0"/>
+      </a:effectRef>
+      <a:fontRef idx="minor"/>
+    </dgm:style>
+  </dgm:styleLbl>
+  <dgm:styleLbl name="conFgAcc1">
+    <dgm:scene3d>
+      <a:camera prst="orthographicFront"/>
+      <a:lightRig rig="threePt" dir="t"/>
+    </dgm:scene3d>
+    <dgm:sp3d/>
+    <dgm:txPr/>
+    <dgm:style>
+      <a:lnRef idx="1">
+        <a:scrgbClr r="0" g="0" b="0"/>
+      </a:lnRef>
+      <a:fillRef idx="1">
+        <a:scrgbClr r="0" g="0" b="0"/>
+      </a:fillRef>
+      <a:effectRef idx="2">
+        <a:scrgbClr r="0" g="0" b="0"/>
+      </a:effectRef>
+      <a:fontRef idx="minor"/>
+    </dgm:style>
+  </dgm:styleLbl>
+  <dgm:styleLbl name="alignAcc1">
+    <dgm:scene3d>
+      <a:camera prst="orthographicFront"/>
+      <a:lightRig rig="threePt" dir="t"/>
+    </dgm:scene3d>
+    <dgm:sp3d/>
+    <dgm:txPr/>
+    <dgm:style>
+      <a:lnRef idx="1">
+        <a:scrgbClr r="0" g="0" b="0"/>
+      </a:lnRef>
+      <a:fillRef idx="1">
+        <a:scrgbClr r="0" g="0" b="0"/>
+      </a:fillRef>
+      <a:effectRef idx="2">
+        <a:scrgbClr r="0" g="0" b="0"/>
+      </a:effectRef>
+      <a:fontRef idx="minor"/>
+    </dgm:style>
+  </dgm:styleLbl>
+  <dgm:styleLbl name="trAlignAcc1">
+    <dgm:scene3d>
+      <a:camera prst="orthographicFront"/>
+      <a:lightRig rig="threePt" dir="t"/>
+    </dgm:scene3d>
+    <dgm:sp3d/>
+    <dgm:txPr/>
+    <dgm:style>
+      <a:lnRef idx="1">
+        <a:scrgbClr r="0" g="0" b="0"/>
+      </a:lnRef>
+      <a:fillRef idx="1">
+        <a:scrgbClr r="0" g="0" b="0"/>
+      </a:fillRef>
+      <a:effectRef idx="0">
+        <a:scrgbClr r="0" g="0" b="0"/>
+      </a:effectRef>
+      <a:fontRef idx="minor"/>
+    </dgm:style>
+  </dgm:styleLbl>
+  <dgm:styleLbl name="bgAcc1">
+    <dgm:scene3d>
+      <a:camera prst="orthographicFront"/>
+      <a:lightRig rig="threePt" dir="t"/>
+    </dgm:scene3d>
+    <dgm:sp3d/>
+    <dgm:txPr/>
+    <dgm:style>
+      <a:lnRef idx="1">
+        <a:scrgbClr r="0" g="0" b="0"/>
+      </a:lnRef>
+      <a:fillRef idx="1">
+        <a:scrgbClr r="0" g="0" b="0"/>
+      </a:fillRef>
+      <a:effectRef idx="2">
+        <a:scrgbClr r="0" g="0" b="0"/>
+      </a:effectRef>
+      <a:fontRef idx="minor"/>
+    </dgm:style>
+  </dgm:styleLbl>
+  <dgm:styleLbl name="solidFgAcc1">
+    <dgm:scene3d>
+      <a:camera prst="orthographicFront"/>
+      <a:lightRig rig="threePt" dir="t"/>
+    </dgm:scene3d>
+    <dgm:sp3d/>
+    <dgm:txPr/>
+    <dgm:style>
+      <a:lnRef idx="1">
+        <a:scrgbClr r="0" g="0" b="0"/>
+      </a:lnRef>
+      <a:fillRef idx="1">
+        <a:scrgbClr r="0" g="0" b="0"/>
+      </a:fillRef>
+      <a:effectRef idx="2">
+        <a:scrgbClr r="0" g="0" b="0"/>
+      </a:effectRef>
+      <a:fontRef idx="minor"/>
+    </dgm:style>
+  </dgm:styleLbl>
+  <dgm:styleLbl name="solidAlignAcc1">
+    <dgm:scene3d>
+      <a:camera prst="orthographicFront"/>
+      <a:lightRig rig="threePt" dir="t"/>
+    </dgm:scene3d>
+    <dgm:sp3d/>
+    <dgm:txPr/>
+    <dgm:style>
+      <a:lnRef idx="1">
+        <a:scrgbClr r="0" g="0" b="0"/>
+      </a:lnRef>
+      <a:fillRef idx="1">
+        <a:scrgbClr r="0" g="0" b="0"/>
+      </a:fillRef>
+      <a:effectRef idx="3">
+        <a:scrgbClr r="0" g="0" b="0"/>
+      </a:effectRef>
+      <a:fontRef idx="minor"/>
+    </dgm:style>
+  </dgm:styleLbl>
+  <dgm:styleLbl name="solidBgAcc1">
+    <dgm:scene3d>
+      <a:camera prst="orthographicFront"/>
+      <a:lightRig rig="threePt" dir="t"/>
+    </dgm:scene3d>
+    <dgm:sp3d/>
+    <dgm:txPr/>
+    <dgm:style>
+      <a:lnRef idx="1">
+        <a:scrgbClr r="0" g="0" b="0"/>
+      </a:lnRef>
+      <a:fillRef idx="1">
+        <a:scrgbClr r="0" g="0" b="0"/>
+      </a:fillRef>
+      <a:effectRef idx="3">
+        <a:scrgbClr r="0" g="0" b="0"/>
+      </a:effectRef>
+      <a:fontRef idx="minor"/>
+    </dgm:style>
+  </dgm:styleLbl>
+  <dgm:styleLbl name="fgAccFollowNode1">
+    <dgm:scene3d>
+      <a:camera prst="orthographicFront"/>
+      <a:lightRig rig="threePt" dir="t"/>
+    </dgm:scene3d>
+    <dgm:sp3d/>
+    <dgm:txPr/>
+    <dgm:style>
+      <a:lnRef idx="1">
+        <a:scrgbClr r="0" g="0" b="0"/>
+      </a:lnRef>
+      <a:fillRef idx="1">
+        <a:scrgbClr r="0" g="0" b="0"/>
+      </a:fillRef>
+      <a:effectRef idx="2">
+        <a:scrgbClr r="0" g="0" b="0"/>
+      </a:effectRef>
+      <a:fontRef idx="minor"/>
+    </dgm:style>
+  </dgm:styleLbl>
+  <dgm:styleLbl name="alignAccFollowNode1">
+    <dgm:scene3d>
+      <a:camera prst="orthographicFront"/>
+      <a:lightRig rig="threePt" dir="t"/>
+    </dgm:scene3d>
+    <dgm:sp3d/>
+    <dgm:txPr/>
+    <dgm:style>
+      <a:lnRef idx="1">
+        <a:scrgbClr r="0" g="0" b="0"/>
+      </a:lnRef>
+      <a:fillRef idx="1">
+        <a:scrgbClr r="0" g="0" b="0"/>
+      </a:fillRef>
+      <a:effectRef idx="2">
+        <a:scrgbClr r="0" g="0" b="0"/>
+      </a:effectRef>
+      <a:fontRef idx="minor"/>
+    </dgm:style>
+  </dgm:styleLbl>
+  <dgm:styleLbl name="bgAccFollowNode1">
+    <dgm:scene3d>
+      <a:camera prst="orthographicFront"/>
+      <a:lightRig rig="threePt" dir="t"/>
+    </dgm:scene3d>
+    <dgm:sp3d/>
+    <dgm:txPr/>
+    <dgm:style>
+      <a:lnRef idx="1">
+        <a:scrgbClr r="0" g="0" b="0"/>
+      </a:lnRef>
+      <a:fillRef idx="1">
+        <a:scrgbClr r="0" g="0" b="0"/>
+      </a:fillRef>
+      <a:effectRef idx="2">
+        <a:scrgbClr r="0" g="0" b="0"/>
+      </a:effectRef>
+      <a:fontRef idx="minor"/>
+    </dgm:style>
+  </dgm:styleLbl>
+  <dgm:styleLbl name="fgAcc0">
+    <dgm:scene3d>
+      <a:camera prst="orthographicFront"/>
+      <a:lightRig rig="threePt" dir="t"/>
+    </dgm:scene3d>
+    <dgm:sp3d/>
+    <dgm:txPr/>
+    <dgm:style>
+      <a:lnRef idx="1">
+        <a:scrgbClr r="0" g="0" b="0"/>
+      </a:lnRef>
+      <a:fillRef idx="1">
+        <a:scrgbClr r="0" g="0" b="0"/>
+      </a:fillRef>
+      <a:effectRef idx="2">
+        <a:scrgbClr r="0" g="0" b="0"/>
+      </a:effectRef>
+      <a:fontRef idx="minor"/>
+    </dgm:style>
+  </dgm:styleLbl>
+  <dgm:styleLbl name="fgAcc2">
+    <dgm:scene3d>
+      <a:camera prst="orthographicFront"/>
+      <a:lightRig rig="threePt" dir="t"/>
+    </dgm:scene3d>
+    <dgm:sp3d/>
+    <dgm:txPr/>
+    <dgm:style>
+      <a:lnRef idx="1">
+        <a:scrgbClr r="0" g="0" b="0"/>
+      </a:lnRef>
+      <a:fillRef idx="1">
+        <a:scrgbClr r="0" g="0" b="0"/>
+      </a:fillRef>
+      <a:effectRef idx="2">
+        <a:scrgbClr r="0" g="0" b="0"/>
+      </a:effectRef>
+      <a:fontRef idx="minor"/>
+    </dgm:style>
+  </dgm:styleLbl>
+  <dgm:styleLbl name="fgAcc3">
+    <dgm:scene3d>
+      <a:camera prst="orthographicFront"/>
+      <a:lightRig rig="threePt" dir="t"/>
+    </dgm:scene3d>
+    <dgm:sp3d/>
+    <dgm:txPr/>
+    <dgm:style>
+      <a:lnRef idx="1">
+        <a:scrgbClr r="0" g="0" b="0"/>
+      </a:lnRef>
+      <a:fillRef idx="1">
+        <a:scrgbClr r="0" g="0" b="0"/>
+      </a:fillRef>
+      <a:effectRef idx="2">
+        <a:scrgbClr r="0" g="0" b="0"/>
+      </a:effectRef>
+      <a:fontRef idx="minor"/>
+    </dgm:style>
+  </dgm:styleLbl>
+  <dgm:styleLbl name="fgAcc4">
+    <dgm:scene3d>
+      <a:camera prst="orthographicFront"/>
+      <a:lightRig rig="threePt" dir="t"/>
+    </dgm:scene3d>
+    <dgm:sp3d/>
+    <dgm:txPr/>
+    <dgm:style>
+      <a:lnRef idx="1">
+        <a:scrgbClr r="0" g="0" b="0"/>
+      </a:lnRef>
+      <a:fillRef idx="1">
+        <a:scrgbClr r="0" g="0" b="0"/>
+      </a:fillRef>
+      <a:effectRef idx="2">
+        <a:scrgbClr r="0" g="0" b="0"/>
+      </a:effectRef>
+      <a:fontRef idx="minor"/>
+    </dgm:style>
+  </dgm:styleLbl>
+  <dgm:styleLbl name="bgShp">
+    <dgm:scene3d>
+      <a:camera prst="orthographicFront"/>
+      <a:lightRig rig="threePt" dir="t"/>
+    </dgm:scene3d>
+    <dgm:sp3d/>
+    <dgm:txPr/>
+    <dgm:style>
+      <a:lnRef idx="0">
+        <a:scrgbClr r="0" g="0" b="0"/>
+      </a:lnRef>
+      <a:fillRef idx="1">
+        <a:scrgbClr r="0" g="0" b="0"/>
+      </a:fillRef>
+      <a:effectRef idx="2">
+        <a:scrgbClr r="0" g="0" b="0"/>
+      </a:effectRef>
+      <a:fontRef idx="minor"/>
+    </dgm:style>
+  </dgm:styleLbl>
+  <dgm:styleLbl name="dkBgShp">
+    <dgm:scene3d>
+      <a:camera prst="orthographicFront"/>
+      <a:lightRig rig="threePt" dir="t"/>
+    </dgm:scene3d>
+    <dgm:sp3d/>
+    <dgm:txPr/>
+    <dgm:style>
+      <a:lnRef idx="0">
+        <a:scrgbClr r="0" g="0" b="0"/>
+      </a:lnRef>
+      <a:fillRef idx="1">
+        <a:scrgbClr r="0" g="0" b="0"/>
+      </a:fillRef>
+      <a:effectRef idx="3">
+        <a:scrgbClr r="0" g="0" b="0"/>
+      </a:effectRef>
+      <a:fontRef idx="minor"/>
+    </dgm:style>
+  </dgm:styleLbl>
+  <dgm:styleLbl name="trBgShp">
+    <dgm:scene3d>
+      <a:camera prst="orthographicFront"/>
+      <a:lightRig rig="threePt" dir="t"/>
+    </dgm:scene3d>
+    <dgm:sp3d/>
+    <dgm:txPr/>
+    <dgm:style>
+      <a:lnRef idx="0">
+        <a:scrgbClr r="0" g="0" b="0"/>
+      </a:lnRef>
+      <a:fillRef idx="1">
+        <a:scrgbClr r="0" g="0" b="0"/>
+      </a:fillRef>
+      <a:effectRef idx="0">
+        <a:scrgbClr r="0" g="0" b="0"/>
+      </a:effectRef>
+      <a:fontRef idx="minor"/>
+    </dgm:style>
+  </dgm:styleLbl>
+  <dgm:styleLbl name="fgShp">
+    <dgm:scene3d>
+      <a:camera prst="orthographicFront"/>
+      <a:lightRig rig="threePt" dir="t"/>
+    </dgm:scene3d>
+    <dgm:sp3d/>
+    <dgm:txPr/>
+    <dgm:style>
+      <a:lnRef idx="0">
+        <a:scrgbClr r="0" g="0" b="0"/>
+      </a:lnRef>
+      <a:fillRef idx="3">
+        <a:scrgbClr r="0" g="0" b="0"/>
+      </a:fillRef>
+      <a:effectRef idx="3">
         <a:scrgbClr r="0" g="0" b="0"/>
       </a:effectRef>
       <a:fontRef idx="minor"/>
@@ -7854,7 +7854,7 @@
           <a:p>
             <a:fld id="{C9EFC926-D487-4F31-8F47-C4F706AEA6CA}" type="datetimeFigureOut">
               <a:rPr lang="en-US" smtClean="0"/>
-              <a:t>11/11/2020</a:t>
+              <a:t>11/12/2020</a:t>
             </a:fld>
             <a:endParaRPr lang="en-US"/>
           </a:p>
@@ -8421,7 +8421,7 @@
             </a:r>
             <a:r>
               <a:rPr lang="it-IT" dirty="0"/>
-              <a:t> can </a:t>
+              <a:t> do </a:t>
             </a:r>
             <a:r>
               <a:rPr lang="it-IT" dirty="0" err="1"/>
@@ -8429,7 +8429,23 @@
             </a:r>
             <a:r>
               <a:rPr lang="it-IT" dirty="0"/>
-              <a:t> do with </a:t>
+              <a:t> </a:t>
+            </a:r>
+            <a:r>
+              <a:rPr lang="it-IT" dirty="0" err="1"/>
+              <a:t>need</a:t>
+            </a:r>
+            <a:r>
+              <a:rPr lang="it-IT" dirty="0"/>
+              <a:t> in </a:t>
+            </a:r>
+            <a:r>
+              <a:rPr lang="it-IT" dirty="0" err="1"/>
+              <a:t>your</a:t>
+            </a:r>
+            <a:r>
+              <a:rPr lang="it-IT" dirty="0"/>
+              <a:t> house to use </a:t>
             </a:r>
             <a:r>
               <a:rPr lang="it-IT" dirty="0" err="1"/>
@@ -8451,11 +8467,11 @@
             </a:r>
             <a:r>
               <a:rPr lang="it-IT" dirty="0"/>
-              <a:t>, the app </a:t>
-            </a:r>
-            <a:r>
-              <a:rPr lang="it-IT" dirty="0" err="1"/>
-              <a:t>provides</a:t>
+              <a:t>, </a:t>
+            </a:r>
+            <a:r>
+              <a:rPr lang="it-IT" dirty="0" err="1"/>
+              <a:t>you’ll</a:t>
             </a:r>
             <a:r>
               <a:rPr lang="it-IT" dirty="0"/>
@@ -8463,7 +8479,7 @@
             </a:r>
             <a:r>
               <a:rPr lang="it-IT" dirty="0" err="1"/>
-              <a:t>you</a:t>
+              <a:t>need</a:t>
             </a:r>
             <a:r>
               <a:rPr lang="it-IT" dirty="0"/>
@@ -8471,47 +8487,15 @@
             </a:r>
             <a:r>
               <a:rPr lang="it-IT" dirty="0" err="1"/>
-              <a:t>two</a:t>
-            </a:r>
-            <a:r>
-              <a:rPr lang="it-IT" dirty="0"/>
-              <a:t> features: </a:t>
-            </a:r>
-            <a:r>
-              <a:rPr lang="it-IT" dirty="0" err="1"/>
-              <a:t>you</a:t>
-            </a:r>
-            <a:r>
-              <a:rPr lang="it-IT" dirty="0"/>
-              <a:t> can set a </a:t>
-            </a:r>
-            <a:r>
-              <a:rPr lang="it-IT" dirty="0" err="1"/>
-              <a:t>specific</a:t>
-            </a:r>
-            <a:r>
-              <a:rPr lang="it-IT" dirty="0"/>
-              <a:t> temperature to set </a:t>
-            </a:r>
-            <a:r>
-              <a:rPr lang="it-IT" dirty="0" err="1"/>
-              <a:t>your</a:t>
-            </a:r>
-            <a:r>
-              <a:rPr lang="it-IT" dirty="0"/>
-              <a:t> boiler to, and a </a:t>
-            </a:r>
-            <a:r>
-              <a:rPr lang="it-IT" dirty="0" err="1"/>
-              <a:t>threshold</a:t>
-            </a:r>
-            <a:r>
-              <a:rPr lang="it-IT" dirty="0"/>
-              <a:t> on </a:t>
-            </a:r>
-            <a:r>
-              <a:rPr lang="it-IT" dirty="0" err="1"/>
-              <a:t>consumption</a:t>
+              <a:t>our</a:t>
+            </a:r>
+            <a:r>
+              <a:rPr lang="it-IT" dirty="0"/>
+              <a:t> boiler and </a:t>
+            </a:r>
+            <a:r>
+              <a:rPr lang="it-IT" dirty="0" err="1"/>
+              <a:t>radiators</a:t>
             </a:r>
             <a:r>
               <a:rPr lang="it-IT" dirty="0"/>
@@ -8519,7 +8503,31 @@
             </a:r>
             <a:r>
               <a:rPr lang="it-IT" dirty="0" err="1"/>
-              <a:t>If</a:t>
+              <a:t>Our</a:t>
+            </a:r>
+            <a:r>
+              <a:rPr lang="it-IT" dirty="0"/>
+              <a:t> boiler </a:t>
+            </a:r>
+            <a:r>
+              <a:rPr lang="it-IT" dirty="0" err="1"/>
+              <a:t>has</a:t>
+            </a:r>
+            <a:r>
+              <a:rPr lang="it-IT" dirty="0"/>
+              <a:t> an </a:t>
+            </a:r>
+            <a:r>
+              <a:rPr lang="it-IT" dirty="0" err="1"/>
+              <a:t>internal</a:t>
+            </a:r>
+            <a:r>
+              <a:rPr lang="it-IT" dirty="0"/>
+              <a:t> clock so </a:t>
+            </a:r>
+            <a:r>
+              <a:rPr lang="it-IT" dirty="0" err="1"/>
+              <a:t>that</a:t>
             </a:r>
             <a:r>
               <a:rPr lang="it-IT" dirty="0"/>
@@ -8527,7 +8535,7 @@
             </a:r>
             <a:r>
               <a:rPr lang="it-IT" dirty="0" err="1"/>
-              <a:t>you</a:t>
+              <a:t>it</a:t>
             </a:r>
             <a:r>
               <a:rPr lang="it-IT" dirty="0"/>
@@ -8535,7 +8543,7 @@
             </a:r>
             <a:r>
               <a:rPr lang="it-IT" dirty="0" err="1"/>
-              <a:t>exceed</a:t>
+              <a:t>knows</a:t>
             </a:r>
             <a:r>
               <a:rPr lang="it-IT" dirty="0"/>
@@ -8543,79 +8551,23 @@
             </a:r>
             <a:r>
               <a:rPr lang="it-IT" dirty="0" err="1"/>
+              <a:t>which</a:t>
+            </a:r>
+            <a:r>
+              <a:rPr lang="it-IT" dirty="0"/>
+              <a:t> hour and day </a:t>
+            </a:r>
+            <a:r>
+              <a:rPr lang="it-IT" dirty="0" err="1"/>
               <a:t>it</a:t>
             </a:r>
             <a:r>
               <a:rPr lang="it-IT" dirty="0"/>
-              <a:t> and </a:t>
-            </a:r>
-            <a:r>
-              <a:rPr lang="it-IT" dirty="0" err="1"/>
-              <a:t>spend</a:t>
-            </a:r>
-            <a:r>
-              <a:rPr lang="it-IT" dirty="0"/>
               <a:t> </a:t>
             </a:r>
             <a:r>
               <a:rPr lang="it-IT" dirty="0" err="1"/>
-              <a:t>too</a:t>
-            </a:r>
-            <a:r>
-              <a:rPr lang="it-IT" dirty="0"/>
-              <a:t> </a:t>
-            </a:r>
-            <a:r>
-              <a:rPr lang="it-IT" dirty="0" err="1"/>
-              <a:t>much</a:t>
-            </a:r>
-            <a:r>
-              <a:rPr lang="it-IT" dirty="0"/>
-              <a:t> </a:t>
-            </a:r>
-            <a:r>
-              <a:rPr lang="it-IT" dirty="0" err="1"/>
-              <a:t>you’ll</a:t>
-            </a:r>
-            <a:r>
-              <a:rPr lang="it-IT" dirty="0"/>
-              <a:t> </a:t>
-            </a:r>
-            <a:r>
-              <a:rPr lang="it-IT" dirty="0" err="1"/>
-              <a:t>receive</a:t>
-            </a:r>
-            <a:r>
-              <a:rPr lang="it-IT" dirty="0"/>
-              <a:t> a </a:t>
-            </a:r>
-            <a:r>
-              <a:rPr lang="it-IT" dirty="0" err="1"/>
-              <a:t>notification</a:t>
-            </a:r>
-            <a:r>
-              <a:rPr lang="it-IT" dirty="0"/>
-              <a:t> with a </a:t>
-            </a:r>
-            <a:r>
-              <a:rPr lang="it-IT" dirty="0" err="1"/>
-              <a:t>suggestion</a:t>
-            </a:r>
-            <a:r>
-              <a:rPr lang="it-IT" dirty="0"/>
-              <a:t> to turn down the temperature and </a:t>
-            </a:r>
-            <a:r>
-              <a:rPr lang="it-IT" dirty="0" err="1"/>
-              <a:t>maybe</a:t>
-            </a:r>
-            <a:r>
-              <a:rPr lang="it-IT" dirty="0"/>
-              <a:t> use a blanket </a:t>
-            </a:r>
-            <a:r>
-              <a:rPr lang="it-IT" dirty="0" err="1"/>
-              <a:t>instead</a:t>
+              <a:t>is</a:t>
             </a:r>
             <a:r>
               <a:rPr lang="it-IT" dirty="0"/>
@@ -8624,38 +8576,90 @@
           </a:p>
           <a:p>
             <a:r>
-              <a:rPr lang="it-IT" dirty="0"/>
-              <a:t>And </a:t>
-            </a:r>
-            <a:r>
-              <a:rPr lang="it-IT" dirty="0" err="1"/>
-              <a:t>what</a:t>
-            </a:r>
-            <a:r>
-              <a:rPr lang="it-IT" dirty="0"/>
-              <a:t> can </a:t>
-            </a:r>
-            <a:r>
-              <a:rPr lang="it-IT" dirty="0" err="1"/>
-              <a:t>it</a:t>
-            </a:r>
-            <a:r>
-              <a:rPr lang="it-IT" dirty="0"/>
-              <a:t> do </a:t>
-            </a:r>
-            <a:r>
-              <a:rPr lang="it-IT" dirty="0" err="1"/>
-              <a:t>automatically</a:t>
-            </a:r>
-            <a:r>
-              <a:rPr lang="it-IT" dirty="0"/>
-              <a:t>?</a:t>
+              <a:rPr lang="it-IT" dirty="0" err="1"/>
+              <a:t>Then</a:t>
+            </a:r>
+            <a:r>
+              <a:rPr lang="it-IT" dirty="0"/>
+              <a:t> </a:t>
+            </a:r>
+            <a:r>
+              <a:rPr lang="it-IT" dirty="0" err="1"/>
+              <a:t>you’ll</a:t>
+            </a:r>
+            <a:r>
+              <a:rPr lang="it-IT" dirty="0"/>
+              <a:t> </a:t>
+            </a:r>
+            <a:r>
+              <a:rPr lang="it-IT" dirty="0" err="1"/>
+              <a:t>need</a:t>
+            </a:r>
+            <a:r>
+              <a:rPr lang="it-IT" dirty="0"/>
+              <a:t> </a:t>
+            </a:r>
+            <a:r>
+              <a:rPr lang="it-IT" dirty="0" err="1"/>
+              <a:t>thermostats</a:t>
+            </a:r>
+            <a:r>
+              <a:rPr lang="it-IT" dirty="0"/>
+              <a:t> to </a:t>
+            </a:r>
+            <a:r>
+              <a:rPr lang="it-IT" dirty="0" err="1"/>
+              <a:t>measure</a:t>
+            </a:r>
+            <a:r>
+              <a:rPr lang="it-IT" dirty="0"/>
+              <a:t> temperature and </a:t>
+            </a:r>
+            <a:r>
+              <a:rPr lang="it-IT" dirty="0" err="1"/>
+              <a:t>presence</a:t>
+            </a:r>
+            <a:r>
+              <a:rPr lang="it-IT" dirty="0"/>
+              <a:t> </a:t>
+            </a:r>
+            <a:r>
+              <a:rPr lang="it-IT" dirty="0" err="1"/>
+              <a:t>sensors</a:t>
+            </a:r>
+            <a:r>
+              <a:rPr lang="it-IT" dirty="0"/>
+              <a:t> to check </a:t>
+            </a:r>
+            <a:r>
+              <a:rPr lang="it-IT" dirty="0" err="1"/>
+              <a:t>if</a:t>
+            </a:r>
+            <a:r>
+              <a:rPr lang="it-IT" dirty="0"/>
+              <a:t> a </a:t>
+            </a:r>
+            <a:r>
+              <a:rPr lang="it-IT" dirty="0" err="1"/>
+              <a:t>person</a:t>
+            </a:r>
+            <a:r>
+              <a:rPr lang="it-IT" dirty="0"/>
+              <a:t> </a:t>
+            </a:r>
+            <a:r>
+              <a:rPr lang="it-IT" dirty="0" err="1"/>
+              <a:t>is</a:t>
+            </a:r>
+            <a:r>
+              <a:rPr lang="it-IT" dirty="0"/>
+              <a:t> in a room.</a:t>
             </a:r>
           </a:p>
           <a:p>
             <a:r>
               <a:rPr lang="it-IT" dirty="0" err="1"/>
-              <a:t>Then</a:t>
+              <a:t>Moreover</a:t>
             </a:r>
             <a:r>
               <a:rPr lang="it-IT" dirty="0"/>
@@ -8663,7 +8667,7 @@
             </a:r>
             <a:r>
               <a:rPr lang="it-IT" dirty="0" err="1"/>
-              <a:t>it</a:t>
+              <a:t>you’ll</a:t>
             </a:r>
             <a:r>
               <a:rPr lang="it-IT" dirty="0"/>
@@ -8671,15 +8675,31 @@
             </a:r>
             <a:r>
               <a:rPr lang="it-IT" dirty="0" err="1"/>
-              <a:t>automatically</a:t>
-            </a:r>
-            <a:r>
-              <a:rPr lang="it-IT" dirty="0"/>
-              <a:t> turns </a:t>
-            </a:r>
-            <a:r>
-              <a:rPr lang="it-IT" dirty="0" err="1"/>
-              <a:t>heat</a:t>
+              <a:t>need</a:t>
+            </a:r>
+            <a:r>
+              <a:rPr lang="it-IT" dirty="0"/>
+              <a:t> to </a:t>
+            </a:r>
+            <a:r>
+              <a:rPr lang="it-IT" dirty="0" err="1"/>
+              <a:t>have</a:t>
+            </a:r>
+            <a:r>
+              <a:rPr lang="it-IT" dirty="0"/>
+              <a:t> the </a:t>
+            </a:r>
+            <a:r>
+              <a:rPr lang="it-IT" dirty="0" err="1"/>
+              <a:t>StayWarm</a:t>
+            </a:r>
+            <a:r>
+              <a:rPr lang="it-IT" dirty="0"/>
+              <a:t> app </a:t>
+            </a:r>
+            <a:r>
+              <a:rPr lang="it-IT" dirty="0" err="1"/>
+              <a:t>installed</a:t>
             </a:r>
             <a:r>
               <a:rPr lang="it-IT" dirty="0"/>
@@ -8687,183 +8707,20 @@
             </a:r>
             <a:r>
               <a:rPr lang="it-IT" dirty="0" err="1"/>
-              <a:t>during</a:t>
-            </a:r>
-            <a:r>
-              <a:rPr lang="it-IT" dirty="0"/>
-              <a:t> the night </a:t>
-            </a:r>
-            <a:r>
-              <a:rPr lang="it-IT" dirty="0" err="1"/>
-              <a:t>at</a:t>
-            </a:r>
-            <a:r>
-              <a:rPr lang="it-IT" dirty="0"/>
-              <a:t> the first </a:t>
-            </a:r>
-            <a:r>
-              <a:rPr lang="it-IT" dirty="0" err="1"/>
-              <a:t>floor</a:t>
-            </a:r>
-            <a:r>
-              <a:rPr lang="it-IT" dirty="0"/>
-              <a:t>, </a:t>
-            </a:r>
-            <a:r>
-              <a:rPr lang="it-IT" dirty="0" err="1"/>
-              <a:t>where</a:t>
-            </a:r>
-            <a:r>
-              <a:rPr lang="it-IT" dirty="0"/>
-              <a:t> </a:t>
-            </a:r>
-            <a:r>
-              <a:rPr lang="it-IT" dirty="0" err="1"/>
-              <a:t>it</a:t>
-            </a:r>
-            <a:r>
-              <a:rPr lang="it-IT" dirty="0"/>
-              <a:t> </a:t>
-            </a:r>
-            <a:r>
-              <a:rPr lang="it-IT" dirty="0" err="1"/>
-              <a:t>is</a:t>
-            </a:r>
-            <a:r>
-              <a:rPr lang="it-IT" dirty="0"/>
-              <a:t> </a:t>
-            </a:r>
-            <a:r>
-              <a:rPr lang="it-IT" dirty="0" err="1"/>
-              <a:t>assumed</a:t>
-            </a:r>
-            <a:r>
-              <a:rPr lang="it-IT" dirty="0"/>
-              <a:t> </a:t>
-            </a:r>
-            <a:r>
-              <a:rPr lang="it-IT" dirty="0" err="1"/>
-              <a:t>that</a:t>
-            </a:r>
-            <a:r>
-              <a:rPr lang="it-IT" dirty="0"/>
-              <a:t> the </a:t>
-            </a:r>
-            <a:r>
-              <a:rPr lang="it-IT" dirty="0" err="1"/>
-              <a:t>bedrooms</a:t>
-            </a:r>
-            <a:r>
-              <a:rPr lang="it-IT" dirty="0"/>
-              <a:t> are, and </a:t>
-            </a:r>
-            <a:r>
-              <a:rPr lang="it-IT" dirty="0" err="1"/>
-              <a:t>during</a:t>
-            </a:r>
-            <a:r>
-              <a:rPr lang="it-IT" dirty="0"/>
-              <a:t> the day </a:t>
-            </a:r>
-            <a:r>
-              <a:rPr lang="it-IT" dirty="0" err="1"/>
-              <a:t>it</a:t>
-            </a:r>
-            <a:r>
-              <a:rPr lang="it-IT" dirty="0"/>
-              <a:t> </a:t>
-            </a:r>
-            <a:r>
-              <a:rPr lang="it-IT" dirty="0" err="1"/>
-              <a:t>does</a:t>
-            </a:r>
-            <a:r>
-              <a:rPr lang="it-IT" dirty="0"/>
-              <a:t> the </a:t>
-            </a:r>
-            <a:r>
-              <a:rPr lang="it-IT" dirty="0" err="1"/>
-              <a:t>same</a:t>
-            </a:r>
-            <a:r>
-              <a:rPr lang="it-IT" dirty="0"/>
-              <a:t> for the ground </a:t>
-            </a:r>
-            <a:r>
-              <a:rPr lang="it-IT" dirty="0" err="1"/>
-              <a:t>floor</a:t>
-            </a:r>
-            <a:r>
-              <a:rPr lang="it-IT" dirty="0"/>
-              <a:t>. </a:t>
-            </a:r>
-            <a:r>
-              <a:rPr lang="it-IT" dirty="0" err="1"/>
-              <a:t>Both</a:t>
-            </a:r>
-            <a:r>
-              <a:rPr lang="it-IT" dirty="0"/>
-              <a:t> of </a:t>
-            </a:r>
-            <a:r>
-              <a:rPr lang="it-IT" dirty="0" err="1"/>
-              <a:t>these</a:t>
-            </a:r>
-            <a:r>
-              <a:rPr lang="it-IT" dirty="0"/>
-              <a:t> </a:t>
-            </a:r>
-            <a:r>
-              <a:rPr lang="it-IT" dirty="0" err="1"/>
-              <a:t>cases</a:t>
-            </a:r>
-            <a:r>
-              <a:rPr lang="it-IT" dirty="0"/>
-              <a:t> </a:t>
-            </a:r>
-            <a:r>
-              <a:rPr lang="it-IT" dirty="0" err="1"/>
-              <a:t>happen</a:t>
-            </a:r>
-            <a:r>
-              <a:rPr lang="it-IT" dirty="0"/>
-              <a:t> </a:t>
-            </a:r>
-            <a:r>
-              <a:rPr lang="it-IT" dirty="0" err="1"/>
-              <a:t>provided</a:t>
-            </a:r>
-            <a:r>
-              <a:rPr lang="it-IT" dirty="0"/>
-              <a:t> of </a:t>
-            </a:r>
-            <a:r>
-              <a:rPr lang="it-IT" dirty="0" err="1"/>
-              <a:t>course</a:t>
-            </a:r>
-            <a:r>
-              <a:rPr lang="it-IT" dirty="0"/>
-              <a:t> </a:t>
-            </a:r>
-            <a:r>
-              <a:rPr lang="it-IT" dirty="0" err="1"/>
-              <a:t>that</a:t>
-            </a:r>
-            <a:r>
-              <a:rPr lang="it-IT" dirty="0"/>
-              <a:t> </a:t>
-            </a:r>
-            <a:r>
-              <a:rPr lang="it-IT" dirty="0" err="1"/>
-              <a:t>there</a:t>
-            </a:r>
-            <a:r>
-              <a:rPr lang="it-IT" dirty="0"/>
-              <a:t> are people in the house.</a:t>
-            </a:r>
-          </a:p>
-          <a:p>
-            <a:endParaRPr lang="en-US" dirty="0"/>
+              <a:t>your</a:t>
+            </a:r>
+            <a:r>
+              <a:rPr lang="it-IT" dirty="0"/>
+              <a:t> mobile with complete access to </a:t>
+            </a:r>
+            <a:r>
+              <a:rPr lang="it-IT" dirty="0" err="1"/>
+              <a:t>your</a:t>
+            </a:r>
+            <a:r>
+              <a:rPr lang="it-IT" dirty="0"/>
+              <a:t> GPS position and to the internet. </a:t>
+            </a:r>
           </a:p>
         </p:txBody>
       </p:sp>
@@ -8893,7 +8750,7 @@
     </p:spTree>
     <p:extLst>
       <p:ext uri="{BB962C8B-B14F-4D97-AF65-F5344CB8AC3E}">
-        <p14:creationId xmlns:p14="http://schemas.microsoft.com/office/powerpoint/2010/main" val="532062108"/>
+        <p14:creationId xmlns:p14="http://schemas.microsoft.com/office/powerpoint/2010/main" val="2322601962"/>
       </p:ext>
     </p:extLst>
   </p:cSld>
@@ -8947,6 +8804,1059 @@
           <a:bodyPr/>
           <a:lstStyle/>
           <a:p>
+            <a:r>
+              <a:rPr lang="it-IT" dirty="0" err="1"/>
+              <a:t>What</a:t>
+            </a:r>
+            <a:r>
+              <a:rPr lang="it-IT" dirty="0"/>
+              <a:t> can </a:t>
+            </a:r>
+            <a:r>
+              <a:rPr lang="it-IT" dirty="0" err="1"/>
+              <a:t>you</a:t>
+            </a:r>
+            <a:r>
+              <a:rPr lang="it-IT" dirty="0"/>
+              <a:t> do with </a:t>
+            </a:r>
+            <a:r>
+              <a:rPr lang="it-IT" dirty="0" err="1"/>
+              <a:t>StayWarm</a:t>
+            </a:r>
+            <a:r>
+              <a:rPr lang="it-IT" dirty="0"/>
+              <a:t>?</a:t>
+            </a:r>
+          </a:p>
+          <a:p>
+            <a:r>
+              <a:rPr lang="it-IT" dirty="0"/>
+              <a:t>First of </a:t>
+            </a:r>
+            <a:r>
+              <a:rPr lang="it-IT" dirty="0" err="1"/>
+              <a:t>all</a:t>
+            </a:r>
+            <a:r>
+              <a:rPr lang="it-IT" dirty="0"/>
+              <a:t>, the app </a:t>
+            </a:r>
+            <a:r>
+              <a:rPr lang="it-IT" dirty="0" err="1"/>
+              <a:t>provides</a:t>
+            </a:r>
+            <a:r>
+              <a:rPr lang="it-IT" dirty="0"/>
+              <a:t> </a:t>
+            </a:r>
+            <a:r>
+              <a:rPr lang="it-IT" dirty="0" err="1"/>
+              <a:t>you</a:t>
+            </a:r>
+            <a:r>
+              <a:rPr lang="it-IT" dirty="0"/>
+              <a:t> with </a:t>
+            </a:r>
+            <a:r>
+              <a:rPr lang="it-IT" dirty="0" err="1"/>
+              <a:t>two</a:t>
+            </a:r>
+            <a:r>
+              <a:rPr lang="it-IT" dirty="0"/>
+              <a:t> features: </a:t>
+            </a:r>
+            <a:r>
+              <a:rPr lang="it-IT" dirty="0" err="1"/>
+              <a:t>you</a:t>
+            </a:r>
+            <a:r>
+              <a:rPr lang="it-IT" dirty="0"/>
+              <a:t> can set </a:t>
+            </a:r>
+            <a:r>
+              <a:rPr lang="it-IT" dirty="0" err="1"/>
+              <a:t>your</a:t>
+            </a:r>
+            <a:r>
+              <a:rPr lang="it-IT" dirty="0"/>
+              <a:t> boiler to a </a:t>
+            </a:r>
+            <a:r>
+              <a:rPr lang="it-IT" dirty="0" err="1"/>
+              <a:t>specific</a:t>
+            </a:r>
+            <a:r>
+              <a:rPr lang="it-IT" dirty="0"/>
+              <a:t> temperature and </a:t>
+            </a:r>
+            <a:r>
+              <a:rPr lang="it-IT" dirty="0" err="1"/>
+              <a:t>you</a:t>
+            </a:r>
+            <a:r>
+              <a:rPr lang="it-IT" dirty="0"/>
+              <a:t> can </a:t>
+            </a:r>
+            <a:r>
+              <a:rPr lang="it-IT" dirty="0" err="1"/>
+              <a:t>also</a:t>
+            </a:r>
+            <a:r>
+              <a:rPr lang="it-IT" dirty="0"/>
+              <a:t> decide a </a:t>
+            </a:r>
+            <a:r>
+              <a:rPr lang="it-IT" dirty="0" err="1"/>
+              <a:t>threshold</a:t>
+            </a:r>
+            <a:r>
+              <a:rPr lang="it-IT" dirty="0"/>
+              <a:t> on </a:t>
+            </a:r>
+            <a:r>
+              <a:rPr lang="it-IT" dirty="0" err="1"/>
+              <a:t>consumption</a:t>
+            </a:r>
+            <a:r>
+              <a:rPr lang="it-IT" dirty="0"/>
+              <a:t>. </a:t>
+            </a:r>
+            <a:r>
+              <a:rPr lang="it-IT" dirty="0" err="1"/>
+              <a:t>If</a:t>
+            </a:r>
+            <a:r>
+              <a:rPr lang="it-IT" dirty="0"/>
+              <a:t> </a:t>
+            </a:r>
+            <a:r>
+              <a:rPr lang="it-IT" dirty="0" err="1"/>
+              <a:t>you</a:t>
+            </a:r>
+            <a:r>
+              <a:rPr lang="it-IT" dirty="0"/>
+              <a:t> </a:t>
+            </a:r>
+            <a:r>
+              <a:rPr lang="it-IT" dirty="0" err="1"/>
+              <a:t>exceed</a:t>
+            </a:r>
+            <a:r>
+              <a:rPr lang="it-IT" dirty="0"/>
+              <a:t> </a:t>
+            </a:r>
+            <a:r>
+              <a:rPr lang="it-IT" dirty="0" err="1"/>
+              <a:t>it</a:t>
+            </a:r>
+            <a:r>
+              <a:rPr lang="it-IT" dirty="0"/>
+              <a:t> and </a:t>
+            </a:r>
+            <a:r>
+              <a:rPr lang="it-IT" dirty="0" err="1"/>
+              <a:t>spend</a:t>
+            </a:r>
+            <a:r>
+              <a:rPr lang="it-IT" dirty="0"/>
+              <a:t> </a:t>
+            </a:r>
+            <a:r>
+              <a:rPr lang="it-IT" dirty="0" err="1"/>
+              <a:t>too</a:t>
+            </a:r>
+            <a:r>
+              <a:rPr lang="it-IT" dirty="0"/>
+              <a:t> </a:t>
+            </a:r>
+            <a:r>
+              <a:rPr lang="it-IT" dirty="0" err="1"/>
+              <a:t>much</a:t>
+            </a:r>
+            <a:r>
+              <a:rPr lang="it-IT" dirty="0"/>
+              <a:t> </a:t>
+            </a:r>
+            <a:r>
+              <a:rPr lang="it-IT" dirty="0" err="1"/>
+              <a:t>you’ll</a:t>
+            </a:r>
+            <a:r>
+              <a:rPr lang="it-IT" dirty="0"/>
+              <a:t> </a:t>
+            </a:r>
+            <a:r>
+              <a:rPr lang="it-IT" dirty="0" err="1"/>
+              <a:t>receive</a:t>
+            </a:r>
+            <a:r>
+              <a:rPr lang="it-IT" dirty="0"/>
+              <a:t> a </a:t>
+            </a:r>
+            <a:r>
+              <a:rPr lang="it-IT" dirty="0" err="1"/>
+              <a:t>notification</a:t>
+            </a:r>
+            <a:r>
+              <a:rPr lang="it-IT" dirty="0"/>
+              <a:t> with a </a:t>
+            </a:r>
+            <a:r>
+              <a:rPr lang="it-IT" dirty="0" err="1"/>
+              <a:t>suggestion</a:t>
+            </a:r>
+            <a:r>
+              <a:rPr lang="it-IT" dirty="0"/>
+              <a:t> to turn down the temperature and </a:t>
+            </a:r>
+            <a:r>
+              <a:rPr lang="it-IT" dirty="0" err="1"/>
+              <a:t>maybe</a:t>
+            </a:r>
+            <a:r>
+              <a:rPr lang="it-IT" dirty="0"/>
+              <a:t> use a blanket </a:t>
+            </a:r>
+            <a:r>
+              <a:rPr lang="it-IT" dirty="0" err="1"/>
+              <a:t>instead</a:t>
+            </a:r>
+            <a:r>
+              <a:rPr lang="it-IT" dirty="0"/>
+              <a:t>.</a:t>
+            </a:r>
+          </a:p>
+          <a:p>
+            <a:r>
+              <a:rPr lang="it-IT" dirty="0"/>
+              <a:t>And </a:t>
+            </a:r>
+            <a:r>
+              <a:rPr lang="it-IT" dirty="0" err="1"/>
+              <a:t>what</a:t>
+            </a:r>
+            <a:r>
+              <a:rPr lang="it-IT" dirty="0"/>
+              <a:t> can </a:t>
+            </a:r>
+            <a:r>
+              <a:rPr lang="it-IT" dirty="0" err="1"/>
+              <a:t>it</a:t>
+            </a:r>
+            <a:r>
+              <a:rPr lang="it-IT" dirty="0"/>
+              <a:t> do </a:t>
+            </a:r>
+            <a:r>
+              <a:rPr lang="it-IT" dirty="0" err="1"/>
+              <a:t>automatically</a:t>
+            </a:r>
+            <a:r>
+              <a:rPr lang="it-IT" dirty="0"/>
+              <a:t>?</a:t>
+            </a:r>
+          </a:p>
+          <a:p>
+            <a:r>
+              <a:rPr lang="it-IT" dirty="0" err="1"/>
+              <a:t>It</a:t>
+            </a:r>
+            <a:r>
+              <a:rPr lang="it-IT" dirty="0"/>
+              <a:t> </a:t>
+            </a:r>
+            <a:r>
+              <a:rPr lang="it-IT" dirty="0" err="1"/>
+              <a:t>automatically</a:t>
+            </a:r>
+            <a:r>
+              <a:rPr lang="it-IT" dirty="0"/>
+              <a:t> turns the </a:t>
+            </a:r>
+            <a:r>
+              <a:rPr lang="it-IT" dirty="0" err="1"/>
+              <a:t>heat</a:t>
+            </a:r>
+            <a:r>
+              <a:rPr lang="it-IT" dirty="0"/>
+              <a:t> on </a:t>
+            </a:r>
+            <a:r>
+              <a:rPr lang="it-IT" dirty="0" err="1"/>
+              <a:t>during</a:t>
+            </a:r>
+            <a:r>
+              <a:rPr lang="it-IT" dirty="0"/>
+              <a:t> the night on the first </a:t>
+            </a:r>
+            <a:r>
+              <a:rPr lang="it-IT" dirty="0" err="1"/>
+              <a:t>floor</a:t>
+            </a:r>
+            <a:r>
+              <a:rPr lang="it-IT" dirty="0"/>
+              <a:t>, </a:t>
+            </a:r>
+            <a:r>
+              <a:rPr lang="it-IT" dirty="0" err="1"/>
+              <a:t>where</a:t>
+            </a:r>
+            <a:r>
+              <a:rPr lang="it-IT" dirty="0"/>
+              <a:t> </a:t>
+            </a:r>
+            <a:r>
+              <a:rPr lang="it-IT" dirty="0" err="1"/>
+              <a:t>it</a:t>
+            </a:r>
+            <a:r>
+              <a:rPr lang="it-IT" dirty="0"/>
+              <a:t> </a:t>
+            </a:r>
+            <a:r>
+              <a:rPr lang="it-IT" dirty="0" err="1"/>
+              <a:t>is</a:t>
+            </a:r>
+            <a:r>
+              <a:rPr lang="it-IT" dirty="0"/>
+              <a:t> </a:t>
+            </a:r>
+            <a:r>
+              <a:rPr lang="it-IT" dirty="0" err="1"/>
+              <a:t>assumed</a:t>
+            </a:r>
+            <a:r>
+              <a:rPr lang="it-IT" dirty="0"/>
+              <a:t> </a:t>
+            </a:r>
+            <a:r>
+              <a:rPr lang="it-IT" dirty="0" err="1"/>
+              <a:t>that</a:t>
+            </a:r>
+            <a:r>
+              <a:rPr lang="it-IT" dirty="0"/>
+              <a:t> the </a:t>
+            </a:r>
+            <a:r>
+              <a:rPr lang="it-IT" dirty="0" err="1"/>
+              <a:t>bedrooms</a:t>
+            </a:r>
+            <a:r>
+              <a:rPr lang="it-IT" dirty="0"/>
+              <a:t> are, and </a:t>
+            </a:r>
+            <a:r>
+              <a:rPr lang="it-IT" dirty="0" err="1"/>
+              <a:t>during</a:t>
+            </a:r>
+            <a:r>
+              <a:rPr lang="it-IT" dirty="0"/>
+              <a:t> the day </a:t>
+            </a:r>
+            <a:r>
+              <a:rPr lang="it-IT" dirty="0" err="1"/>
+              <a:t>it</a:t>
+            </a:r>
+            <a:r>
+              <a:rPr lang="it-IT" dirty="0"/>
+              <a:t> </a:t>
+            </a:r>
+            <a:r>
+              <a:rPr lang="it-IT" dirty="0" err="1"/>
+              <a:t>does</a:t>
+            </a:r>
+            <a:r>
+              <a:rPr lang="it-IT" dirty="0"/>
+              <a:t> the </a:t>
+            </a:r>
+            <a:r>
+              <a:rPr lang="it-IT" dirty="0" err="1"/>
+              <a:t>same</a:t>
+            </a:r>
+            <a:r>
+              <a:rPr lang="it-IT" dirty="0"/>
+              <a:t> for the ground </a:t>
+            </a:r>
+            <a:r>
+              <a:rPr lang="it-IT" dirty="0" err="1"/>
+              <a:t>floor</a:t>
+            </a:r>
+            <a:r>
+              <a:rPr lang="it-IT" dirty="0"/>
+              <a:t>. </a:t>
+            </a:r>
+            <a:r>
+              <a:rPr lang="it-IT" dirty="0" err="1"/>
+              <a:t>It</a:t>
+            </a:r>
+            <a:r>
+              <a:rPr lang="it-IT" dirty="0"/>
+              <a:t> sets by default a </a:t>
+            </a:r>
+            <a:r>
+              <a:rPr lang="it-IT" dirty="0" err="1"/>
+              <a:t>lower</a:t>
+            </a:r>
+            <a:r>
+              <a:rPr lang="it-IT" dirty="0"/>
+              <a:t> temperature </a:t>
+            </a:r>
+            <a:r>
+              <a:rPr lang="it-IT" dirty="0" err="1"/>
+              <a:t>during</a:t>
+            </a:r>
+            <a:r>
+              <a:rPr lang="it-IT" dirty="0"/>
+              <a:t> the day </a:t>
+            </a:r>
+            <a:r>
+              <a:rPr lang="it-IT" dirty="0" err="1"/>
+              <a:t>since</a:t>
+            </a:r>
+            <a:r>
+              <a:rPr lang="it-IT" dirty="0"/>
+              <a:t> people </a:t>
+            </a:r>
+            <a:r>
+              <a:rPr lang="it-IT" dirty="0" err="1"/>
+              <a:t>usually</a:t>
+            </a:r>
+            <a:r>
+              <a:rPr lang="it-IT" dirty="0"/>
+              <a:t> </a:t>
+            </a:r>
+            <a:r>
+              <a:rPr lang="it-IT" dirty="0" err="1"/>
+              <a:t>move</a:t>
+            </a:r>
+            <a:r>
+              <a:rPr lang="it-IT" dirty="0"/>
+              <a:t> </a:t>
+            </a:r>
+            <a:r>
+              <a:rPr lang="it-IT" dirty="0" err="1"/>
+              <a:t>around</a:t>
+            </a:r>
+            <a:r>
+              <a:rPr lang="it-IT" dirty="0"/>
+              <a:t> </a:t>
+            </a:r>
+            <a:r>
+              <a:rPr lang="it-IT" dirty="0" err="1"/>
+              <a:t>during</a:t>
+            </a:r>
+            <a:r>
+              <a:rPr lang="it-IT" dirty="0"/>
+              <a:t> day time and </a:t>
+            </a:r>
+            <a:r>
+              <a:rPr lang="it-IT" dirty="0" err="1"/>
+              <a:t>since</a:t>
+            </a:r>
+            <a:r>
+              <a:rPr lang="it-IT" dirty="0"/>
+              <a:t> </a:t>
+            </a:r>
+            <a:r>
+              <a:rPr lang="it-IT" dirty="0" err="1"/>
+              <a:t>it</a:t>
+            </a:r>
+            <a:r>
+              <a:rPr lang="it-IT" dirty="0"/>
+              <a:t> in </a:t>
+            </a:r>
+            <a:r>
+              <a:rPr lang="it-IT" dirty="0" err="1"/>
+              <a:t>generally</a:t>
+            </a:r>
+            <a:r>
+              <a:rPr lang="it-IT" dirty="0"/>
+              <a:t> </a:t>
+            </a:r>
+            <a:r>
+              <a:rPr lang="it-IT" dirty="0" err="1"/>
+              <a:t>may</a:t>
+            </a:r>
+            <a:r>
+              <a:rPr lang="it-IT" dirty="0"/>
+              <a:t> be </a:t>
+            </a:r>
+            <a:r>
+              <a:rPr lang="it-IT" dirty="0" err="1"/>
+              <a:t>warmer</a:t>
+            </a:r>
+            <a:r>
+              <a:rPr lang="it-IT" dirty="0"/>
+              <a:t> </a:t>
+            </a:r>
+            <a:r>
+              <a:rPr lang="it-IT" dirty="0" err="1"/>
+              <a:t>outside</a:t>
+            </a:r>
+            <a:r>
+              <a:rPr lang="it-IT" dirty="0"/>
+              <a:t>, </a:t>
+            </a:r>
+            <a:r>
+              <a:rPr lang="it-IT" dirty="0" err="1"/>
+              <a:t>while</a:t>
+            </a:r>
+            <a:r>
+              <a:rPr lang="it-IT" dirty="0"/>
+              <a:t> </a:t>
+            </a:r>
+            <a:r>
+              <a:rPr lang="it-IT" dirty="0" err="1"/>
+              <a:t>at</a:t>
+            </a:r>
+            <a:r>
+              <a:rPr lang="it-IT" dirty="0"/>
+              <a:t> night </a:t>
+            </a:r>
+            <a:r>
+              <a:rPr lang="it-IT" dirty="0" err="1"/>
+              <a:t>it’s</a:t>
+            </a:r>
+            <a:r>
+              <a:rPr lang="it-IT" dirty="0"/>
+              <a:t> set to a </a:t>
+            </a:r>
+            <a:r>
+              <a:rPr lang="it-IT" dirty="0" err="1"/>
+              <a:t>slightly</a:t>
+            </a:r>
+            <a:r>
+              <a:rPr lang="it-IT" dirty="0"/>
+              <a:t> </a:t>
+            </a:r>
+            <a:r>
+              <a:rPr lang="it-IT" dirty="0" err="1"/>
+              <a:t>higher</a:t>
+            </a:r>
+            <a:r>
+              <a:rPr lang="it-IT" dirty="0"/>
+              <a:t> </a:t>
+            </a:r>
+            <a:r>
+              <a:rPr lang="it-IT" dirty="0" err="1"/>
+              <a:t>value</a:t>
+            </a:r>
+            <a:r>
+              <a:rPr lang="it-IT" dirty="0"/>
+              <a:t>. In general </a:t>
+            </a:r>
+            <a:r>
+              <a:rPr lang="it-IT" dirty="0" err="1"/>
+              <a:t>however</a:t>
+            </a:r>
+            <a:r>
+              <a:rPr lang="it-IT" dirty="0"/>
+              <a:t> </a:t>
+            </a:r>
+            <a:r>
+              <a:rPr lang="it-IT" dirty="0" err="1"/>
+              <a:t>you</a:t>
+            </a:r>
+            <a:r>
+              <a:rPr lang="it-IT" dirty="0"/>
+              <a:t> can decide the temperature </a:t>
+            </a:r>
+            <a:r>
+              <a:rPr lang="it-IT" dirty="0" err="1"/>
+              <a:t>you</a:t>
+            </a:r>
+            <a:r>
+              <a:rPr lang="it-IT" dirty="0"/>
+              <a:t> </a:t>
+            </a:r>
+            <a:r>
+              <a:rPr lang="it-IT" dirty="0" err="1"/>
+              <a:t>want</a:t>
+            </a:r>
+            <a:r>
+              <a:rPr lang="it-IT" dirty="0"/>
+              <a:t>. </a:t>
+            </a:r>
+            <a:r>
+              <a:rPr lang="it-IT" dirty="0" err="1"/>
+              <a:t>Both</a:t>
+            </a:r>
+            <a:r>
+              <a:rPr lang="it-IT" dirty="0"/>
+              <a:t> of the </a:t>
+            </a:r>
+            <a:r>
+              <a:rPr lang="it-IT" dirty="0" err="1"/>
+              <a:t>previously</a:t>
+            </a:r>
+            <a:r>
+              <a:rPr lang="it-IT" dirty="0"/>
+              <a:t> </a:t>
+            </a:r>
+            <a:r>
+              <a:rPr lang="it-IT" dirty="0" err="1"/>
+              <a:t>described</a:t>
+            </a:r>
+            <a:r>
+              <a:rPr lang="it-IT" dirty="0"/>
+              <a:t> </a:t>
+            </a:r>
+            <a:r>
+              <a:rPr lang="it-IT" dirty="0" err="1"/>
+              <a:t>cases</a:t>
+            </a:r>
+            <a:r>
+              <a:rPr lang="it-IT" dirty="0"/>
+              <a:t> </a:t>
+            </a:r>
+            <a:r>
+              <a:rPr lang="it-IT" dirty="0" err="1"/>
+              <a:t>happen</a:t>
+            </a:r>
+            <a:r>
+              <a:rPr lang="it-IT" dirty="0"/>
+              <a:t> </a:t>
+            </a:r>
+            <a:r>
+              <a:rPr lang="it-IT" dirty="0" err="1"/>
+              <a:t>provided</a:t>
+            </a:r>
+            <a:r>
+              <a:rPr lang="it-IT" dirty="0"/>
+              <a:t> </a:t>
+            </a:r>
+            <a:r>
+              <a:rPr lang="it-IT" dirty="0" err="1"/>
+              <a:t>that</a:t>
+            </a:r>
+            <a:r>
+              <a:rPr lang="it-IT" dirty="0"/>
+              <a:t> </a:t>
+            </a:r>
+            <a:r>
+              <a:rPr lang="it-IT" dirty="0" err="1"/>
+              <a:t>there</a:t>
+            </a:r>
+            <a:r>
+              <a:rPr lang="it-IT" dirty="0"/>
+              <a:t> are people in the house and </a:t>
+            </a:r>
+            <a:r>
+              <a:rPr lang="it-IT" dirty="0" err="1"/>
+              <a:t>that</a:t>
+            </a:r>
+            <a:r>
+              <a:rPr lang="it-IT" dirty="0"/>
+              <a:t> the temperature </a:t>
+            </a:r>
+            <a:r>
+              <a:rPr lang="it-IT" dirty="0" err="1"/>
+              <a:t>outside</a:t>
+            </a:r>
+            <a:r>
+              <a:rPr lang="it-IT" dirty="0"/>
+              <a:t> </a:t>
+            </a:r>
+            <a:r>
+              <a:rPr lang="it-IT" dirty="0" err="1"/>
+              <a:t>is</a:t>
+            </a:r>
+            <a:r>
+              <a:rPr lang="it-IT" dirty="0"/>
+              <a:t> </a:t>
+            </a:r>
+            <a:r>
+              <a:rPr lang="it-IT" dirty="0" err="1"/>
+              <a:t>below</a:t>
+            </a:r>
+            <a:r>
+              <a:rPr lang="it-IT" dirty="0"/>
+              <a:t> a temperature </a:t>
+            </a:r>
+            <a:r>
+              <a:rPr lang="it-IT" dirty="0" err="1"/>
+              <a:t>that</a:t>
+            </a:r>
+            <a:r>
+              <a:rPr lang="it-IT" dirty="0"/>
+              <a:t> </a:t>
+            </a:r>
+            <a:r>
+              <a:rPr lang="it-IT" dirty="0" err="1"/>
+              <a:t>you</a:t>
+            </a:r>
+            <a:r>
+              <a:rPr lang="it-IT" dirty="0"/>
+              <a:t> decide.</a:t>
+            </a:r>
+          </a:p>
+          <a:p>
+            <a:r>
+              <a:rPr lang="it-IT" dirty="0" err="1"/>
+              <a:t>Finally</a:t>
+            </a:r>
+            <a:r>
+              <a:rPr lang="it-IT" dirty="0"/>
+              <a:t>, </a:t>
+            </a:r>
+            <a:r>
+              <a:rPr lang="it-IT" dirty="0" err="1"/>
+              <a:t>if</a:t>
+            </a:r>
+            <a:r>
+              <a:rPr lang="it-IT" dirty="0"/>
+              <a:t> the app </a:t>
+            </a:r>
+            <a:r>
+              <a:rPr lang="it-IT" dirty="0" err="1"/>
+              <a:t>has</a:t>
+            </a:r>
+            <a:r>
+              <a:rPr lang="it-IT" dirty="0"/>
+              <a:t> access to </a:t>
+            </a:r>
+            <a:r>
+              <a:rPr lang="it-IT" dirty="0" err="1"/>
+              <a:t>your</a:t>
+            </a:r>
+            <a:r>
+              <a:rPr lang="it-IT" dirty="0"/>
+              <a:t> GPS position , the app </a:t>
+            </a:r>
+            <a:r>
+              <a:rPr lang="it-IT" dirty="0" err="1"/>
+              <a:t>will</a:t>
+            </a:r>
+            <a:r>
+              <a:rPr lang="it-IT" dirty="0"/>
+              <a:t> switch on the </a:t>
+            </a:r>
+            <a:r>
+              <a:rPr lang="it-IT" dirty="0" err="1"/>
+              <a:t>radiators</a:t>
+            </a:r>
+            <a:r>
+              <a:rPr lang="it-IT" dirty="0"/>
+              <a:t> </a:t>
+            </a:r>
+            <a:r>
+              <a:rPr lang="it-IT" dirty="0" err="1"/>
+              <a:t>if</a:t>
+            </a:r>
+            <a:r>
+              <a:rPr lang="it-IT" dirty="0"/>
+              <a:t> </a:t>
+            </a:r>
+            <a:r>
+              <a:rPr lang="it-IT" dirty="0" err="1"/>
+              <a:t>you</a:t>
+            </a:r>
+            <a:r>
+              <a:rPr lang="it-IT" dirty="0"/>
+              <a:t> are coming home in </a:t>
+            </a:r>
+            <a:r>
+              <a:rPr lang="it-IT" dirty="0" err="1"/>
+              <a:t>less</a:t>
+            </a:r>
+            <a:r>
+              <a:rPr lang="it-IT" dirty="0"/>
+              <a:t> </a:t>
+            </a:r>
+            <a:r>
+              <a:rPr lang="it-IT" dirty="0" err="1"/>
+              <a:t>than</a:t>
+            </a:r>
+            <a:r>
+              <a:rPr lang="it-IT" dirty="0"/>
+              <a:t> </a:t>
+            </a:r>
+            <a:r>
+              <a:rPr lang="it-IT" dirty="0" err="1"/>
+              <a:t>half</a:t>
+            </a:r>
+            <a:r>
+              <a:rPr lang="it-IT" dirty="0"/>
+              <a:t> an hour, so </a:t>
+            </a:r>
+            <a:r>
+              <a:rPr lang="it-IT" dirty="0" err="1"/>
+              <a:t>that</a:t>
+            </a:r>
+            <a:r>
+              <a:rPr lang="it-IT" dirty="0"/>
+              <a:t> </a:t>
+            </a:r>
+            <a:r>
+              <a:rPr lang="it-IT" dirty="0" err="1"/>
+              <a:t>when</a:t>
+            </a:r>
+            <a:r>
+              <a:rPr lang="it-IT" dirty="0"/>
+              <a:t> </a:t>
+            </a:r>
+            <a:r>
+              <a:rPr lang="it-IT" dirty="0" err="1"/>
+              <a:t>you</a:t>
+            </a:r>
+            <a:r>
+              <a:rPr lang="it-IT" dirty="0"/>
+              <a:t> </a:t>
+            </a:r>
+            <a:r>
+              <a:rPr lang="it-IT" dirty="0" err="1"/>
+              <a:t>arrive</a:t>
+            </a:r>
+            <a:r>
+              <a:rPr lang="it-IT" dirty="0"/>
+              <a:t> </a:t>
+            </a:r>
+            <a:r>
+              <a:rPr lang="it-IT" dirty="0" err="1"/>
+              <a:t>you’ll</a:t>
+            </a:r>
+            <a:r>
+              <a:rPr lang="it-IT" dirty="0"/>
+              <a:t> </a:t>
+            </a:r>
+            <a:r>
+              <a:rPr lang="it-IT" dirty="0" err="1"/>
+              <a:t>find</a:t>
+            </a:r>
+            <a:r>
+              <a:rPr lang="it-IT" dirty="0"/>
+              <a:t> a </a:t>
+            </a:r>
+            <a:r>
+              <a:rPr lang="it-IT" dirty="0" err="1"/>
+              <a:t>warm</a:t>
+            </a:r>
+            <a:r>
+              <a:rPr lang="it-IT" dirty="0"/>
+              <a:t> house to welcome </a:t>
+            </a:r>
+            <a:r>
+              <a:rPr lang="it-IT" dirty="0" err="1"/>
+              <a:t>you</a:t>
+            </a:r>
+            <a:r>
+              <a:rPr lang="it-IT" dirty="0"/>
+              <a:t>.</a:t>
+            </a:r>
+          </a:p>
+          <a:p>
+            <a:pPr marL="0" marR="0" lvl="0" indent="0" algn="l" defTabSz="914400" rtl="0" eaLnBrk="1" fontAlgn="auto" latinLnBrk="0" hangingPunct="1">
+              <a:lnSpc>
+                <a:spcPct val="100000"/>
+              </a:lnSpc>
+              <a:spcBef>
+                <a:spcPts val="0"/>
+              </a:spcBef>
+              <a:spcAft>
+                <a:spcPts val="0"/>
+              </a:spcAft>
+              <a:buClrTx/>
+              <a:buSzTx/>
+              <a:buFontTx/>
+              <a:buNone/>
+              <a:tabLst/>
+              <a:defRPr/>
+            </a:pPr>
+            <a:r>
+              <a:rPr lang="it-IT" dirty="0" err="1"/>
+              <a:t>Lastly</a:t>
+            </a:r>
+            <a:r>
+              <a:rPr lang="it-IT" dirty="0"/>
+              <a:t>: </a:t>
+            </a:r>
+            <a:r>
+              <a:rPr lang="it-IT" dirty="0" err="1"/>
+              <a:t>this</a:t>
+            </a:r>
+            <a:r>
+              <a:rPr lang="it-IT" dirty="0"/>
+              <a:t> ambient intelligence </a:t>
+            </a:r>
+            <a:r>
+              <a:rPr lang="it-IT" dirty="0" err="1"/>
+              <a:t>application</a:t>
+            </a:r>
+            <a:r>
+              <a:rPr lang="it-IT" dirty="0"/>
+              <a:t> </a:t>
+            </a:r>
+            <a:r>
+              <a:rPr lang="it-IT" dirty="0" err="1"/>
+              <a:t>was</a:t>
+            </a:r>
+            <a:r>
+              <a:rPr lang="it-IT" dirty="0"/>
+              <a:t> </a:t>
+            </a:r>
+            <a:r>
+              <a:rPr lang="it-IT" dirty="0" err="1"/>
+              <a:t>simulated</a:t>
+            </a:r>
+            <a:r>
+              <a:rPr lang="it-IT" dirty="0"/>
+              <a:t> on  </a:t>
+            </a:r>
+            <a:r>
+              <a:rPr lang="it-IT" dirty="0" err="1"/>
+              <a:t>theProtege</a:t>
+            </a:r>
+            <a:r>
+              <a:rPr lang="it-IT" dirty="0"/>
+              <a:t> </a:t>
+            </a:r>
+            <a:r>
+              <a:rPr lang="it-IT" dirty="0" err="1"/>
+              <a:t>program</a:t>
+            </a:r>
+            <a:r>
+              <a:rPr lang="it-IT" dirty="0"/>
+              <a:t> on a </a:t>
+            </a:r>
+            <a:r>
+              <a:rPr lang="it-IT" dirty="0" err="1"/>
+              <a:t>hypothetical</a:t>
+            </a:r>
+            <a:r>
+              <a:rPr lang="it-IT" dirty="0"/>
+              <a:t> house, and </a:t>
+            </a:r>
+            <a:r>
+              <a:rPr lang="it-IT" dirty="0" err="1"/>
+              <a:t>these</a:t>
+            </a:r>
+            <a:r>
+              <a:rPr lang="it-IT" dirty="0"/>
+              <a:t> </a:t>
+            </a:r>
+            <a:r>
+              <a:rPr lang="it-IT" dirty="0" err="1"/>
+              <a:t>five</a:t>
+            </a:r>
+            <a:r>
+              <a:rPr lang="it-IT" dirty="0"/>
+              <a:t> features </a:t>
+            </a:r>
+            <a:r>
+              <a:rPr lang="it-IT" dirty="0" err="1"/>
+              <a:t>correnspond</a:t>
+            </a:r>
+            <a:r>
+              <a:rPr lang="it-IT" dirty="0"/>
+              <a:t> to </a:t>
+            </a:r>
+            <a:r>
+              <a:rPr lang="it-IT" dirty="0" err="1"/>
+              <a:t>five</a:t>
+            </a:r>
+            <a:r>
+              <a:rPr lang="it-IT" dirty="0"/>
+              <a:t> </a:t>
+            </a:r>
+            <a:r>
+              <a:rPr lang="it-IT" dirty="0" err="1"/>
+              <a:t>different</a:t>
+            </a:r>
+            <a:r>
+              <a:rPr lang="it-IT" dirty="0"/>
+              <a:t> SWRL rules, so </a:t>
+            </a:r>
+            <a:r>
+              <a:rPr lang="it-IT" dirty="0" err="1"/>
+              <a:t>that</a:t>
+            </a:r>
+            <a:r>
+              <a:rPr lang="it-IT" dirty="0"/>
+              <a:t> </a:t>
+            </a:r>
+            <a:r>
+              <a:rPr lang="it-IT" dirty="0" err="1"/>
+              <a:t>you</a:t>
+            </a:r>
+            <a:r>
+              <a:rPr lang="it-IT" dirty="0"/>
+              <a:t> can </a:t>
+            </a:r>
+            <a:r>
+              <a:rPr lang="it-IT" dirty="0" err="1"/>
+              <a:t>try</a:t>
+            </a:r>
+            <a:r>
+              <a:rPr lang="it-IT" dirty="0"/>
+              <a:t> </a:t>
+            </a:r>
+            <a:r>
+              <a:rPr lang="it-IT" dirty="0" err="1"/>
+              <a:t>those</a:t>
+            </a:r>
+            <a:r>
+              <a:rPr lang="it-IT" dirty="0"/>
+              <a:t>.</a:t>
+            </a:r>
+          </a:p>
+          <a:p>
+            <a:pPr marL="0" marR="0" lvl="0" indent="0" algn="l" defTabSz="914400" rtl="0" eaLnBrk="1" fontAlgn="auto" latinLnBrk="0" hangingPunct="1">
+              <a:lnSpc>
+                <a:spcPct val="100000"/>
+              </a:lnSpc>
+              <a:spcBef>
+                <a:spcPts val="0"/>
+              </a:spcBef>
+              <a:spcAft>
+                <a:spcPts val="0"/>
+              </a:spcAft>
+              <a:buClrTx/>
+              <a:buSzTx/>
+              <a:buFontTx/>
+              <a:buNone/>
+              <a:tabLst/>
+              <a:defRPr/>
+            </a:pPr>
+            <a:r>
+              <a:rPr lang="it-IT" dirty="0"/>
+              <a:t>And </a:t>
+            </a:r>
+            <a:r>
+              <a:rPr lang="it-IT" dirty="0" err="1"/>
+              <a:t>that</a:t>
+            </a:r>
+            <a:r>
+              <a:rPr lang="it-IT" dirty="0"/>
+              <a:t> </a:t>
+            </a:r>
+            <a:r>
+              <a:rPr lang="it-IT" dirty="0" err="1"/>
+              <a:t>was</a:t>
+            </a:r>
+            <a:r>
+              <a:rPr lang="it-IT" dirty="0"/>
+              <a:t> </a:t>
+            </a:r>
+            <a:r>
+              <a:rPr lang="it-IT" dirty="0" err="1"/>
+              <a:t>all</a:t>
+            </a:r>
+            <a:r>
+              <a:rPr lang="it-IT" dirty="0"/>
+              <a:t> for the stay </a:t>
+            </a:r>
+            <a:r>
+              <a:rPr lang="it-IT" dirty="0" err="1"/>
+              <a:t>warm</a:t>
+            </a:r>
+            <a:r>
+              <a:rPr lang="it-IT" dirty="0"/>
+              <a:t>.</a:t>
+            </a:r>
+            <a:endParaRPr lang="en-US" dirty="0"/>
+          </a:p>
+          <a:p>
             <a:endParaRPr lang="en-US" dirty="0"/>
           </a:p>
         </p:txBody>
@@ -8977,7 +9887,7 @@
     </p:spTree>
     <p:extLst>
       <p:ext uri="{BB962C8B-B14F-4D97-AF65-F5344CB8AC3E}">
-        <p14:creationId xmlns:p14="http://schemas.microsoft.com/office/powerpoint/2010/main" val="2322601962"/>
+        <p14:creationId xmlns:p14="http://schemas.microsoft.com/office/powerpoint/2010/main" val="532062108"/>
       </p:ext>
     </p:extLst>
   </p:cSld>
@@ -9136,7 +10046,7 @@
           <a:p>
             <a:fld id="{F6A63CE3-1E93-453B-B4EF-76879DE14F62}" type="datetimeFigureOut">
               <a:rPr lang="en-US" smtClean="0"/>
-              <a:t>11/11/2020</a:t>
+              <a:t>11/12/2020</a:t>
             </a:fld>
             <a:endParaRPr lang="en-US"/>
           </a:p>
@@ -9336,7 +10246,7 @@
           <a:p>
             <a:fld id="{F6A63CE3-1E93-453B-B4EF-76879DE14F62}" type="datetimeFigureOut">
               <a:rPr lang="en-US" smtClean="0"/>
-              <a:t>11/11/2020</a:t>
+              <a:t>11/12/2020</a:t>
             </a:fld>
             <a:endParaRPr lang="en-US"/>
           </a:p>
@@ -9546,7 +10456,7 @@
           <a:p>
             <a:fld id="{F6A63CE3-1E93-453B-B4EF-76879DE14F62}" type="datetimeFigureOut">
               <a:rPr lang="en-US" smtClean="0"/>
-              <a:t>11/11/2020</a:t>
+              <a:t>11/12/2020</a:t>
             </a:fld>
             <a:endParaRPr lang="en-US"/>
           </a:p>
@@ -9746,7 +10656,7 @@
           <a:p>
             <a:fld id="{F6A63CE3-1E93-453B-B4EF-76879DE14F62}" type="datetimeFigureOut">
               <a:rPr lang="en-US" smtClean="0"/>
-              <a:t>11/11/2020</a:t>
+              <a:t>11/12/2020</a:t>
             </a:fld>
             <a:endParaRPr lang="en-US"/>
           </a:p>
@@ -10022,7 +10932,7 @@
           <a:p>
             <a:fld id="{F6A63CE3-1E93-453B-B4EF-76879DE14F62}" type="datetimeFigureOut">
               <a:rPr lang="en-US" smtClean="0"/>
-              <a:t>11/11/2020</a:t>
+              <a:t>11/12/2020</a:t>
             </a:fld>
             <a:endParaRPr lang="en-US"/>
           </a:p>
@@ -10290,7 +11200,7 @@
           <a:p>
             <a:fld id="{F6A63CE3-1E93-453B-B4EF-76879DE14F62}" type="datetimeFigureOut">
               <a:rPr lang="en-US" smtClean="0"/>
-              <a:t>11/11/2020</a:t>
+              <a:t>11/12/2020</a:t>
             </a:fld>
             <a:endParaRPr lang="en-US"/>
           </a:p>
@@ -10705,7 +11615,7 @@
           <a:p>
             <a:fld id="{F6A63CE3-1E93-453B-B4EF-76879DE14F62}" type="datetimeFigureOut">
               <a:rPr lang="en-US" smtClean="0"/>
-              <a:t>11/11/2020</a:t>
+              <a:t>11/12/2020</a:t>
             </a:fld>
             <a:endParaRPr lang="en-US"/>
           </a:p>
@@ -10847,7 +11757,7 @@
           <a:p>
             <a:fld id="{F6A63CE3-1E93-453B-B4EF-76879DE14F62}" type="datetimeFigureOut">
               <a:rPr lang="en-US" smtClean="0"/>
-              <a:t>11/11/2020</a:t>
+              <a:t>11/12/2020</a:t>
             </a:fld>
             <a:endParaRPr lang="en-US"/>
           </a:p>
@@ -10960,7 +11870,7 @@
           <a:p>
             <a:fld id="{F6A63CE3-1E93-453B-B4EF-76879DE14F62}" type="datetimeFigureOut">
               <a:rPr lang="en-US" smtClean="0"/>
-              <a:t>11/11/2020</a:t>
+              <a:t>11/12/2020</a:t>
             </a:fld>
             <a:endParaRPr lang="en-US"/>
           </a:p>
@@ -11273,7 +12183,7 @@
           <a:p>
             <a:fld id="{F6A63CE3-1E93-453B-B4EF-76879DE14F62}" type="datetimeFigureOut">
               <a:rPr lang="en-US" smtClean="0"/>
-              <a:t>11/11/2020</a:t>
+              <a:t>11/12/2020</a:t>
             </a:fld>
             <a:endParaRPr lang="en-US"/>
           </a:p>
@@ -11562,7 +12472,7 @@
           <a:p>
             <a:fld id="{F6A63CE3-1E93-453B-B4EF-76879DE14F62}" type="datetimeFigureOut">
               <a:rPr lang="en-US" smtClean="0"/>
-              <a:t>11/11/2020</a:t>
+              <a:t>11/12/2020</a:t>
             </a:fld>
             <a:endParaRPr lang="en-US"/>
           </a:p>
@@ -11805,7 +12715,7 @@
           <a:p>
             <a:fld id="{F6A63CE3-1E93-453B-B4EF-76879DE14F62}" type="datetimeFigureOut">
               <a:rPr lang="en-US" smtClean="0"/>
-              <a:t>11/11/2020</a:t>
+              <a:t>11/12/2020</a:t>
             </a:fld>
             <a:endParaRPr lang="en-US"/>
           </a:p>
@@ -12628,279 +13538,6 @@
           <a:chExt cx="0" cy="0"/>
         </a:xfrm>
       </p:grpSpPr>
-      <p:pic>
-        <p:nvPicPr>
-          <p:cNvPr id="5" name="Immagine 4" descr="Immagine che contiene interni, caminetto&#10;&#10;Descrizione generata automaticamente">
-            <a:extLst>
-              <a:ext uri="{FF2B5EF4-FFF2-40B4-BE49-F238E27FC236}">
-                <a16:creationId xmlns:a16="http://schemas.microsoft.com/office/drawing/2014/main" id="{1D31952D-FC0F-4880-BDB0-ECC68F82BCC8}"/>
-              </a:ext>
-            </a:extLst>
-          </p:cNvPr>
-          <p:cNvPicPr>
-            <a:picLocks noChangeAspect="1"/>
-          </p:cNvPicPr>
-          <p:nvPr/>
-        </p:nvPicPr>
-        <p:blipFill>
-          <a:blip r:embed="rId3">
-            <a:alphaModFix amt="15000"/>
-            <a:extLst>
-              <a:ext uri="{28A0092B-C50C-407E-A947-70E740481C1C}">
-                <a14:useLocalDpi xmlns:a14="http://schemas.microsoft.com/office/drawing/2010/main" val="0"/>
-              </a:ext>
-            </a:extLst>
-          </a:blip>
-          <a:stretch>
-            <a:fillRect/>
-          </a:stretch>
-        </p:blipFill>
-        <p:spPr>
-          <a:xfrm>
-            <a:off x="0" y="-12222"/>
-            <a:ext cx="12192000" cy="6870222"/>
-          </a:xfrm>
-          <a:prstGeom prst="rect">
-            <a:avLst/>
-          </a:prstGeom>
-        </p:spPr>
-      </p:pic>
-      <p:graphicFrame>
-        <p:nvGraphicFramePr>
-          <p:cNvPr id="15" name="Segnaposto contenuto 14">
-            <a:extLst>
-              <a:ext uri="{FF2B5EF4-FFF2-40B4-BE49-F238E27FC236}">
-                <a16:creationId xmlns:a16="http://schemas.microsoft.com/office/drawing/2014/main" id="{25436DF3-5D26-42A9-A99D-4CCC1F4006A9}"/>
-              </a:ext>
-            </a:extLst>
-          </p:cNvPr>
-          <p:cNvGraphicFramePr>
-            <a:graphicFrameLocks noGrp="1"/>
-          </p:cNvGraphicFramePr>
-          <p:nvPr>
-            <p:ph idx="1"/>
-            <p:extLst>
-              <p:ext uri="{D42A27DB-BD31-4B8C-83A1-F6EECF244321}">
-                <p14:modId xmlns:p14="http://schemas.microsoft.com/office/powerpoint/2010/main" val="2407541056"/>
-              </p:ext>
-            </p:extLst>
-          </p:nvPr>
-        </p:nvGraphicFramePr>
-        <p:xfrm>
-          <a:off x="838200" y="1726364"/>
-          <a:ext cx="10515600" cy="4351338"/>
-        </p:xfrm>
-        <a:graphic>
-          <a:graphicData uri="http://schemas.openxmlformats.org/drawingml/2006/diagram">
-            <dgm:relIds xmlns:dgm="http://schemas.openxmlformats.org/drawingml/2006/diagram" xmlns:r="http://schemas.openxmlformats.org/officeDocument/2006/relationships" r:dm="rId4" r:lo="rId5" r:qs="rId6" r:cs="rId7"/>
-          </a:graphicData>
-        </a:graphic>
-      </p:graphicFrame>
-      <p:sp>
-        <p:nvSpPr>
-          <p:cNvPr id="18" name="Titolo 1">
-            <a:extLst>
-              <a:ext uri="{FF2B5EF4-FFF2-40B4-BE49-F238E27FC236}">
-                <a16:creationId xmlns:a16="http://schemas.microsoft.com/office/drawing/2014/main" id="{413F3ED1-7771-4ED2-A874-7CCA3E77138E}"/>
-              </a:ext>
-            </a:extLst>
-          </p:cNvPr>
-          <p:cNvSpPr>
-            <a:spLocks noGrp="1"/>
-          </p:cNvSpPr>
-          <p:nvPr>
-            <p:ph type="title"/>
-          </p:nvPr>
-        </p:nvSpPr>
-        <p:spPr>
-          <a:xfrm>
-            <a:off x="838200" y="365125"/>
-            <a:ext cx="10515600" cy="1325563"/>
-          </a:xfrm>
-        </p:spPr>
-        <p:txBody>
-          <a:bodyPr>
-            <a:normAutofit/>
-          </a:bodyPr>
-          <a:lstStyle/>
-          <a:p>
-            <a:pPr algn="ctr"/>
-            <a:r>
-              <a:rPr lang="it-IT" sz="7200" b="1" dirty="0">
-                <a:solidFill>
-                  <a:srgbClr val="990033"/>
-                </a:solidFill>
-                <a:latin typeface="JasmineUPC" panose="02020603050405020304" pitchFamily="18" charset="-34"/>
-                <a:cs typeface="JasmineUPC" panose="02020603050405020304" pitchFamily="18" charset="-34"/>
-              </a:rPr>
-              <a:t>How </a:t>
-            </a:r>
-            <a:r>
-              <a:rPr lang="it-IT" sz="7200" b="1" dirty="0" err="1">
-                <a:solidFill>
-                  <a:srgbClr val="990033"/>
-                </a:solidFill>
-                <a:latin typeface="JasmineUPC" panose="02020603050405020304" pitchFamily="18" charset="-34"/>
-                <a:cs typeface="JasmineUPC" panose="02020603050405020304" pitchFamily="18" charset="-34"/>
-              </a:rPr>
-              <a:t>it</a:t>
-            </a:r>
-            <a:r>
-              <a:rPr lang="it-IT" sz="7200" b="1" dirty="0">
-                <a:solidFill>
-                  <a:srgbClr val="990033"/>
-                </a:solidFill>
-                <a:latin typeface="JasmineUPC" panose="02020603050405020304" pitchFamily="18" charset="-34"/>
-                <a:cs typeface="JasmineUPC" panose="02020603050405020304" pitchFamily="18" charset="-34"/>
-              </a:rPr>
-              <a:t> works</a:t>
-            </a:r>
-            <a:endParaRPr lang="en-US" sz="7200" b="1" dirty="0">
-              <a:solidFill>
-                <a:srgbClr val="990033"/>
-              </a:solidFill>
-              <a:latin typeface="JasmineUPC" panose="02020603050405020304" pitchFamily="18" charset="-34"/>
-              <a:cs typeface="JasmineUPC" panose="02020603050405020304" pitchFamily="18" charset="-34"/>
-            </a:endParaRPr>
-          </a:p>
-        </p:txBody>
-      </p:sp>
-      <p:pic>
-        <p:nvPicPr>
-          <p:cNvPr id="3" name="Immagine 2">
-            <a:extLst>
-              <a:ext uri="{FF2B5EF4-FFF2-40B4-BE49-F238E27FC236}">
-                <a16:creationId xmlns:a16="http://schemas.microsoft.com/office/drawing/2014/main" id="{DD0BC473-1957-41EE-BBF0-C076409043AE}"/>
-              </a:ext>
-            </a:extLst>
-          </p:cNvPr>
-          <p:cNvPicPr>
-            <a:picLocks noChangeAspect="1"/>
-          </p:cNvPicPr>
-          <p:nvPr/>
-        </p:nvPicPr>
-        <p:blipFill>
-          <a:blip r:embed="rId9">
-            <a:alphaModFix amt="20000"/>
-            <a:extLst>
-              <a:ext uri="{28A0092B-C50C-407E-A947-70E740481C1C}">
-                <a14:useLocalDpi xmlns:a14="http://schemas.microsoft.com/office/drawing/2010/main" val="0"/>
-              </a:ext>
-            </a:extLst>
-          </a:blip>
-          <a:stretch>
-            <a:fillRect/>
-          </a:stretch>
-        </p:blipFill>
-        <p:spPr>
-          <a:xfrm>
-            <a:off x="10266920" y="0"/>
-            <a:ext cx="1925080" cy="1325563"/>
-          </a:xfrm>
-          <a:prstGeom prst="rect">
-            <a:avLst/>
-          </a:prstGeom>
-        </p:spPr>
-      </p:pic>
-      <p:sp>
-        <p:nvSpPr>
-          <p:cNvPr id="6" name="CasellaDiTesto 5">
-            <a:extLst>
-              <a:ext uri="{FF2B5EF4-FFF2-40B4-BE49-F238E27FC236}">
-                <a16:creationId xmlns:a16="http://schemas.microsoft.com/office/drawing/2014/main" id="{B572909E-EFF1-4F9C-B7A8-88263AEBB00C}"/>
-              </a:ext>
-            </a:extLst>
-          </p:cNvPr>
-          <p:cNvSpPr txBox="1"/>
-          <p:nvPr/>
-        </p:nvSpPr>
-        <p:spPr>
-          <a:xfrm rot="1344387">
-            <a:off x="6210125" y="2165139"/>
-            <a:ext cx="550738" cy="707886"/>
-          </a:xfrm>
-          <a:prstGeom prst="rect">
-            <a:avLst/>
-          </a:prstGeom>
-          <a:noFill/>
-        </p:spPr>
-        <p:txBody>
-          <a:bodyPr wrap="square" rtlCol="0">
-            <a:spAutoFit/>
-          </a:bodyPr>
-          <a:lstStyle/>
-          <a:p>
-            <a:pPr algn="ctr"/>
-            <a:r>
-              <a:rPr lang="it-IT" sz="1000" dirty="0" err="1">
-                <a:solidFill>
-                  <a:srgbClr val="990033"/>
-                </a:solidFill>
-                <a:latin typeface="JasmineUPC" panose="02020603050405020304" pitchFamily="18" charset="-34"/>
-                <a:cs typeface="JasmineUPC" panose="02020603050405020304" pitchFamily="18" charset="-34"/>
-              </a:rPr>
-              <a:t>Maybe</a:t>
-            </a:r>
-            <a:r>
-              <a:rPr lang="it-IT" sz="1000" dirty="0">
-                <a:solidFill>
-                  <a:srgbClr val="990033"/>
-                </a:solidFill>
-                <a:latin typeface="JasmineUPC" panose="02020603050405020304" pitchFamily="18" charset="-34"/>
-                <a:cs typeface="JasmineUPC" panose="02020603050405020304" pitchFamily="18" charset="-34"/>
-              </a:rPr>
-              <a:t> use a blanket </a:t>
-            </a:r>
-            <a:r>
-              <a:rPr lang="it-IT" sz="1000" dirty="0" err="1">
-                <a:solidFill>
-                  <a:srgbClr val="990033"/>
-                </a:solidFill>
-                <a:latin typeface="JasmineUPC" panose="02020603050405020304" pitchFamily="18" charset="-34"/>
-                <a:cs typeface="JasmineUPC" panose="02020603050405020304" pitchFamily="18" charset="-34"/>
-              </a:rPr>
-              <a:t>instead</a:t>
-            </a:r>
-            <a:endParaRPr lang="en-US" sz="1000" dirty="0">
-              <a:solidFill>
-                <a:srgbClr val="990033"/>
-              </a:solidFill>
-              <a:latin typeface="JasmineUPC" panose="02020603050405020304" pitchFamily="18" charset="-34"/>
-              <a:cs typeface="JasmineUPC" panose="02020603050405020304" pitchFamily="18" charset="-34"/>
-            </a:endParaRPr>
-          </a:p>
-        </p:txBody>
-      </p:sp>
-    </p:spTree>
-    <p:extLst>
-      <p:ext uri="{BB962C8B-B14F-4D97-AF65-F5344CB8AC3E}">
-        <p14:creationId xmlns:p14="http://schemas.microsoft.com/office/powerpoint/2010/main" val="3656896777"/>
-      </p:ext>
-    </p:extLst>
-  </p:cSld>
-  <p:clrMapOvr>
-    <a:masterClrMapping/>
-  </p:clrMapOvr>
-</p:sld>
-</file>
-
-<file path=ppt/slides/slide3.xml><?xml version="1.0" encoding="utf-8"?>
-<p:sld xmlns:a="http://schemas.openxmlformats.org/drawingml/2006/main" xmlns:r="http://schemas.openxmlformats.org/officeDocument/2006/relationships" xmlns:p="http://schemas.openxmlformats.org/presentationml/2006/main">
-  <p:cSld>
-    <p:spTree>
-      <p:nvGrpSpPr>
-        <p:cNvPr id="1" name=""/>
-        <p:cNvGrpSpPr/>
-        <p:nvPr/>
-      </p:nvGrpSpPr>
-      <p:grpSpPr>
-        <a:xfrm>
-          <a:off x="0" y="0"/>
-          <a:ext cx="0" cy="0"/>
-          <a:chOff x="0" y="0"/>
-          <a:chExt cx="0" cy="0"/>
-        </a:xfrm>
-      </p:grpSpPr>
       <p:sp>
         <p:nvSpPr>
           <p:cNvPr id="2" name="Titolo 1">
@@ -13186,6 +13823,279 @@
     <p:extLst>
       <p:ext uri="{BB962C8B-B14F-4D97-AF65-F5344CB8AC3E}">
         <p14:creationId xmlns:p14="http://schemas.microsoft.com/office/powerpoint/2010/main" val="2297425355"/>
+      </p:ext>
+    </p:extLst>
+  </p:cSld>
+  <p:clrMapOvr>
+    <a:masterClrMapping/>
+  </p:clrMapOvr>
+</p:sld>
+</file>
+
+<file path=ppt/slides/slide3.xml><?xml version="1.0" encoding="utf-8"?>
+<p:sld xmlns:a="http://schemas.openxmlformats.org/drawingml/2006/main" xmlns:r="http://schemas.openxmlformats.org/officeDocument/2006/relationships" xmlns:p="http://schemas.openxmlformats.org/presentationml/2006/main">
+  <p:cSld>
+    <p:spTree>
+      <p:nvGrpSpPr>
+        <p:cNvPr id="1" name=""/>
+        <p:cNvGrpSpPr/>
+        <p:nvPr/>
+      </p:nvGrpSpPr>
+      <p:grpSpPr>
+        <a:xfrm>
+          <a:off x="0" y="0"/>
+          <a:ext cx="0" cy="0"/>
+          <a:chOff x="0" y="0"/>
+          <a:chExt cx="0" cy="0"/>
+        </a:xfrm>
+      </p:grpSpPr>
+      <p:pic>
+        <p:nvPicPr>
+          <p:cNvPr id="5" name="Immagine 4" descr="Immagine che contiene interni, caminetto&#10;&#10;Descrizione generata automaticamente">
+            <a:extLst>
+              <a:ext uri="{FF2B5EF4-FFF2-40B4-BE49-F238E27FC236}">
+                <a16:creationId xmlns:a16="http://schemas.microsoft.com/office/drawing/2014/main" id="{1D31952D-FC0F-4880-BDB0-ECC68F82BCC8}"/>
+              </a:ext>
+            </a:extLst>
+          </p:cNvPr>
+          <p:cNvPicPr>
+            <a:picLocks noChangeAspect="1"/>
+          </p:cNvPicPr>
+          <p:nvPr/>
+        </p:nvPicPr>
+        <p:blipFill>
+          <a:blip r:embed="rId3">
+            <a:alphaModFix amt="15000"/>
+            <a:extLst>
+              <a:ext uri="{28A0092B-C50C-407E-A947-70E740481C1C}">
+                <a14:useLocalDpi xmlns:a14="http://schemas.microsoft.com/office/drawing/2010/main" val="0"/>
+              </a:ext>
+            </a:extLst>
+          </a:blip>
+          <a:stretch>
+            <a:fillRect/>
+          </a:stretch>
+        </p:blipFill>
+        <p:spPr>
+          <a:xfrm>
+            <a:off x="0" y="-12222"/>
+            <a:ext cx="12192000" cy="6870222"/>
+          </a:xfrm>
+          <a:prstGeom prst="rect">
+            <a:avLst/>
+          </a:prstGeom>
+        </p:spPr>
+      </p:pic>
+      <p:graphicFrame>
+        <p:nvGraphicFramePr>
+          <p:cNvPr id="15" name="Segnaposto contenuto 14">
+            <a:extLst>
+              <a:ext uri="{FF2B5EF4-FFF2-40B4-BE49-F238E27FC236}">
+                <a16:creationId xmlns:a16="http://schemas.microsoft.com/office/drawing/2014/main" id="{25436DF3-5D26-42A9-A99D-4CCC1F4006A9}"/>
+              </a:ext>
+            </a:extLst>
+          </p:cNvPr>
+          <p:cNvGraphicFramePr>
+            <a:graphicFrameLocks noGrp="1"/>
+          </p:cNvGraphicFramePr>
+          <p:nvPr>
+            <p:ph idx="1"/>
+            <p:extLst>
+              <p:ext uri="{D42A27DB-BD31-4B8C-83A1-F6EECF244321}">
+                <p14:modId xmlns:p14="http://schemas.microsoft.com/office/powerpoint/2010/main" val="2407541056"/>
+              </p:ext>
+            </p:extLst>
+          </p:nvPr>
+        </p:nvGraphicFramePr>
+        <p:xfrm>
+          <a:off x="838200" y="1726364"/>
+          <a:ext cx="10515600" cy="4351338"/>
+        </p:xfrm>
+        <a:graphic>
+          <a:graphicData uri="http://schemas.openxmlformats.org/drawingml/2006/diagram">
+            <dgm:relIds xmlns:dgm="http://schemas.openxmlformats.org/drawingml/2006/diagram" xmlns:r="http://schemas.openxmlformats.org/officeDocument/2006/relationships" r:dm="rId4" r:lo="rId5" r:qs="rId6" r:cs="rId7"/>
+          </a:graphicData>
+        </a:graphic>
+      </p:graphicFrame>
+      <p:sp>
+        <p:nvSpPr>
+          <p:cNvPr id="18" name="Titolo 1">
+            <a:extLst>
+              <a:ext uri="{FF2B5EF4-FFF2-40B4-BE49-F238E27FC236}">
+                <a16:creationId xmlns:a16="http://schemas.microsoft.com/office/drawing/2014/main" id="{413F3ED1-7771-4ED2-A874-7CCA3E77138E}"/>
+              </a:ext>
+            </a:extLst>
+          </p:cNvPr>
+          <p:cNvSpPr>
+            <a:spLocks noGrp="1"/>
+          </p:cNvSpPr>
+          <p:nvPr>
+            <p:ph type="title"/>
+          </p:nvPr>
+        </p:nvSpPr>
+        <p:spPr>
+          <a:xfrm>
+            <a:off x="838200" y="365125"/>
+            <a:ext cx="10515600" cy="1325563"/>
+          </a:xfrm>
+        </p:spPr>
+        <p:txBody>
+          <a:bodyPr>
+            <a:normAutofit/>
+          </a:bodyPr>
+          <a:lstStyle/>
+          <a:p>
+            <a:pPr algn="ctr"/>
+            <a:r>
+              <a:rPr lang="it-IT" sz="7200" b="1" dirty="0">
+                <a:solidFill>
+                  <a:srgbClr val="990033"/>
+                </a:solidFill>
+                <a:latin typeface="JasmineUPC" panose="02020603050405020304" pitchFamily="18" charset="-34"/>
+                <a:cs typeface="JasmineUPC" panose="02020603050405020304" pitchFamily="18" charset="-34"/>
+              </a:rPr>
+              <a:t>How </a:t>
+            </a:r>
+            <a:r>
+              <a:rPr lang="it-IT" sz="7200" b="1" dirty="0" err="1">
+                <a:solidFill>
+                  <a:srgbClr val="990033"/>
+                </a:solidFill>
+                <a:latin typeface="JasmineUPC" panose="02020603050405020304" pitchFamily="18" charset="-34"/>
+                <a:cs typeface="JasmineUPC" panose="02020603050405020304" pitchFamily="18" charset="-34"/>
+              </a:rPr>
+              <a:t>it</a:t>
+            </a:r>
+            <a:r>
+              <a:rPr lang="it-IT" sz="7200" b="1" dirty="0">
+                <a:solidFill>
+                  <a:srgbClr val="990033"/>
+                </a:solidFill>
+                <a:latin typeface="JasmineUPC" panose="02020603050405020304" pitchFamily="18" charset="-34"/>
+                <a:cs typeface="JasmineUPC" panose="02020603050405020304" pitchFamily="18" charset="-34"/>
+              </a:rPr>
+              <a:t> works</a:t>
+            </a:r>
+            <a:endParaRPr lang="en-US" sz="7200" b="1" dirty="0">
+              <a:solidFill>
+                <a:srgbClr val="990033"/>
+              </a:solidFill>
+              <a:latin typeface="JasmineUPC" panose="02020603050405020304" pitchFamily="18" charset="-34"/>
+              <a:cs typeface="JasmineUPC" panose="02020603050405020304" pitchFamily="18" charset="-34"/>
+            </a:endParaRPr>
+          </a:p>
+        </p:txBody>
+      </p:sp>
+      <p:pic>
+        <p:nvPicPr>
+          <p:cNvPr id="3" name="Immagine 2">
+            <a:extLst>
+              <a:ext uri="{FF2B5EF4-FFF2-40B4-BE49-F238E27FC236}">
+                <a16:creationId xmlns:a16="http://schemas.microsoft.com/office/drawing/2014/main" id="{DD0BC473-1957-41EE-BBF0-C076409043AE}"/>
+              </a:ext>
+            </a:extLst>
+          </p:cNvPr>
+          <p:cNvPicPr>
+            <a:picLocks noChangeAspect="1"/>
+          </p:cNvPicPr>
+          <p:nvPr/>
+        </p:nvPicPr>
+        <p:blipFill>
+          <a:blip r:embed="rId9">
+            <a:alphaModFix amt="20000"/>
+            <a:extLst>
+              <a:ext uri="{28A0092B-C50C-407E-A947-70E740481C1C}">
+                <a14:useLocalDpi xmlns:a14="http://schemas.microsoft.com/office/drawing/2010/main" val="0"/>
+              </a:ext>
+            </a:extLst>
+          </a:blip>
+          <a:stretch>
+            <a:fillRect/>
+          </a:stretch>
+        </p:blipFill>
+        <p:spPr>
+          <a:xfrm>
+            <a:off x="10266920" y="0"/>
+            <a:ext cx="1925080" cy="1325563"/>
+          </a:xfrm>
+          <a:prstGeom prst="rect">
+            <a:avLst/>
+          </a:prstGeom>
+        </p:spPr>
+      </p:pic>
+      <p:sp>
+        <p:nvSpPr>
+          <p:cNvPr id="6" name="CasellaDiTesto 5">
+            <a:extLst>
+              <a:ext uri="{FF2B5EF4-FFF2-40B4-BE49-F238E27FC236}">
+                <a16:creationId xmlns:a16="http://schemas.microsoft.com/office/drawing/2014/main" id="{B572909E-EFF1-4F9C-B7A8-88263AEBB00C}"/>
+              </a:ext>
+            </a:extLst>
+          </p:cNvPr>
+          <p:cNvSpPr txBox="1"/>
+          <p:nvPr/>
+        </p:nvSpPr>
+        <p:spPr>
+          <a:xfrm rot="1344387">
+            <a:off x="6210125" y="2165139"/>
+            <a:ext cx="550738" cy="707886"/>
+          </a:xfrm>
+          <a:prstGeom prst="rect">
+            <a:avLst/>
+          </a:prstGeom>
+          <a:noFill/>
+        </p:spPr>
+        <p:txBody>
+          <a:bodyPr wrap="square" rtlCol="0">
+            <a:spAutoFit/>
+          </a:bodyPr>
+          <a:lstStyle/>
+          <a:p>
+            <a:pPr algn="ctr"/>
+            <a:r>
+              <a:rPr lang="it-IT" sz="1000" dirty="0" err="1">
+                <a:solidFill>
+                  <a:srgbClr val="990033"/>
+                </a:solidFill>
+                <a:latin typeface="JasmineUPC" panose="02020603050405020304" pitchFamily="18" charset="-34"/>
+                <a:cs typeface="JasmineUPC" panose="02020603050405020304" pitchFamily="18" charset="-34"/>
+              </a:rPr>
+              <a:t>Maybe</a:t>
+            </a:r>
+            <a:r>
+              <a:rPr lang="it-IT" sz="1000" dirty="0">
+                <a:solidFill>
+                  <a:srgbClr val="990033"/>
+                </a:solidFill>
+                <a:latin typeface="JasmineUPC" panose="02020603050405020304" pitchFamily="18" charset="-34"/>
+                <a:cs typeface="JasmineUPC" panose="02020603050405020304" pitchFamily="18" charset="-34"/>
+              </a:rPr>
+              <a:t> use a blanket </a:t>
+            </a:r>
+            <a:r>
+              <a:rPr lang="it-IT" sz="1000" dirty="0" err="1">
+                <a:solidFill>
+                  <a:srgbClr val="990033"/>
+                </a:solidFill>
+                <a:latin typeface="JasmineUPC" panose="02020603050405020304" pitchFamily="18" charset="-34"/>
+                <a:cs typeface="JasmineUPC" panose="02020603050405020304" pitchFamily="18" charset="-34"/>
+              </a:rPr>
+              <a:t>instead</a:t>
+            </a:r>
+            <a:endParaRPr lang="en-US" sz="1000" dirty="0">
+              <a:solidFill>
+                <a:srgbClr val="990033"/>
+              </a:solidFill>
+              <a:latin typeface="JasmineUPC" panose="02020603050405020304" pitchFamily="18" charset="-34"/>
+              <a:cs typeface="JasmineUPC" panose="02020603050405020304" pitchFamily="18" charset="-34"/>
+            </a:endParaRPr>
+          </a:p>
+        </p:txBody>
+      </p:sp>
+    </p:spTree>
+    <p:extLst>
+      <p:ext uri="{BB962C8B-B14F-4D97-AF65-F5344CB8AC3E}">
+        <p14:creationId xmlns:p14="http://schemas.microsoft.com/office/powerpoint/2010/main" val="3656896777"/>
       </p:ext>
     </p:extLst>
   </p:cSld>

--- a/3/Ambient.pptx
+++ b/3/Ambient.pptx
@@ -2175,6 +2175,36 @@
               <a:cs typeface="JasmineUPC" panose="02020603050405020304" pitchFamily="18" charset="-34"/>
             </a:rPr>
             <a:t>sensors</a:t>
+          </a:r>
+          <a:r>
+            <a:rPr lang="it-IT" sz="3000" dirty="0">
+              <a:solidFill>
+                <a:srgbClr val="990033"/>
+              </a:solidFill>
+              <a:latin typeface="JasmineUPC" panose="02020603050405020304" pitchFamily="18" charset="-34"/>
+              <a:cs typeface="JasmineUPC" panose="02020603050405020304" pitchFamily="18" charset="-34"/>
+            </a:rPr>
+            <a:t> (ex </a:t>
+          </a:r>
+          <a:r>
+            <a:rPr lang="it-IT" sz="3000" dirty="0" err="1">
+              <a:solidFill>
+                <a:srgbClr val="990033"/>
+              </a:solidFill>
+              <a:latin typeface="JasmineUPC" panose="02020603050405020304" pitchFamily="18" charset="-34"/>
+              <a:cs typeface="JasmineUPC" panose="02020603050405020304" pitchFamily="18" charset="-34"/>
+            </a:rPr>
+            <a:t>PIRs</a:t>
+          </a:r>
+          <a:r>
+            <a:rPr lang="it-IT" sz="3000" dirty="0">
+              <a:solidFill>
+                <a:srgbClr val="990033"/>
+              </a:solidFill>
+              <a:latin typeface="JasmineUPC" panose="02020603050405020304" pitchFamily="18" charset="-34"/>
+              <a:cs typeface="JasmineUPC" panose="02020603050405020304" pitchFamily="18" charset="-34"/>
+            </a:rPr>
+            <a:t>)</a:t>
           </a:r>
           <a:endParaRPr lang="en-US" sz="3000" dirty="0">
             <a:solidFill>
@@ -3730,6 +3760,36 @@
               <a:cs typeface="JasmineUPC" panose="02020603050405020304" pitchFamily="18" charset="-34"/>
             </a:rPr>
             <a:t>sensors</a:t>
+          </a:r>
+          <a:r>
+            <a:rPr lang="it-IT" sz="3000" kern="1200" dirty="0">
+              <a:solidFill>
+                <a:srgbClr val="990033"/>
+              </a:solidFill>
+              <a:latin typeface="JasmineUPC" panose="02020603050405020304" pitchFamily="18" charset="-34"/>
+              <a:cs typeface="JasmineUPC" panose="02020603050405020304" pitchFamily="18" charset="-34"/>
+            </a:rPr>
+            <a:t> (ex </a:t>
+          </a:r>
+          <a:r>
+            <a:rPr lang="it-IT" sz="3000" kern="1200" dirty="0" err="1">
+              <a:solidFill>
+                <a:srgbClr val="990033"/>
+              </a:solidFill>
+              <a:latin typeface="JasmineUPC" panose="02020603050405020304" pitchFamily="18" charset="-34"/>
+              <a:cs typeface="JasmineUPC" panose="02020603050405020304" pitchFamily="18" charset="-34"/>
+            </a:rPr>
+            <a:t>PIRs</a:t>
+          </a:r>
+          <a:r>
+            <a:rPr lang="it-IT" sz="3000" kern="1200" dirty="0">
+              <a:solidFill>
+                <a:srgbClr val="990033"/>
+              </a:solidFill>
+              <a:latin typeface="JasmineUPC" panose="02020603050405020304" pitchFamily="18" charset="-34"/>
+              <a:cs typeface="JasmineUPC" panose="02020603050405020304" pitchFamily="18" charset="-34"/>
+            </a:rPr>
+            <a:t>)</a:t>
           </a:r>
           <a:endParaRPr lang="en-US" sz="3000" kern="1200" dirty="0">
             <a:solidFill>
@@ -9669,7 +9729,15 @@
             </a:r>
             <a:r>
               <a:rPr lang="it-IT" dirty="0"/>
-              <a:t>: </a:t>
+              <a:t>: the </a:t>
+            </a:r>
+            <a:r>
+              <a:rPr lang="it-IT" dirty="0" err="1"/>
+              <a:t>ontology</a:t>
+            </a:r>
+            <a:r>
+              <a:rPr lang="it-IT" dirty="0"/>
+              <a:t> of </a:t>
             </a:r>
             <a:r>
               <a:rPr lang="it-IT" dirty="0" err="1"/>
@@ -9701,11 +9769,11 @@
             </a:r>
             <a:r>
               <a:rPr lang="it-IT" dirty="0"/>
-              <a:t> on  </a:t>
-            </a:r>
-            <a:r>
-              <a:rPr lang="it-IT" dirty="0" err="1"/>
-              <a:t>theProtege</a:t>
+              <a:t> on the </a:t>
+            </a:r>
+            <a:r>
+              <a:rPr lang="it-IT" dirty="0" err="1"/>
+              <a:t>Protege</a:t>
             </a:r>
             <a:r>
               <a:rPr lang="it-IT" dirty="0"/>
@@ -9852,11 +9920,28 @@
             </a:r>
             <a:r>
               <a:rPr lang="it-IT" dirty="0"/>
-              <a:t>.</a:t>
-            </a:r>
-            <a:endParaRPr lang="en-US" dirty="0"/>
-          </a:p>
-          <a:p>
+              <a:t>, thank </a:t>
+            </a:r>
+            <a:r>
+              <a:rPr lang="it-IT" dirty="0" err="1"/>
+              <a:t>you</a:t>
+            </a:r>
+            <a:r>
+              <a:rPr lang="it-IT" dirty="0"/>
+              <a:t> for </a:t>
+            </a:r>
+            <a:r>
+              <a:rPr lang="it-IT" dirty="0" err="1"/>
+              <a:t>your</a:t>
+            </a:r>
+            <a:r>
+              <a:rPr lang="it-IT" dirty="0"/>
+              <a:t> </a:t>
+            </a:r>
+            <a:r>
+              <a:rPr lang="it-IT" dirty="0" err="1"/>
+              <a:t>attention</a:t>
+            </a:r>
             <a:endParaRPr lang="en-US" dirty="0"/>
           </a:p>
         </p:txBody>
@@ -13689,7 +13774,7 @@
           <p:nvPr>
             <p:extLst>
               <p:ext uri="{D42A27DB-BD31-4B8C-83A1-F6EECF244321}">
-                <p14:modId xmlns:p14="http://schemas.microsoft.com/office/powerpoint/2010/main" val="1984668928"/>
+                <p14:modId xmlns:p14="http://schemas.microsoft.com/office/powerpoint/2010/main" val="2013578193"/>
               </p:ext>
             </p:extLst>
           </p:nvPr>
